--- a/images/architecture_diagram_utility_meter.pptx
+++ b/images/architecture_diagram_utility_meter.pptx
@@ -6,13 +6,15 @@
     <p:sldMasterId id="2147483698" r:id="rId2"/>
   </p:sldMasterIdLst>
   <p:notesMasterIdLst>
-    <p:notesMasterId r:id="rId4"/>
+    <p:notesMasterId r:id="rId6"/>
   </p:notesMasterIdLst>
   <p:handoutMasterIdLst>
-    <p:handoutMasterId r:id="rId5"/>
+    <p:handoutMasterId r:id="rId7"/>
   </p:handoutMasterIdLst>
   <p:sldIdLst>
     <p:sldId id="260" r:id="rId3"/>
+    <p:sldId id="261" r:id="rId4"/>
+    <p:sldId id="262" r:id="rId5"/>
   </p:sldIdLst>
   <p:sldSz cx="12192000" cy="10515600"/>
   <p:notesSz cx="6858000" cy="9144000"/>
@@ -224,7 +226,7 @@
           <a:p>
             <a:fld id="{49A7721D-1176-A640-AC48-B82F78C92D56}" type="datetimeFigureOut">
               <a:rPr lang="en-US" smtClean="0"/>
-              <a:t>10/3/20</a:t>
+              <a:t>11/22/2021</a:t>
             </a:fld>
             <a:endParaRPr lang="en-US" dirty="0"/>
           </a:p>
@@ -401,7 +403,7 @@
           <a:p>
             <a:fld id="{C884A089-FB25-6D46-9D21-F0F04A18BCA8}" type="datetimeFigureOut">
               <a:rPr lang="en-US" smtClean="0"/>
-              <a:t>10/3/20</a:t>
+              <a:t>11/22/2021</a:t>
             </a:fld>
             <a:endParaRPr lang="en-US" dirty="0"/>
           </a:p>
@@ -668,6 +670,90 @@
 </p:notesMaster>
 </file>
 
+<file path=ppt/notesSlides/notesSlide1.xml><?xml version="1.0" encoding="utf-8"?>
+<p:notes xmlns:a="http://schemas.openxmlformats.org/drawingml/2006/main" xmlns:r="http://schemas.openxmlformats.org/officeDocument/2006/relationships" xmlns:p="http://schemas.openxmlformats.org/presentationml/2006/main">
+  <p:cSld>
+    <p:spTree>
+      <p:nvGrpSpPr>
+        <p:cNvPr id="1" name=""/>
+        <p:cNvGrpSpPr/>
+        <p:nvPr/>
+      </p:nvGrpSpPr>
+      <p:grpSpPr>
+        <a:xfrm>
+          <a:off x="0" y="0"/>
+          <a:ext cx="0" cy="0"/>
+          <a:chOff x="0" y="0"/>
+          <a:chExt cx="0" cy="0"/>
+        </a:xfrm>
+      </p:grpSpPr>
+      <p:sp>
+        <p:nvSpPr>
+          <p:cNvPr id="2" name="Slide Image Placeholder 1"/>
+          <p:cNvSpPr>
+            <a:spLocks noGrp="1" noRot="1" noChangeAspect="1"/>
+          </p:cNvSpPr>
+          <p:nvPr>
+            <p:ph type="sldImg"/>
+          </p:nvPr>
+        </p:nvSpPr>
+        <p:spPr/>
+      </p:sp>
+      <p:sp>
+        <p:nvSpPr>
+          <p:cNvPr id="3" name="Notes Placeholder 2"/>
+          <p:cNvSpPr>
+            <a:spLocks noGrp="1"/>
+          </p:cNvSpPr>
+          <p:nvPr>
+            <p:ph type="body" idx="1"/>
+          </p:nvPr>
+        </p:nvSpPr>
+        <p:spPr/>
+        <p:txBody>
+          <a:bodyPr/>
+          <a:lstStyle/>
+          <a:p>
+            <a:endParaRPr lang="en-US" dirty="0"/>
+          </a:p>
+        </p:txBody>
+      </p:sp>
+      <p:sp>
+        <p:nvSpPr>
+          <p:cNvPr id="4" name="Slide Number Placeholder 3"/>
+          <p:cNvSpPr>
+            <a:spLocks noGrp="1"/>
+          </p:cNvSpPr>
+          <p:nvPr>
+            <p:ph type="sldNum" sz="quarter" idx="5"/>
+          </p:nvPr>
+        </p:nvSpPr>
+        <p:spPr/>
+        <p:txBody>
+          <a:bodyPr/>
+          <a:lstStyle/>
+          <a:p>
+            <a:fld id="{F0F304BD-78E5-F743-9CDB-4BAC0F2E5AB7}" type="slidenum">
+              <a:rPr lang="en-US" smtClean="0"/>
+              <a:t>2</a:t>
+            </a:fld>
+            <a:endParaRPr lang="en-US" dirty="0"/>
+          </a:p>
+        </p:txBody>
+      </p:sp>
+    </p:spTree>
+    <p:extLst>
+      <p:ext uri="{BB962C8B-B14F-4D97-AF65-F5344CB8AC3E}">
+        <p14:creationId xmlns:p14="http://schemas.microsoft.com/office/powerpoint/2010/main" val="2189783593"/>
+      </p:ext>
+    </p:extLst>
+  </p:cSld>
+  <p:clrMapOvr>
+    <a:masterClrMapping/>
+  </p:clrMapOvr>
+</p:notes>
+</file>
+
 <file path=ppt/slideLayouts/slideLayout1.xml><?xml version="1.0" encoding="utf-8"?>
 <p:sldLayout xmlns:a="http://schemas.openxmlformats.org/drawingml/2006/main" xmlns:r="http://schemas.openxmlformats.org/officeDocument/2006/relationships" xmlns:p="http://schemas.openxmlformats.org/presentationml/2006/main" userDrawn="1">
   <p:cSld name="Blank">
@@ -943,7 +1029,7 @@
           <a:p>
             <a:fld id="{C764DE79-268F-4C1A-8933-263129D2AF90}" type="datetimeFigureOut">
               <a:rPr lang="en-US"/>
-              <a:t>10/3/20</a:t>
+              <a:t>11/22/2021</a:t>
             </a:fld>
             <a:endParaRPr lang="en-US" dirty="0"/>
           </a:p>
@@ -1114,7 +1200,7 @@
           <a:p>
             <a:fld id="{C764DE79-268F-4C1A-8933-263129D2AF90}" type="datetimeFigureOut">
               <a:rPr lang="en-US"/>
-              <a:t>10/3/20</a:t>
+              <a:t>11/22/2021</a:t>
             </a:fld>
             <a:endParaRPr lang="en-US" dirty="0"/>
           </a:p>
@@ -1295,7 +1381,7 @@
           <a:p>
             <a:fld id="{C764DE79-268F-4C1A-8933-263129D2AF90}" type="datetimeFigureOut">
               <a:rPr lang="en-US"/>
-              <a:t>10/3/20</a:t>
+              <a:t>11/22/2021</a:t>
             </a:fld>
             <a:endParaRPr lang="en-US" dirty="0"/>
           </a:p>
@@ -1488,7 +1574,7 @@
           <a:p>
             <a:fld id="{C764DE79-268F-4C1A-8933-263129D2AF90}" type="datetimeFigureOut">
               <a:rPr lang="en-US"/>
-              <a:t>10/3/20</a:t>
+              <a:t>11/22/2021</a:t>
             </a:fld>
             <a:endParaRPr lang="en-US" dirty="0"/>
           </a:p>
@@ -1659,7 +1745,7 @@
           <a:p>
             <a:fld id="{C764DE79-268F-4C1A-8933-263129D2AF90}" type="datetimeFigureOut">
               <a:rPr lang="en-US"/>
-              <a:t>10/3/20</a:t>
+              <a:t>11/22/2021</a:t>
             </a:fld>
             <a:endParaRPr lang="en-US" dirty="0"/>
           </a:p>
@@ -1904,7 +1990,7 @@
           <a:p>
             <a:fld id="{C764DE79-268F-4C1A-8933-263129D2AF90}" type="datetimeFigureOut">
               <a:rPr lang="en-US"/>
-              <a:t>10/3/20</a:t>
+              <a:t>11/22/2021</a:t>
             </a:fld>
             <a:endParaRPr lang="en-US" dirty="0"/>
           </a:p>
@@ -2137,7 +2223,7 @@
           <a:p>
             <a:fld id="{C764DE79-268F-4C1A-8933-263129D2AF90}" type="datetimeFigureOut">
               <a:rPr lang="en-US"/>
-              <a:t>10/3/20</a:t>
+              <a:t>11/22/2021</a:t>
             </a:fld>
             <a:endParaRPr lang="en-US" dirty="0"/>
           </a:p>
@@ -2505,7 +2591,7 @@
           <a:p>
             <a:fld id="{C764DE79-268F-4C1A-8933-263129D2AF90}" type="datetimeFigureOut">
               <a:rPr lang="en-US"/>
-              <a:t>10/3/20</a:t>
+              <a:t>11/22/2021</a:t>
             </a:fld>
             <a:endParaRPr lang="en-US" dirty="0"/>
           </a:p>
@@ -2624,7 +2710,7 @@
           <a:p>
             <a:fld id="{C764DE79-268F-4C1A-8933-263129D2AF90}" type="datetimeFigureOut">
               <a:rPr lang="en-US"/>
-              <a:t>10/3/20</a:t>
+              <a:t>11/22/2021</a:t>
             </a:fld>
             <a:endParaRPr lang="en-US" dirty="0"/>
           </a:p>
@@ -2993,7 +3079,7 @@
           <a:p>
             <a:fld id="{C764DE79-268F-4C1A-8933-263129D2AF90}" type="datetimeFigureOut">
               <a:rPr lang="en-US"/>
-              <a:t>10/3/20</a:t>
+              <a:t>11/22/2021</a:t>
             </a:fld>
             <a:endParaRPr lang="en-US" dirty="0"/>
           </a:p>
@@ -3527,7 +3613,7 @@
           <a:p>
             <a:fld id="{C764DE79-268F-4C1A-8933-263129D2AF90}" type="datetimeFigureOut">
               <a:rPr lang="en-US"/>
-              <a:t>10/3/20</a:t>
+              <a:t>11/22/2021</a:t>
             </a:fld>
             <a:endParaRPr lang="en-US" dirty="0"/>
           </a:p>
@@ -4140,7 +4226,7 @@
         </p:nvSpPr>
         <p:spPr>
           <a:xfrm>
-            <a:off x="4971794" y="6557492"/>
+            <a:off x="4971794" y="6515157"/>
             <a:ext cx="1123121" cy="646331"/>
           </a:xfrm>
           <a:prstGeom prst="rect">
@@ -4235,7 +4321,7 @@
         </p:nvSpPr>
         <p:spPr>
           <a:xfrm>
-            <a:off x="5720505" y="6557492"/>
+            <a:off x="5720505" y="6515157"/>
             <a:ext cx="1227517" cy="461665"/>
           </a:xfrm>
           <a:prstGeom prst="rect">
@@ -4446,7 +4532,7 @@
               <a:srgbClr val="545B64"/>
             </a:solidFill>
             <a:headEnd type="none" w="med" len="sm"/>
-            <a:tailEnd type="triangle"/>
+            <a:tailEnd type="arrow"/>
           </a:ln>
         </p:spPr>
         <p:style>
@@ -4491,7 +4577,7 @@
               <a:srgbClr val="545B64"/>
             </a:solidFill>
             <a:headEnd type="none" w="med" len="sm"/>
-            <a:tailEnd type="triangle"/>
+            <a:tailEnd type="arrow"/>
           </a:ln>
         </p:spPr>
         <p:style>
@@ -4537,7 +4623,7 @@
               <a:srgbClr val="545B64"/>
             </a:solidFill>
             <a:headEnd type="none" w="med" len="sm"/>
-            <a:tailEnd type="triangle"/>
+            <a:tailEnd type="arrow"/>
           </a:ln>
         </p:spPr>
         <p:style>
@@ -4946,7 +5032,7 @@
               <a:srgbClr val="545B64"/>
             </a:solidFill>
             <a:headEnd type="none" w="med" len="sm"/>
-            <a:tailEnd type="triangle"/>
+            <a:tailEnd type="arrow"/>
           </a:ln>
         </p:spPr>
         <p:style>
@@ -4991,7 +5077,7 @@
               <a:srgbClr val="545B64"/>
             </a:solidFill>
             <a:headEnd type="none" w="med" len="sm"/>
-            <a:tailEnd type="triangle"/>
+            <a:tailEnd type="arrow"/>
           </a:ln>
         </p:spPr>
         <p:style>
@@ -5152,7 +5238,7 @@
               <a:srgbClr val="545B64"/>
             </a:solidFill>
             <a:headEnd type="none" w="med" len="sm"/>
-            <a:tailEnd type="triangle"/>
+            <a:tailEnd type="arrow"/>
           </a:ln>
         </p:spPr>
         <p:style>
@@ -5275,7 +5361,7 @@
               <a:srgbClr val="545B64"/>
             </a:solidFill>
             <a:headEnd type="none" w="med" len="sm"/>
-            <a:tailEnd type="triangle"/>
+            <a:tailEnd type="arrow"/>
           </a:ln>
         </p:spPr>
         <p:style>
@@ -5321,7 +5407,7 @@
             <a:solidFill>
               <a:srgbClr val="545B64"/>
             </a:solidFill>
-            <a:headEnd type="none" w="med" len="sm"/>
+            <a:headEnd type="arrow" w="med" len="sm"/>
             <a:tailEnd type="triangle"/>
           </a:ln>
         </p:spPr>
@@ -5407,7 +5493,7 @@
               <a:srgbClr val="545B64"/>
             </a:solidFill>
             <a:headEnd type="none" w="med" len="sm"/>
-            <a:tailEnd type="triangle"/>
+            <a:tailEnd type="arrow"/>
           </a:ln>
         </p:spPr>
         <p:style>
@@ -5452,7 +5538,7 @@
               <a:srgbClr val="545B64"/>
             </a:solidFill>
             <a:headEnd type="none" w="med" len="sm"/>
-            <a:tailEnd type="triangle"/>
+            <a:tailEnd type="arrow"/>
           </a:ln>
         </p:spPr>
         <p:style>
@@ -5574,7 +5660,7 @@
               <a:srgbClr val="545B64"/>
             </a:solidFill>
             <a:headEnd type="none" w="med" len="sm"/>
-            <a:tailEnd type="triangle"/>
+            <a:tailEnd type="arrow"/>
           </a:ln>
         </p:spPr>
         <p:style>
@@ -5934,7 +6020,7 @@
               <a:srgbClr val="545B64"/>
             </a:solidFill>
             <a:headEnd type="none" w="med" len="sm"/>
-            <a:tailEnd type="triangle"/>
+            <a:tailEnd type="arrow"/>
           </a:ln>
         </p:spPr>
         <p:style>
@@ -6017,7 +6103,7 @@
               <a:srgbClr val="545B64"/>
             </a:solidFill>
             <a:headEnd type="none" w="med" len="sm"/>
-            <a:tailEnd type="triangle"/>
+            <a:tailEnd type="arrow"/>
           </a:ln>
         </p:spPr>
         <p:style>
@@ -6062,7 +6148,7 @@
               <a:srgbClr val="545B64"/>
             </a:solidFill>
             <a:headEnd type="none" w="med" len="sm"/>
-            <a:tailEnd type="triangle"/>
+            <a:tailEnd type="arrow"/>
           </a:ln>
         </p:spPr>
         <p:style>
@@ -6311,7 +6397,7 @@
               <a:srgbClr val="545B64"/>
             </a:solidFill>
             <a:headEnd type="none" w="med" len="sm"/>
-            <a:tailEnd type="triangle"/>
+            <a:tailEnd type="arrow"/>
           </a:ln>
         </p:spPr>
         <p:style>
@@ -6513,7 +6599,7 @@
               <a:srgbClr val="545B64"/>
             </a:solidFill>
             <a:headEnd type="none" w="med" len="sm"/>
-            <a:tailEnd type="triangle"/>
+            <a:tailEnd type="arrow"/>
           </a:ln>
         </p:spPr>
         <p:style>
@@ -6558,7 +6644,7 @@
               <a:srgbClr val="545B64"/>
             </a:solidFill>
             <a:headEnd type="none" w="med" len="sm"/>
-            <a:tailEnd type="triangle"/>
+            <a:tailEnd type="arrow"/>
           </a:ln>
         </p:spPr>
         <p:style>
@@ -6716,6 +6802,5659 @@
     <p:extLst>
       <p:ext uri="{BB962C8B-B14F-4D97-AF65-F5344CB8AC3E}">
         <p14:creationId xmlns:p14="http://schemas.microsoft.com/office/powerpoint/2010/main" val="174417499"/>
+      </p:ext>
+    </p:extLst>
+  </p:cSld>
+  <p:clrMapOvr>
+    <a:masterClrMapping/>
+  </p:clrMapOvr>
+</p:sld>
+</file>
+
+<file path=ppt/slides/slide2.xml><?xml version="1.0" encoding="utf-8"?>
+<p:sld xmlns:a="http://schemas.openxmlformats.org/drawingml/2006/main" xmlns:r="http://schemas.openxmlformats.org/officeDocument/2006/relationships" xmlns:p="http://schemas.openxmlformats.org/presentationml/2006/main">
+  <p:cSld>
+    <p:spTree>
+      <p:nvGrpSpPr>
+        <p:cNvPr id="1" name=""/>
+        <p:cNvGrpSpPr/>
+        <p:nvPr/>
+      </p:nvGrpSpPr>
+      <p:grpSpPr>
+        <a:xfrm>
+          <a:off x="0" y="0"/>
+          <a:ext cx="0" cy="0"/>
+          <a:chOff x="0" y="0"/>
+          <a:chExt cx="0" cy="0"/>
+        </a:xfrm>
+      </p:grpSpPr>
+      <p:sp>
+        <p:nvSpPr>
+          <p:cNvPr id="76" name="Rectangle 75">
+            <a:extLst>
+              <a:ext uri="{FF2B5EF4-FFF2-40B4-BE49-F238E27FC236}">
+                <a16:creationId xmlns:a16="http://schemas.microsoft.com/office/drawing/2014/main" id="{93323925-8BFE-6646-B65D-6C86655806C2}"/>
+              </a:ext>
+            </a:extLst>
+          </p:cNvPr>
+          <p:cNvSpPr/>
+          <p:nvPr/>
+        </p:nvSpPr>
+        <p:spPr>
+          <a:xfrm>
+            <a:off x="2823437" y="6946399"/>
+            <a:ext cx="2665051" cy="1313762"/>
+          </a:xfrm>
+          <a:prstGeom prst="rect">
+            <a:avLst/>
+          </a:prstGeom>
+          <a:solidFill>
+            <a:srgbClr val="5A6B86">
+              <a:alpha val="9804"/>
+            </a:srgbClr>
+          </a:solidFill>
+          <a:ln w="12700">
+            <a:noFill/>
+            <a:prstDash val="dash"/>
+          </a:ln>
+        </p:spPr>
+        <p:style>
+          <a:lnRef idx="2">
+            <a:schemeClr val="accent1">
+              <a:shade val="50000"/>
+            </a:schemeClr>
+          </a:lnRef>
+          <a:fillRef idx="1">
+            <a:schemeClr val="accent1"/>
+          </a:fillRef>
+          <a:effectRef idx="0">
+            <a:schemeClr val="accent1"/>
+          </a:effectRef>
+          <a:fontRef idx="minor">
+            <a:schemeClr val="lt1"/>
+          </a:fontRef>
+        </p:style>
+        <p:txBody>
+          <a:bodyPr rot="0" spcFirstLastPara="0" vertOverflow="overflow" horzOverflow="overflow" vert="horz" wrap="square" lIns="91440" tIns="91440" rIns="91440" bIns="45720" numCol="1" spcCol="0" rtlCol="0" fromWordArt="0" anchor="t" anchorCtr="0" forceAA="0" compatLnSpc="1">
+            <a:prstTxWarp prst="textNoShape">
+              <a:avLst/>
+            </a:prstTxWarp>
+            <a:noAutofit/>
+          </a:bodyPr>
+          <a:lstStyle/>
+          <a:p>
+            <a:pPr algn="ctr"/>
+            <a:r>
+              <a:rPr lang="en-US" sz="1200" dirty="0">
+                <a:solidFill>
+                  <a:schemeClr val="tx1"/>
+                </a:solidFill>
+                <a:latin typeface="Arial" panose="020B0604020202020204" pitchFamily="34" charset="0"/>
+                <a:cs typeface="Arial" panose="020B0604020202020204" pitchFamily="34" charset="0"/>
+              </a:rPr>
+              <a:t>AWS Glue workflow</a:t>
+            </a:r>
+          </a:p>
+        </p:txBody>
+      </p:sp>
+      <p:pic>
+        <p:nvPicPr>
+          <p:cNvPr id="51" name="Graphic 50">
+            <a:extLst>
+              <a:ext uri="{FF2B5EF4-FFF2-40B4-BE49-F238E27FC236}">
+                <a16:creationId xmlns:a16="http://schemas.microsoft.com/office/drawing/2014/main" id="{DD999AAE-B1FF-F744-AD65-0E11C6154892}"/>
+              </a:ext>
+            </a:extLst>
+          </p:cNvPr>
+          <p:cNvPicPr>
+            <a:picLocks noChangeAspect="1"/>
+          </p:cNvPicPr>
+          <p:nvPr/>
+        </p:nvPicPr>
+        <p:blipFill>
+          <a:blip r:embed="rId3">
+            <a:extLst>
+              <a:ext uri="{96DAC541-7B7A-43D3-8B79-37D633B846F1}">
+                <asvg:svgBlip xmlns:asvg="http://schemas.microsoft.com/office/drawing/2016/SVG/main" r:embed="rId4"/>
+              </a:ext>
+            </a:extLst>
+          </a:blip>
+          <a:stretch>
+            <a:fillRect/>
+          </a:stretch>
+        </p:blipFill>
+        <p:spPr>
+          <a:xfrm>
+            <a:off x="1852398" y="7406684"/>
+            <a:ext cx="393192" cy="393192"/>
+          </a:xfrm>
+          <a:prstGeom prst="rect">
+            <a:avLst/>
+          </a:prstGeom>
+        </p:spPr>
+      </p:pic>
+      <p:sp>
+        <p:nvSpPr>
+          <p:cNvPr id="52" name="TextBox 51">
+            <a:extLst>
+              <a:ext uri="{FF2B5EF4-FFF2-40B4-BE49-F238E27FC236}">
+                <a16:creationId xmlns:a16="http://schemas.microsoft.com/office/drawing/2014/main" id="{BBE56A90-4F1E-464E-A17F-E2596F84D5F3}"/>
+              </a:ext>
+            </a:extLst>
+          </p:cNvPr>
+          <p:cNvSpPr txBox="1"/>
+          <p:nvPr/>
+        </p:nvSpPr>
+        <p:spPr>
+          <a:xfrm>
+            <a:off x="1487434" y="7788246"/>
+            <a:ext cx="1123121" cy="461665"/>
+          </a:xfrm>
+          <a:prstGeom prst="rect">
+            <a:avLst/>
+          </a:prstGeom>
+          <a:noFill/>
+        </p:spPr>
+        <p:txBody>
+          <a:bodyPr wrap="square" rtlCol="0">
+            <a:spAutoFit/>
+          </a:bodyPr>
+          <a:lstStyle/>
+          <a:p>
+            <a:pPr algn="ctr"/>
+            <a:r>
+              <a:rPr lang="en-US" sz="1200" dirty="0">
+                <a:latin typeface="Arial" panose="020B0604020202020204" pitchFamily="34" charset="0"/>
+                <a:cs typeface="Arial" panose="020B0604020202020204" pitchFamily="34" charset="0"/>
+              </a:rPr>
+              <a:t>Raw </a:t>
+            </a:r>
+            <a:br>
+              <a:rPr lang="en-US" sz="1200" dirty="0">
+                <a:latin typeface="Arial" panose="020B0604020202020204" pitchFamily="34" charset="0"/>
+                <a:cs typeface="Arial" panose="020B0604020202020204" pitchFamily="34" charset="0"/>
+              </a:rPr>
+            </a:br>
+            <a:r>
+              <a:rPr lang="en-US" sz="1200" dirty="0">
+                <a:latin typeface="Arial" panose="020B0604020202020204" pitchFamily="34" charset="0"/>
+                <a:cs typeface="Arial" panose="020B0604020202020204" pitchFamily="34" charset="0"/>
+              </a:rPr>
+              <a:t>meter data</a:t>
+            </a:r>
+          </a:p>
+        </p:txBody>
+      </p:sp>
+      <p:pic>
+        <p:nvPicPr>
+          <p:cNvPr id="94" name="Graphic 93">
+            <a:extLst>
+              <a:ext uri="{FF2B5EF4-FFF2-40B4-BE49-F238E27FC236}">
+                <a16:creationId xmlns:a16="http://schemas.microsoft.com/office/drawing/2014/main" id="{014DF5CB-7A1E-E344-8784-C4E78467B8A2}"/>
+              </a:ext>
+            </a:extLst>
+          </p:cNvPr>
+          <p:cNvPicPr>
+            <a:picLocks noChangeAspect="1"/>
+          </p:cNvPicPr>
+          <p:nvPr/>
+        </p:nvPicPr>
+        <p:blipFill>
+          <a:blip r:embed="rId3">
+            <a:extLst>
+              <a:ext uri="{96DAC541-7B7A-43D3-8B79-37D633B846F1}">
+                <asvg:svgBlip xmlns:asvg="http://schemas.microsoft.com/office/drawing/2016/SVG/main" r:embed="rId4"/>
+              </a:ext>
+            </a:extLst>
+          </a:blip>
+          <a:stretch>
+            <a:fillRect/>
+          </a:stretch>
+        </p:blipFill>
+        <p:spPr>
+          <a:xfrm>
+            <a:off x="4325022" y="5563433"/>
+            <a:ext cx="393192" cy="393192"/>
+          </a:xfrm>
+          <a:prstGeom prst="rect">
+            <a:avLst/>
+          </a:prstGeom>
+        </p:spPr>
+      </p:pic>
+      <p:sp>
+        <p:nvSpPr>
+          <p:cNvPr id="95" name="TextBox 94">
+            <a:extLst>
+              <a:ext uri="{FF2B5EF4-FFF2-40B4-BE49-F238E27FC236}">
+                <a16:creationId xmlns:a16="http://schemas.microsoft.com/office/drawing/2014/main" id="{0EFF7F3F-1403-7242-B30E-AA2FE3E61C83}"/>
+              </a:ext>
+            </a:extLst>
+          </p:cNvPr>
+          <p:cNvSpPr txBox="1"/>
+          <p:nvPr/>
+        </p:nvSpPr>
+        <p:spPr>
+          <a:xfrm>
+            <a:off x="3919599" y="5910834"/>
+            <a:ext cx="1123121" cy="461665"/>
+          </a:xfrm>
+          <a:prstGeom prst="rect">
+            <a:avLst/>
+          </a:prstGeom>
+          <a:noFill/>
+        </p:spPr>
+        <p:txBody>
+          <a:bodyPr wrap="square" rtlCol="0">
+            <a:spAutoFit/>
+          </a:bodyPr>
+          <a:lstStyle/>
+          <a:p>
+            <a:pPr algn="ctr"/>
+            <a:r>
+              <a:rPr lang="en-US" sz="1200" dirty="0">
+                <a:latin typeface="Arial" panose="020B0604020202020204" pitchFamily="34" charset="0"/>
+                <a:cs typeface="Arial" panose="020B0604020202020204" pitchFamily="34" charset="0"/>
+              </a:rPr>
+              <a:t>Clean</a:t>
+            </a:r>
+          </a:p>
+          <a:p>
+            <a:pPr algn="ctr"/>
+            <a:r>
+              <a:rPr lang="en-US" sz="1200" dirty="0">
+                <a:latin typeface="Arial" panose="020B0604020202020204" pitchFamily="34" charset="0"/>
+                <a:cs typeface="Arial" panose="020B0604020202020204" pitchFamily="34" charset="0"/>
+              </a:rPr>
+              <a:t>data</a:t>
+            </a:r>
+          </a:p>
+        </p:txBody>
+      </p:sp>
+      <p:pic>
+        <p:nvPicPr>
+          <p:cNvPr id="96" name="Graphic 95">
+            <a:extLst>
+              <a:ext uri="{FF2B5EF4-FFF2-40B4-BE49-F238E27FC236}">
+                <a16:creationId xmlns:a16="http://schemas.microsoft.com/office/drawing/2014/main" id="{FF25B72E-2092-8A4A-872D-2FCCC1CF7A50}"/>
+              </a:ext>
+            </a:extLst>
+          </p:cNvPr>
+          <p:cNvPicPr>
+            <a:picLocks noChangeAspect="1"/>
+          </p:cNvPicPr>
+          <p:nvPr/>
+        </p:nvPicPr>
+        <p:blipFill>
+          <a:blip r:embed="rId3">
+            <a:extLst>
+              <a:ext uri="{96DAC541-7B7A-43D3-8B79-37D633B846F1}">
+                <asvg:svgBlip xmlns:asvg="http://schemas.microsoft.com/office/drawing/2016/SVG/main" r:embed="rId4"/>
+              </a:ext>
+            </a:extLst>
+          </a:blip>
+          <a:stretch>
+            <a:fillRect/>
+          </a:stretch>
+        </p:blipFill>
+        <p:spPr>
+          <a:xfrm>
+            <a:off x="5096927" y="5563433"/>
+            <a:ext cx="393192" cy="393192"/>
+          </a:xfrm>
+          <a:prstGeom prst="rect">
+            <a:avLst/>
+          </a:prstGeom>
+        </p:spPr>
+      </p:pic>
+      <p:sp>
+        <p:nvSpPr>
+          <p:cNvPr id="97" name="TextBox 96">
+            <a:extLst>
+              <a:ext uri="{FF2B5EF4-FFF2-40B4-BE49-F238E27FC236}">
+                <a16:creationId xmlns:a16="http://schemas.microsoft.com/office/drawing/2014/main" id="{0C1B1426-1922-E14D-BED8-15E3837076B1}"/>
+              </a:ext>
+            </a:extLst>
+          </p:cNvPr>
+          <p:cNvSpPr txBox="1"/>
+          <p:nvPr/>
+        </p:nvSpPr>
+        <p:spPr>
+          <a:xfrm>
+            <a:off x="4668310" y="5910834"/>
+            <a:ext cx="1227517" cy="461665"/>
+          </a:xfrm>
+          <a:prstGeom prst="rect">
+            <a:avLst/>
+          </a:prstGeom>
+          <a:noFill/>
+        </p:spPr>
+        <p:txBody>
+          <a:bodyPr wrap="square" rtlCol="0">
+            <a:spAutoFit/>
+          </a:bodyPr>
+          <a:lstStyle/>
+          <a:p>
+            <a:pPr algn="ctr"/>
+            <a:r>
+              <a:rPr lang="en-US" sz="1200" dirty="0">
+                <a:latin typeface="Arial" panose="020B0604020202020204" pitchFamily="34" charset="0"/>
+                <a:cs typeface="Arial" panose="020B0604020202020204" pitchFamily="34" charset="0"/>
+              </a:rPr>
+              <a:t>Partitioned business data</a:t>
+            </a:r>
+          </a:p>
+        </p:txBody>
+      </p:sp>
+      <p:sp>
+        <p:nvSpPr>
+          <p:cNvPr id="102" name="TextBox 101">
+            <a:extLst>
+              <a:ext uri="{FF2B5EF4-FFF2-40B4-BE49-F238E27FC236}">
+                <a16:creationId xmlns:a16="http://schemas.microsoft.com/office/drawing/2014/main" id="{F84AD674-A0FE-B147-8254-EFD56D0C0194}"/>
+              </a:ext>
+            </a:extLst>
+          </p:cNvPr>
+          <p:cNvSpPr txBox="1"/>
+          <p:nvPr/>
+        </p:nvSpPr>
+        <p:spPr>
+          <a:xfrm>
+            <a:off x="3075772" y="7788246"/>
+            <a:ext cx="1062151" cy="461665"/>
+          </a:xfrm>
+          <a:prstGeom prst="rect">
+            <a:avLst/>
+          </a:prstGeom>
+          <a:noFill/>
+        </p:spPr>
+        <p:txBody>
+          <a:bodyPr wrap="square" rtlCol="0">
+            <a:spAutoFit/>
+          </a:bodyPr>
+          <a:lstStyle/>
+          <a:p>
+            <a:pPr algn="ctr"/>
+            <a:r>
+              <a:rPr lang="en-US" sz="1200" dirty="0">
+                <a:solidFill>
+                  <a:srgbClr val="000000"/>
+                </a:solidFill>
+                <a:latin typeface="Arial" panose="020B0604020202020204" pitchFamily="34" charset="0"/>
+                <a:ea typeface="Amazon Ember" panose="020B0603020204020204" pitchFamily="34" charset="0"/>
+                <a:cs typeface="Arial" panose="020B0604020202020204" pitchFamily="34" charset="0"/>
+              </a:rPr>
+              <a:t>Crawlers, jobs, triggers</a:t>
+            </a:r>
+            <a:endParaRPr lang="en-US" sz="1200" dirty="0">
+              <a:latin typeface="Arial" panose="020B0604020202020204" pitchFamily="34" charset="0"/>
+              <a:ea typeface="Amazon Ember" panose="020B0603020204020204" pitchFamily="34" charset="0"/>
+              <a:cs typeface="Arial" panose="020B0604020202020204" pitchFamily="34" charset="0"/>
+            </a:endParaRPr>
+          </a:p>
+        </p:txBody>
+      </p:sp>
+      <p:sp>
+        <p:nvSpPr>
+          <p:cNvPr id="103" name="TextBox 102">
+            <a:extLst>
+              <a:ext uri="{FF2B5EF4-FFF2-40B4-BE49-F238E27FC236}">
+                <a16:creationId xmlns:a16="http://schemas.microsoft.com/office/drawing/2014/main" id="{88604ED4-CCD1-FF42-A4DE-A9EAAF1AE743}"/>
+              </a:ext>
+            </a:extLst>
+          </p:cNvPr>
+          <p:cNvSpPr txBox="1"/>
+          <p:nvPr/>
+        </p:nvSpPr>
+        <p:spPr>
+          <a:xfrm>
+            <a:off x="4169462" y="7788246"/>
+            <a:ext cx="1113702" cy="461665"/>
+          </a:xfrm>
+          <a:prstGeom prst="rect">
+            <a:avLst/>
+          </a:prstGeom>
+          <a:noFill/>
+        </p:spPr>
+        <p:txBody>
+          <a:bodyPr wrap="square" rtlCol="0">
+            <a:spAutoFit/>
+          </a:bodyPr>
+          <a:lstStyle/>
+          <a:p>
+            <a:pPr algn="ctr"/>
+            <a:r>
+              <a:rPr lang="en-US" sz="1200" dirty="0">
+                <a:latin typeface="Arial" panose="020B0604020202020204" pitchFamily="34" charset="0"/>
+                <a:cs typeface="Arial" panose="020B0604020202020204" pitchFamily="34" charset="0"/>
+              </a:rPr>
+              <a:t>AWS Glue Data Catalog</a:t>
+            </a:r>
+          </a:p>
+        </p:txBody>
+      </p:sp>
+      <p:pic>
+        <p:nvPicPr>
+          <p:cNvPr id="104" name="Graphic 103">
+            <a:extLst>
+              <a:ext uri="{FF2B5EF4-FFF2-40B4-BE49-F238E27FC236}">
+                <a16:creationId xmlns:a16="http://schemas.microsoft.com/office/drawing/2014/main" id="{C273C578-4796-C548-B33E-9F5B25C3E98E}"/>
+              </a:ext>
+            </a:extLst>
+          </p:cNvPr>
+          <p:cNvPicPr>
+            <a:picLocks noChangeAspect="1"/>
+          </p:cNvPicPr>
+          <p:nvPr/>
+        </p:nvPicPr>
+        <p:blipFill>
+          <a:blip r:embed="rId5">
+            <a:extLst>
+              <a:ext uri="{96DAC541-7B7A-43D3-8B79-37D633B846F1}">
+                <asvg:svgBlip xmlns:asvg="http://schemas.microsoft.com/office/drawing/2016/SVG/main" r:embed="rId6"/>
+              </a:ext>
+            </a:extLst>
+          </a:blip>
+          <a:stretch>
+            <a:fillRect/>
+          </a:stretch>
+        </p:blipFill>
+        <p:spPr>
+          <a:xfrm>
+            <a:off x="3391501" y="7408147"/>
+            <a:ext cx="390266" cy="390266"/>
+          </a:xfrm>
+          <a:prstGeom prst="rect">
+            <a:avLst/>
+          </a:prstGeom>
+        </p:spPr>
+      </p:pic>
+      <p:cxnSp>
+        <p:nvCxnSpPr>
+          <p:cNvPr id="12" name="Straight Arrow Connector 11">
+            <a:extLst>
+              <a:ext uri="{FF2B5EF4-FFF2-40B4-BE49-F238E27FC236}">
+                <a16:creationId xmlns:a16="http://schemas.microsoft.com/office/drawing/2014/main" id="{AAC2F99D-7579-6045-B045-6C3D6D845B62}"/>
+              </a:ext>
+            </a:extLst>
+          </p:cNvPr>
+          <p:cNvCxnSpPr>
+            <a:cxnSpLocks/>
+            <a:stCxn id="51" idx="3"/>
+            <a:endCxn id="76" idx="1"/>
+          </p:cNvCxnSpPr>
+          <p:nvPr/>
+        </p:nvCxnSpPr>
+        <p:spPr>
+          <a:xfrm>
+            <a:off x="2245590" y="7603280"/>
+            <a:ext cx="577847" cy="0"/>
+          </a:xfrm>
+          <a:prstGeom prst="straightConnector1">
+            <a:avLst/>
+          </a:prstGeom>
+          <a:ln w="12700">
+            <a:solidFill>
+              <a:srgbClr val="545B64"/>
+            </a:solidFill>
+            <a:headEnd type="none" w="med" len="sm"/>
+            <a:tailEnd type="arrow"/>
+          </a:ln>
+        </p:spPr>
+        <p:style>
+          <a:lnRef idx="1">
+            <a:schemeClr val="accent1"/>
+          </a:lnRef>
+          <a:fillRef idx="0">
+            <a:schemeClr val="accent1"/>
+          </a:fillRef>
+          <a:effectRef idx="0">
+            <a:schemeClr val="accent1"/>
+          </a:effectRef>
+          <a:fontRef idx="minor">
+            <a:schemeClr val="tx1"/>
+          </a:fontRef>
+        </p:style>
+      </p:cxnSp>
+      <p:cxnSp>
+        <p:nvCxnSpPr>
+          <p:cNvPr id="108" name="Straight Arrow Connector 107">
+            <a:extLst>
+              <a:ext uri="{FF2B5EF4-FFF2-40B4-BE49-F238E27FC236}">
+                <a16:creationId xmlns:a16="http://schemas.microsoft.com/office/drawing/2014/main" id="{DA9A03D6-45FE-F34A-B428-FD025DFB68C9}"/>
+              </a:ext>
+            </a:extLst>
+          </p:cNvPr>
+          <p:cNvCxnSpPr>
+            <a:cxnSpLocks/>
+            <a:endCxn id="95" idx="2"/>
+          </p:cNvCxnSpPr>
+          <p:nvPr/>
+        </p:nvCxnSpPr>
+        <p:spPr>
+          <a:xfrm flipV="1">
+            <a:off x="4481160" y="6372499"/>
+            <a:ext cx="0" cy="573902"/>
+          </a:xfrm>
+          <a:prstGeom prst="straightConnector1">
+            <a:avLst/>
+          </a:prstGeom>
+          <a:ln w="12700">
+            <a:solidFill>
+              <a:srgbClr val="545B64"/>
+            </a:solidFill>
+            <a:headEnd type="none" w="med" len="sm"/>
+            <a:tailEnd type="arrow"/>
+          </a:ln>
+        </p:spPr>
+        <p:style>
+          <a:lnRef idx="1">
+            <a:schemeClr val="accent1"/>
+          </a:lnRef>
+          <a:fillRef idx="0">
+            <a:schemeClr val="accent1"/>
+          </a:fillRef>
+          <a:effectRef idx="0">
+            <a:schemeClr val="accent1"/>
+          </a:effectRef>
+          <a:fontRef idx="minor">
+            <a:schemeClr val="tx1"/>
+          </a:fontRef>
+        </p:style>
+      </p:cxnSp>
+      <p:cxnSp>
+        <p:nvCxnSpPr>
+          <p:cNvPr id="17" name="Straight Arrow Connector 16">
+            <a:extLst>
+              <a:ext uri="{FF2B5EF4-FFF2-40B4-BE49-F238E27FC236}">
+                <a16:creationId xmlns:a16="http://schemas.microsoft.com/office/drawing/2014/main" id="{E096AADF-8ED8-F349-B90D-1589BBDE08C5}"/>
+              </a:ext>
+            </a:extLst>
+          </p:cNvPr>
+          <p:cNvCxnSpPr>
+            <a:cxnSpLocks/>
+            <a:stCxn id="21" idx="3"/>
+            <a:endCxn id="51" idx="1"/>
+          </p:cNvCxnSpPr>
+          <p:nvPr/>
+        </p:nvCxnSpPr>
+        <p:spPr>
+          <a:xfrm>
+            <a:off x="1263555" y="7603280"/>
+            <a:ext cx="588843" cy="0"/>
+          </a:xfrm>
+          <a:prstGeom prst="straightConnector1">
+            <a:avLst/>
+          </a:prstGeom>
+          <a:ln w="12700">
+            <a:solidFill>
+              <a:srgbClr val="545B64"/>
+            </a:solidFill>
+            <a:headEnd type="none" w="med" len="sm"/>
+            <a:tailEnd type="arrow"/>
+          </a:ln>
+        </p:spPr>
+        <p:style>
+          <a:lnRef idx="1">
+            <a:schemeClr val="accent1"/>
+          </a:lnRef>
+          <a:fillRef idx="0">
+            <a:schemeClr val="accent1"/>
+          </a:fillRef>
+          <a:effectRef idx="0">
+            <a:schemeClr val="accent1"/>
+          </a:effectRef>
+          <a:fontRef idx="minor">
+            <a:schemeClr val="tx1"/>
+          </a:fontRef>
+        </p:style>
+      </p:cxnSp>
+      <p:sp>
+        <p:nvSpPr>
+          <p:cNvPr id="21" name="TextBox 20">
+            <a:extLst>
+              <a:ext uri="{FF2B5EF4-FFF2-40B4-BE49-F238E27FC236}">
+                <a16:creationId xmlns:a16="http://schemas.microsoft.com/office/drawing/2014/main" id="{7DBA09F7-B6C0-AC4C-99DD-BFB08A5CBACB}"/>
+              </a:ext>
+            </a:extLst>
+          </p:cNvPr>
+          <p:cNvSpPr txBox="1"/>
+          <p:nvPr/>
+        </p:nvSpPr>
+        <p:spPr>
+          <a:xfrm>
+            <a:off x="149947" y="7464781"/>
+            <a:ext cx="1113608" cy="276998"/>
+          </a:xfrm>
+          <a:prstGeom prst="rect">
+            <a:avLst/>
+          </a:prstGeom>
+          <a:noFill/>
+        </p:spPr>
+        <p:txBody>
+          <a:bodyPr wrap="square" rtlCol="0">
+            <a:spAutoFit/>
+          </a:bodyPr>
+          <a:lstStyle/>
+          <a:p>
+            <a:pPr algn="ctr"/>
+            <a:r>
+              <a:rPr lang="en-US" sz="1200" dirty="0">
+                <a:latin typeface="Arial" panose="020B0604020202020204" pitchFamily="34" charset="0"/>
+                <a:cs typeface="Arial" panose="020B0604020202020204" pitchFamily="34" charset="0"/>
+              </a:rPr>
+              <a:t>MDM system</a:t>
+            </a:r>
+          </a:p>
+        </p:txBody>
+      </p:sp>
+      <p:sp>
+        <p:nvSpPr>
+          <p:cNvPr id="113" name="TextBox 112">
+            <a:extLst>
+              <a:ext uri="{FF2B5EF4-FFF2-40B4-BE49-F238E27FC236}">
+                <a16:creationId xmlns:a16="http://schemas.microsoft.com/office/drawing/2014/main" id="{1DFE0987-6FF0-1649-A02D-E3A45D54B6E7}"/>
+              </a:ext>
+            </a:extLst>
+          </p:cNvPr>
+          <p:cNvSpPr txBox="1"/>
+          <p:nvPr/>
+        </p:nvSpPr>
+        <p:spPr>
+          <a:xfrm>
+            <a:off x="6383019" y="5720376"/>
+            <a:ext cx="1637828" cy="276999"/>
+          </a:xfrm>
+          <a:prstGeom prst="rect">
+            <a:avLst/>
+          </a:prstGeom>
+          <a:noFill/>
+        </p:spPr>
+        <p:txBody>
+          <a:bodyPr wrap="square" rtlCol="0">
+            <a:spAutoFit/>
+          </a:bodyPr>
+          <a:lstStyle/>
+          <a:p>
+            <a:pPr algn="ctr"/>
+            <a:r>
+              <a:rPr lang="en-US" sz="1200" dirty="0">
+                <a:latin typeface="Arial" panose="020B0604020202020204" pitchFamily="34" charset="0"/>
+                <a:ea typeface="Amazon Ember" panose="020B0603020204020204" pitchFamily="34" charset="0"/>
+                <a:cs typeface="Arial" panose="020B0604020202020204" pitchFamily="34" charset="0"/>
+              </a:rPr>
+              <a:t>Model training</a:t>
+            </a:r>
+          </a:p>
+        </p:txBody>
+      </p:sp>
+      <p:sp>
+        <p:nvSpPr>
+          <p:cNvPr id="115" name="TextBox 114">
+            <a:extLst>
+              <a:ext uri="{FF2B5EF4-FFF2-40B4-BE49-F238E27FC236}">
+                <a16:creationId xmlns:a16="http://schemas.microsoft.com/office/drawing/2014/main" id="{746834BE-A9A7-944F-8B2D-B6239A5BA7AB}"/>
+              </a:ext>
+            </a:extLst>
+          </p:cNvPr>
+          <p:cNvSpPr txBox="1"/>
+          <p:nvPr/>
+        </p:nvSpPr>
+        <p:spPr>
+          <a:xfrm>
+            <a:off x="9634675" y="4210399"/>
+            <a:ext cx="1037066" cy="461665"/>
+          </a:xfrm>
+          <a:prstGeom prst="rect">
+            <a:avLst/>
+          </a:prstGeom>
+          <a:noFill/>
+        </p:spPr>
+        <p:txBody>
+          <a:bodyPr wrap="square" rtlCol="0">
+            <a:spAutoFit/>
+          </a:bodyPr>
+          <a:lstStyle/>
+          <a:p>
+            <a:pPr algn="ctr"/>
+            <a:r>
+              <a:rPr lang="en-US" sz="1200" dirty="0">
+                <a:latin typeface="Arial" panose="020B0604020202020204" pitchFamily="34" charset="0"/>
+                <a:cs typeface="Arial" panose="020B0604020202020204" pitchFamily="34" charset="0"/>
+              </a:rPr>
+              <a:t>Amazon API Gateway</a:t>
+            </a:r>
+          </a:p>
+        </p:txBody>
+      </p:sp>
+      <p:pic>
+        <p:nvPicPr>
+          <p:cNvPr id="116" name="Graphic 115">
+            <a:extLst>
+              <a:ext uri="{FF2B5EF4-FFF2-40B4-BE49-F238E27FC236}">
+                <a16:creationId xmlns:a16="http://schemas.microsoft.com/office/drawing/2014/main" id="{837C5DDA-AD93-404E-9ED3-3816611B1CBF}"/>
+              </a:ext>
+            </a:extLst>
+          </p:cNvPr>
+          <p:cNvPicPr>
+            <a:picLocks noChangeAspect="1"/>
+          </p:cNvPicPr>
+          <p:nvPr/>
+        </p:nvPicPr>
+        <p:blipFill>
+          <a:blip r:embed="rId7">
+            <a:extLst>
+              <a:ext uri="{96DAC541-7B7A-43D3-8B79-37D633B846F1}">
+                <asvg:svgBlip xmlns:asvg="http://schemas.microsoft.com/office/drawing/2016/SVG/main" r:embed="rId8"/>
+              </a:ext>
+            </a:extLst>
+          </a:blip>
+          <a:stretch>
+            <a:fillRect/>
+          </a:stretch>
+        </p:blipFill>
+        <p:spPr>
+          <a:xfrm>
+            <a:off x="9933752" y="3767782"/>
+            <a:ext cx="438912" cy="438912"/>
+          </a:xfrm>
+          <a:prstGeom prst="rect">
+            <a:avLst/>
+          </a:prstGeom>
+        </p:spPr>
+      </p:pic>
+      <p:sp>
+        <p:nvSpPr>
+          <p:cNvPr id="117" name="TextBox 116">
+            <a:extLst>
+              <a:ext uri="{FF2B5EF4-FFF2-40B4-BE49-F238E27FC236}">
+                <a16:creationId xmlns:a16="http://schemas.microsoft.com/office/drawing/2014/main" id="{C9540B20-FE25-9A4F-9CE7-ADD354375A3E}"/>
+              </a:ext>
+            </a:extLst>
+          </p:cNvPr>
+          <p:cNvSpPr txBox="1"/>
+          <p:nvPr/>
+        </p:nvSpPr>
+        <p:spPr>
+          <a:xfrm>
+            <a:off x="8163836" y="5865024"/>
+            <a:ext cx="1630617" cy="276999"/>
+          </a:xfrm>
+          <a:prstGeom prst="rect">
+            <a:avLst/>
+          </a:prstGeom>
+          <a:noFill/>
+        </p:spPr>
+        <p:txBody>
+          <a:bodyPr wrap="square" rtlCol="0">
+            <a:spAutoFit/>
+          </a:bodyPr>
+          <a:lstStyle/>
+          <a:p>
+            <a:pPr algn="ctr"/>
+            <a:r>
+              <a:rPr lang="en-US" sz="1200" dirty="0">
+                <a:latin typeface="Arial" panose="020B0604020202020204" pitchFamily="34" charset="0"/>
+                <a:cs typeface="Arial" panose="020B0604020202020204" pitchFamily="34" charset="0"/>
+              </a:rPr>
+              <a:t>Amazon SageMaker</a:t>
+            </a:r>
+          </a:p>
+        </p:txBody>
+      </p:sp>
+      <p:pic>
+        <p:nvPicPr>
+          <p:cNvPr id="121" name="Graphic 120">
+            <a:extLst>
+              <a:ext uri="{FF2B5EF4-FFF2-40B4-BE49-F238E27FC236}">
+                <a16:creationId xmlns:a16="http://schemas.microsoft.com/office/drawing/2014/main" id="{1DE0ED59-4EA0-7040-9DE2-39FD0A409A75}"/>
+              </a:ext>
+            </a:extLst>
+          </p:cNvPr>
+          <p:cNvPicPr>
+            <a:picLocks noChangeAspect="1"/>
+          </p:cNvPicPr>
+          <p:nvPr/>
+        </p:nvPicPr>
+        <p:blipFill>
+          <a:blip r:embed="rId9">
+            <a:extLst>
+              <a:ext uri="{96DAC541-7B7A-43D3-8B79-37D633B846F1}">
+                <asvg:svgBlip xmlns:asvg="http://schemas.microsoft.com/office/drawing/2016/SVG/main" r:embed="rId10"/>
+              </a:ext>
+            </a:extLst>
+          </a:blip>
+          <a:stretch>
+            <a:fillRect/>
+          </a:stretch>
+        </p:blipFill>
+        <p:spPr>
+          <a:xfrm>
+            <a:off x="8759688" y="5446189"/>
+            <a:ext cx="438912" cy="438912"/>
+          </a:xfrm>
+          <a:prstGeom prst="rect">
+            <a:avLst/>
+          </a:prstGeom>
+        </p:spPr>
+      </p:pic>
+      <p:sp>
+        <p:nvSpPr>
+          <p:cNvPr id="118" name="TextBox 117">
+            <a:extLst>
+              <a:ext uri="{FF2B5EF4-FFF2-40B4-BE49-F238E27FC236}">
+                <a16:creationId xmlns:a16="http://schemas.microsoft.com/office/drawing/2014/main" id="{9DE507D1-607F-5042-9F64-31027982F6A2}"/>
+              </a:ext>
+            </a:extLst>
+          </p:cNvPr>
+          <p:cNvSpPr txBox="1"/>
+          <p:nvPr/>
+        </p:nvSpPr>
+        <p:spPr>
+          <a:xfrm>
+            <a:off x="9460077" y="5860549"/>
+            <a:ext cx="1386263" cy="461665"/>
+          </a:xfrm>
+          <a:prstGeom prst="rect">
+            <a:avLst/>
+          </a:prstGeom>
+          <a:noFill/>
+        </p:spPr>
+        <p:txBody>
+          <a:bodyPr wrap="square" rtlCol="0">
+            <a:spAutoFit/>
+          </a:bodyPr>
+          <a:lstStyle/>
+          <a:p>
+            <a:pPr algn="ctr"/>
+            <a:r>
+              <a:rPr lang="en-US" sz="1200" dirty="0">
+                <a:latin typeface="Arial" panose="020B0604020202020204" pitchFamily="34" charset="0"/>
+                <a:cs typeface="Arial" panose="020B0604020202020204" pitchFamily="34" charset="0"/>
+              </a:rPr>
+              <a:t>Jupyter</a:t>
+            </a:r>
+          </a:p>
+          <a:p>
+            <a:pPr algn="ctr"/>
+            <a:r>
+              <a:rPr lang="en-US" sz="1200" dirty="0">
+                <a:latin typeface="Arial" panose="020B0604020202020204" pitchFamily="34" charset="0"/>
+                <a:cs typeface="Arial" panose="020B0604020202020204" pitchFamily="34" charset="0"/>
+              </a:rPr>
+              <a:t>notebook</a:t>
+            </a:r>
+          </a:p>
+        </p:txBody>
+      </p:sp>
+      <p:pic>
+        <p:nvPicPr>
+          <p:cNvPr id="123" name="Graphic 122">
+            <a:extLst>
+              <a:ext uri="{FF2B5EF4-FFF2-40B4-BE49-F238E27FC236}">
+                <a16:creationId xmlns:a16="http://schemas.microsoft.com/office/drawing/2014/main" id="{2A6F0977-5E9A-934C-A7DC-2B27249FEF5D}"/>
+              </a:ext>
+            </a:extLst>
+          </p:cNvPr>
+          <p:cNvPicPr>
+            <a:picLocks noChangeAspect="1"/>
+          </p:cNvPicPr>
+          <p:nvPr/>
+        </p:nvPicPr>
+        <p:blipFill>
+          <a:blip r:embed="rId11">
+            <a:extLst>
+              <a:ext uri="{96DAC541-7B7A-43D3-8B79-37D633B846F1}">
+                <asvg:svgBlip xmlns:asvg="http://schemas.microsoft.com/office/drawing/2016/SVG/main" r:embed="rId12"/>
+              </a:ext>
+            </a:extLst>
+          </a:blip>
+          <a:stretch>
+            <a:fillRect/>
+          </a:stretch>
+        </p:blipFill>
+        <p:spPr>
+          <a:xfrm>
+            <a:off x="9956612" y="5469049"/>
+            <a:ext cx="393192" cy="393192"/>
+          </a:xfrm>
+          <a:prstGeom prst="rect">
+            <a:avLst/>
+          </a:prstGeom>
+        </p:spPr>
+      </p:pic>
+      <p:cxnSp>
+        <p:nvCxnSpPr>
+          <p:cNvPr id="126" name="Straight Arrow Connector 125">
+            <a:extLst>
+              <a:ext uri="{FF2B5EF4-FFF2-40B4-BE49-F238E27FC236}">
+                <a16:creationId xmlns:a16="http://schemas.microsoft.com/office/drawing/2014/main" id="{2D2E94A4-8533-744B-A33D-E169CEEBB7C4}"/>
+              </a:ext>
+            </a:extLst>
+          </p:cNvPr>
+          <p:cNvCxnSpPr>
+            <a:cxnSpLocks/>
+            <a:stCxn id="64" idx="3"/>
+            <a:endCxn id="121" idx="1"/>
+          </p:cNvCxnSpPr>
+          <p:nvPr/>
+        </p:nvCxnSpPr>
+        <p:spPr>
+          <a:xfrm flipV="1">
+            <a:off x="8181044" y="5665645"/>
+            <a:ext cx="578644" cy="1"/>
+          </a:xfrm>
+          <a:prstGeom prst="straightConnector1">
+            <a:avLst/>
+          </a:prstGeom>
+          <a:ln w="12700">
+            <a:solidFill>
+              <a:srgbClr val="545B64"/>
+            </a:solidFill>
+            <a:headEnd type="none" w="med" len="sm"/>
+            <a:tailEnd type="arrow"/>
+          </a:ln>
+        </p:spPr>
+        <p:style>
+          <a:lnRef idx="1">
+            <a:schemeClr val="accent1"/>
+          </a:lnRef>
+          <a:fillRef idx="0">
+            <a:schemeClr val="accent1"/>
+          </a:fillRef>
+          <a:effectRef idx="0">
+            <a:schemeClr val="accent1"/>
+          </a:effectRef>
+          <a:fontRef idx="minor">
+            <a:schemeClr val="tx1"/>
+          </a:fontRef>
+        </p:style>
+      </p:cxnSp>
+      <p:cxnSp>
+        <p:nvCxnSpPr>
+          <p:cNvPr id="127" name="Straight Arrow Connector 126">
+            <a:extLst>
+              <a:ext uri="{FF2B5EF4-FFF2-40B4-BE49-F238E27FC236}">
+                <a16:creationId xmlns:a16="http://schemas.microsoft.com/office/drawing/2014/main" id="{A57D98D8-0606-324B-8747-B576F9704E1D}"/>
+              </a:ext>
+            </a:extLst>
+          </p:cNvPr>
+          <p:cNvCxnSpPr>
+            <a:cxnSpLocks/>
+            <a:stCxn id="116" idx="3"/>
+            <a:endCxn id="26" idx="1"/>
+          </p:cNvCxnSpPr>
+          <p:nvPr/>
+        </p:nvCxnSpPr>
+        <p:spPr>
+          <a:xfrm>
+            <a:off x="10372664" y="3987238"/>
+            <a:ext cx="446628" cy="1"/>
+          </a:xfrm>
+          <a:prstGeom prst="straightConnector1">
+            <a:avLst/>
+          </a:prstGeom>
+          <a:ln w="12700">
+            <a:solidFill>
+              <a:srgbClr val="545B64"/>
+            </a:solidFill>
+            <a:headEnd type="none" w="med" len="sm"/>
+            <a:tailEnd type="arrow"/>
+          </a:ln>
+        </p:spPr>
+        <p:style>
+          <a:lnRef idx="1">
+            <a:schemeClr val="accent1"/>
+          </a:lnRef>
+          <a:fillRef idx="0">
+            <a:schemeClr val="accent1"/>
+          </a:fillRef>
+          <a:effectRef idx="0">
+            <a:schemeClr val="accent1"/>
+          </a:effectRef>
+          <a:fontRef idx="minor">
+            <a:schemeClr val="tx1"/>
+          </a:fontRef>
+        </p:style>
+      </p:cxnSp>
+      <p:sp>
+        <p:nvSpPr>
+          <p:cNvPr id="26" name="TextBox 25">
+            <a:extLst>
+              <a:ext uri="{FF2B5EF4-FFF2-40B4-BE49-F238E27FC236}">
+                <a16:creationId xmlns:a16="http://schemas.microsoft.com/office/drawing/2014/main" id="{FF474FC6-0BC9-8148-9614-072FE0153871}"/>
+              </a:ext>
+            </a:extLst>
+          </p:cNvPr>
+          <p:cNvSpPr txBox="1"/>
+          <p:nvPr/>
+        </p:nvSpPr>
+        <p:spPr>
+          <a:xfrm>
+            <a:off x="10819292" y="3848739"/>
+            <a:ext cx="1372708" cy="276999"/>
+          </a:xfrm>
+          <a:prstGeom prst="rect">
+            <a:avLst/>
+          </a:prstGeom>
+          <a:noFill/>
+        </p:spPr>
+        <p:txBody>
+          <a:bodyPr wrap="square" rtlCol="0">
+            <a:spAutoFit/>
+          </a:bodyPr>
+          <a:lstStyle/>
+          <a:p>
+            <a:pPr algn="ctr"/>
+            <a:r>
+              <a:rPr lang="en-US" sz="1200" dirty="0">
+                <a:latin typeface="Arial" panose="020B0604020202020204" pitchFamily="34" charset="0"/>
+                <a:cs typeface="Arial" panose="020B0604020202020204" pitchFamily="34" charset="0"/>
+              </a:rPr>
+              <a:t>API query results</a:t>
+            </a:r>
+          </a:p>
+        </p:txBody>
+      </p:sp>
+      <p:pic>
+        <p:nvPicPr>
+          <p:cNvPr id="128" name="Graphic 127">
+            <a:extLst>
+              <a:ext uri="{FF2B5EF4-FFF2-40B4-BE49-F238E27FC236}">
+                <a16:creationId xmlns:a16="http://schemas.microsoft.com/office/drawing/2014/main" id="{A8613868-A292-4341-BAEA-EE9D6F8F173D}"/>
+              </a:ext>
+            </a:extLst>
+          </p:cNvPr>
+          <p:cNvPicPr>
+            <a:picLocks noChangeAspect="1"/>
+          </p:cNvPicPr>
+          <p:nvPr/>
+        </p:nvPicPr>
+        <p:blipFill>
+          <a:blip r:embed="rId13">
+            <a:extLst>
+              <a:ext uri="{96DAC541-7B7A-43D3-8B79-37D633B846F1}">
+                <asvg:svgBlip xmlns:asvg="http://schemas.microsoft.com/office/drawing/2016/SVG/main" r:embed="rId14"/>
+              </a:ext>
+            </a:extLst>
+          </a:blip>
+          <a:stretch>
+            <a:fillRect/>
+          </a:stretch>
+        </p:blipFill>
+        <p:spPr>
+          <a:xfrm>
+            <a:off x="8759688" y="3767782"/>
+            <a:ext cx="438912" cy="438912"/>
+          </a:xfrm>
+          <a:prstGeom prst="rect">
+            <a:avLst/>
+          </a:prstGeom>
+        </p:spPr>
+      </p:pic>
+      <p:sp>
+        <p:nvSpPr>
+          <p:cNvPr id="129" name="TextBox 128">
+            <a:extLst>
+              <a:ext uri="{FF2B5EF4-FFF2-40B4-BE49-F238E27FC236}">
+                <a16:creationId xmlns:a16="http://schemas.microsoft.com/office/drawing/2014/main" id="{C2387359-D08C-7C46-98E1-6A491E3BA2AA}"/>
+              </a:ext>
+            </a:extLst>
+          </p:cNvPr>
+          <p:cNvSpPr txBox="1"/>
+          <p:nvPr/>
+        </p:nvSpPr>
+        <p:spPr>
+          <a:xfrm>
+            <a:off x="8378063" y="4210399"/>
+            <a:ext cx="1202162" cy="276999"/>
+          </a:xfrm>
+          <a:prstGeom prst="rect">
+            <a:avLst/>
+          </a:prstGeom>
+          <a:noFill/>
+        </p:spPr>
+        <p:txBody>
+          <a:bodyPr wrap="square" rtlCol="0">
+            <a:spAutoFit/>
+          </a:bodyPr>
+          <a:lstStyle/>
+          <a:p>
+            <a:pPr algn="ctr"/>
+            <a:r>
+              <a:rPr lang="en-US" sz="1200" dirty="0">
+                <a:latin typeface="Arial" panose="020B0604020202020204" pitchFamily="34" charset="0"/>
+                <a:cs typeface="Arial" panose="020B0604020202020204" pitchFamily="34" charset="0"/>
+              </a:rPr>
+              <a:t>AWS Lambda</a:t>
+            </a:r>
+          </a:p>
+        </p:txBody>
+      </p:sp>
+      <p:cxnSp>
+        <p:nvCxnSpPr>
+          <p:cNvPr id="130" name="Straight Arrow Connector 129">
+            <a:extLst>
+              <a:ext uri="{FF2B5EF4-FFF2-40B4-BE49-F238E27FC236}">
+                <a16:creationId xmlns:a16="http://schemas.microsoft.com/office/drawing/2014/main" id="{69CDCAE5-0082-1246-9A8B-320DE74F467E}"/>
+              </a:ext>
+            </a:extLst>
+          </p:cNvPr>
+          <p:cNvCxnSpPr>
+            <a:cxnSpLocks/>
+            <a:stCxn id="128" idx="3"/>
+            <a:endCxn id="116" idx="1"/>
+          </p:cNvCxnSpPr>
+          <p:nvPr/>
+        </p:nvCxnSpPr>
+        <p:spPr>
+          <a:xfrm>
+            <a:off x="9198600" y="3987238"/>
+            <a:ext cx="735152" cy="0"/>
+          </a:xfrm>
+          <a:prstGeom prst="straightConnector1">
+            <a:avLst/>
+          </a:prstGeom>
+          <a:ln w="12700">
+            <a:solidFill>
+              <a:srgbClr val="545B64"/>
+            </a:solidFill>
+            <a:headEnd type="none" w="med" len="sm"/>
+            <a:tailEnd type="arrow"/>
+          </a:ln>
+        </p:spPr>
+        <p:style>
+          <a:lnRef idx="1">
+            <a:schemeClr val="accent1"/>
+          </a:lnRef>
+          <a:fillRef idx="0">
+            <a:schemeClr val="accent1"/>
+          </a:fillRef>
+          <a:effectRef idx="0">
+            <a:schemeClr val="accent1"/>
+          </a:effectRef>
+          <a:fontRef idx="minor">
+            <a:schemeClr val="tx1"/>
+          </a:fontRef>
+        </p:style>
+      </p:cxnSp>
+      <p:sp>
+        <p:nvSpPr>
+          <p:cNvPr id="131" name="TextBox 130">
+            <a:extLst>
+              <a:ext uri="{FF2B5EF4-FFF2-40B4-BE49-F238E27FC236}">
+                <a16:creationId xmlns:a16="http://schemas.microsoft.com/office/drawing/2014/main" id="{9BCC5529-42F4-F249-95C9-6E0F36420428}"/>
+              </a:ext>
+            </a:extLst>
+          </p:cNvPr>
+          <p:cNvSpPr txBox="1"/>
+          <p:nvPr/>
+        </p:nvSpPr>
+        <p:spPr>
+          <a:xfrm>
+            <a:off x="4625204" y="4210399"/>
+            <a:ext cx="1313729" cy="276999"/>
+          </a:xfrm>
+          <a:prstGeom prst="rect">
+            <a:avLst/>
+          </a:prstGeom>
+          <a:noFill/>
+        </p:spPr>
+        <p:txBody>
+          <a:bodyPr wrap="square" rtlCol="0">
+            <a:spAutoFit/>
+          </a:bodyPr>
+          <a:lstStyle/>
+          <a:p>
+            <a:pPr algn="ctr"/>
+            <a:r>
+              <a:rPr lang="en-US" sz="1200" dirty="0">
+                <a:latin typeface="Arial" panose="020B0604020202020204" pitchFamily="34" charset="0"/>
+                <a:ea typeface="Amazon Ember" panose="020B0603020204020204" pitchFamily="34" charset="0"/>
+                <a:cs typeface="Arial" panose="020B0604020202020204" pitchFamily="34" charset="0"/>
+              </a:rPr>
+              <a:t>Amazon Athena</a:t>
+            </a:r>
+          </a:p>
+        </p:txBody>
+      </p:sp>
+      <p:pic>
+        <p:nvPicPr>
+          <p:cNvPr id="132" name="Graphic 131">
+            <a:extLst>
+              <a:ext uri="{FF2B5EF4-FFF2-40B4-BE49-F238E27FC236}">
+                <a16:creationId xmlns:a16="http://schemas.microsoft.com/office/drawing/2014/main" id="{93B55645-88B2-6E4A-BCF8-D4246C619E86}"/>
+              </a:ext>
+            </a:extLst>
+          </p:cNvPr>
+          <p:cNvPicPr>
+            <a:picLocks noChangeAspect="1"/>
+          </p:cNvPicPr>
+          <p:nvPr/>
+        </p:nvPicPr>
+        <p:blipFill>
+          <a:blip r:embed="rId15">
+            <a:extLst>
+              <a:ext uri="{96DAC541-7B7A-43D3-8B79-37D633B846F1}">
+                <asvg:svgBlip xmlns:asvg="http://schemas.microsoft.com/office/drawing/2016/SVG/main" r:embed="rId16"/>
+              </a:ext>
+            </a:extLst>
+          </a:blip>
+          <a:stretch>
+            <a:fillRect/>
+          </a:stretch>
+        </p:blipFill>
+        <p:spPr>
+          <a:xfrm>
+            <a:off x="5076876" y="3767782"/>
+            <a:ext cx="438912" cy="438912"/>
+          </a:xfrm>
+          <a:prstGeom prst="rect">
+            <a:avLst/>
+          </a:prstGeom>
+        </p:spPr>
+      </p:pic>
+      <p:cxnSp>
+        <p:nvCxnSpPr>
+          <p:cNvPr id="133" name="Straight Arrow Connector 132">
+            <a:extLst>
+              <a:ext uri="{FF2B5EF4-FFF2-40B4-BE49-F238E27FC236}">
+                <a16:creationId xmlns:a16="http://schemas.microsoft.com/office/drawing/2014/main" id="{FED7FBA4-25C0-EB45-B3C2-48ECFEECCC73}"/>
+              </a:ext>
+            </a:extLst>
+          </p:cNvPr>
+          <p:cNvCxnSpPr>
+            <a:cxnSpLocks/>
+            <a:stCxn id="128" idx="1"/>
+            <a:endCxn id="132" idx="3"/>
+          </p:cNvCxnSpPr>
+          <p:nvPr/>
+        </p:nvCxnSpPr>
+        <p:spPr>
+          <a:xfrm flipH="1">
+            <a:off x="5515788" y="3987238"/>
+            <a:ext cx="3243900" cy="0"/>
+          </a:xfrm>
+          <a:prstGeom prst="straightConnector1">
+            <a:avLst/>
+          </a:prstGeom>
+          <a:ln w="12700">
+            <a:solidFill>
+              <a:srgbClr val="545B64"/>
+            </a:solidFill>
+            <a:headEnd type="none" w="med" len="sm"/>
+            <a:tailEnd type="arrow"/>
+          </a:ln>
+        </p:spPr>
+        <p:style>
+          <a:lnRef idx="1">
+            <a:schemeClr val="accent1"/>
+          </a:lnRef>
+          <a:fillRef idx="0">
+            <a:schemeClr val="accent1"/>
+          </a:fillRef>
+          <a:effectRef idx="0">
+            <a:schemeClr val="accent1"/>
+          </a:effectRef>
+          <a:fontRef idx="minor">
+            <a:schemeClr val="tx1"/>
+          </a:fontRef>
+        </p:style>
+      </p:cxnSp>
+      <p:cxnSp>
+        <p:nvCxnSpPr>
+          <p:cNvPr id="32" name="Straight Arrow Connector 31">
+            <a:extLst>
+              <a:ext uri="{FF2B5EF4-FFF2-40B4-BE49-F238E27FC236}">
+                <a16:creationId xmlns:a16="http://schemas.microsoft.com/office/drawing/2014/main" id="{E7918A6B-4C88-0E45-8C39-CE9737A0C5F6}"/>
+              </a:ext>
+            </a:extLst>
+          </p:cNvPr>
+          <p:cNvCxnSpPr>
+            <a:cxnSpLocks/>
+            <a:stCxn id="131" idx="2"/>
+            <a:endCxn id="96" idx="0"/>
+          </p:cNvCxnSpPr>
+          <p:nvPr/>
+        </p:nvCxnSpPr>
+        <p:spPr>
+          <a:xfrm>
+            <a:off x="5282069" y="4487398"/>
+            <a:ext cx="11454" cy="1076035"/>
+          </a:xfrm>
+          <a:prstGeom prst="straightConnector1">
+            <a:avLst/>
+          </a:prstGeom>
+          <a:ln w="12700">
+            <a:solidFill>
+              <a:srgbClr val="545B64"/>
+            </a:solidFill>
+            <a:headEnd type="arrow" w="med" len="sm"/>
+            <a:tailEnd type="triangle"/>
+          </a:ln>
+        </p:spPr>
+        <p:style>
+          <a:lnRef idx="1">
+            <a:schemeClr val="accent1"/>
+          </a:lnRef>
+          <a:fillRef idx="0">
+            <a:schemeClr val="accent1"/>
+          </a:fillRef>
+          <a:effectRef idx="0">
+            <a:schemeClr val="accent1"/>
+          </a:effectRef>
+          <a:fontRef idx="minor">
+            <a:schemeClr val="tx1"/>
+          </a:fontRef>
+        </p:style>
+      </p:cxnSp>
+      <p:sp>
+        <p:nvSpPr>
+          <p:cNvPr id="134" name="TextBox 133">
+            <a:extLst>
+              <a:ext uri="{FF2B5EF4-FFF2-40B4-BE49-F238E27FC236}">
+                <a16:creationId xmlns:a16="http://schemas.microsoft.com/office/drawing/2014/main" id="{4416143F-BE90-FC46-8DEA-E5DD40DE27BC}"/>
+              </a:ext>
+            </a:extLst>
+          </p:cNvPr>
+          <p:cNvSpPr txBox="1"/>
+          <p:nvPr/>
+        </p:nvSpPr>
+        <p:spPr>
+          <a:xfrm>
+            <a:off x="6607171" y="7856118"/>
+            <a:ext cx="1406793" cy="276999"/>
+          </a:xfrm>
+          <a:prstGeom prst="rect">
+            <a:avLst/>
+          </a:prstGeom>
+          <a:noFill/>
+        </p:spPr>
+        <p:txBody>
+          <a:bodyPr wrap="square" rtlCol="0">
+            <a:spAutoFit/>
+          </a:bodyPr>
+          <a:lstStyle/>
+          <a:p>
+            <a:pPr algn="ctr"/>
+            <a:r>
+              <a:rPr lang="en-US" sz="1200" dirty="0">
+                <a:latin typeface="Arial" panose="020B0604020202020204" pitchFamily="34" charset="0"/>
+                <a:ea typeface="Amazon Ember" panose="020B0603020204020204" pitchFamily="34" charset="0"/>
+                <a:cs typeface="Arial" panose="020B0604020202020204" pitchFamily="34" charset="0"/>
+              </a:rPr>
+              <a:t>Batch processing</a:t>
+            </a:r>
+          </a:p>
+        </p:txBody>
+      </p:sp>
+      <p:cxnSp>
+        <p:nvCxnSpPr>
+          <p:cNvPr id="43" name="Straight Arrow Connector 42">
+            <a:extLst>
+              <a:ext uri="{FF2B5EF4-FFF2-40B4-BE49-F238E27FC236}">
+                <a16:creationId xmlns:a16="http://schemas.microsoft.com/office/drawing/2014/main" id="{02B05410-149E-9547-BD5B-A50862AD247E}"/>
+              </a:ext>
+            </a:extLst>
+          </p:cNvPr>
+          <p:cNvCxnSpPr>
+            <a:cxnSpLocks/>
+          </p:cNvCxnSpPr>
+          <p:nvPr/>
+        </p:nvCxnSpPr>
+        <p:spPr>
+          <a:xfrm>
+            <a:off x="6083831" y="5648166"/>
+            <a:ext cx="196040" cy="897"/>
+          </a:xfrm>
+          <a:prstGeom prst="straightConnector1">
+            <a:avLst/>
+          </a:prstGeom>
+          <a:ln w="12700">
+            <a:solidFill>
+              <a:srgbClr val="545B64"/>
+            </a:solidFill>
+            <a:headEnd type="none" w="med" len="sm"/>
+            <a:tailEnd type="arrow"/>
+          </a:ln>
+        </p:spPr>
+        <p:style>
+          <a:lnRef idx="1">
+            <a:schemeClr val="accent1"/>
+          </a:lnRef>
+          <a:fillRef idx="0">
+            <a:schemeClr val="accent1"/>
+          </a:fillRef>
+          <a:effectRef idx="0">
+            <a:schemeClr val="accent1"/>
+          </a:effectRef>
+          <a:fontRef idx="minor">
+            <a:schemeClr val="tx1"/>
+          </a:fontRef>
+        </p:style>
+      </p:cxnSp>
+      <p:cxnSp>
+        <p:nvCxnSpPr>
+          <p:cNvPr id="137" name="Straight Arrow Connector 136">
+            <a:extLst>
+              <a:ext uri="{FF2B5EF4-FFF2-40B4-BE49-F238E27FC236}">
+                <a16:creationId xmlns:a16="http://schemas.microsoft.com/office/drawing/2014/main" id="{811CCF1D-CCE1-BB47-9C55-F94B651198E2}"/>
+              </a:ext>
+            </a:extLst>
+          </p:cNvPr>
+          <p:cNvCxnSpPr>
+            <a:cxnSpLocks/>
+          </p:cNvCxnSpPr>
+          <p:nvPr/>
+        </p:nvCxnSpPr>
+        <p:spPr>
+          <a:xfrm>
+            <a:off x="8181044" y="7790836"/>
+            <a:ext cx="575626" cy="3957"/>
+          </a:xfrm>
+          <a:prstGeom prst="straightConnector1">
+            <a:avLst/>
+          </a:prstGeom>
+          <a:ln w="12700">
+            <a:solidFill>
+              <a:srgbClr val="545B64"/>
+            </a:solidFill>
+            <a:headEnd type="none" w="med" len="sm"/>
+            <a:tailEnd type="arrow"/>
+          </a:ln>
+        </p:spPr>
+        <p:style>
+          <a:lnRef idx="1">
+            <a:schemeClr val="accent1"/>
+          </a:lnRef>
+          <a:fillRef idx="0">
+            <a:schemeClr val="accent1"/>
+          </a:fillRef>
+          <a:effectRef idx="0">
+            <a:schemeClr val="accent1"/>
+          </a:effectRef>
+          <a:fontRef idx="minor">
+            <a:schemeClr val="tx1"/>
+          </a:fontRef>
+        </p:style>
+      </p:cxnSp>
+      <p:pic>
+        <p:nvPicPr>
+          <p:cNvPr id="138" name="Graphic 137">
+            <a:extLst>
+              <a:ext uri="{FF2B5EF4-FFF2-40B4-BE49-F238E27FC236}">
+                <a16:creationId xmlns:a16="http://schemas.microsoft.com/office/drawing/2014/main" id="{4F3BA387-A4C1-D04E-9E3C-1B60FC37FC82}"/>
+              </a:ext>
+            </a:extLst>
+          </p:cNvPr>
+          <p:cNvPicPr>
+            <a:picLocks noChangeAspect="1"/>
+          </p:cNvPicPr>
+          <p:nvPr/>
+        </p:nvPicPr>
+        <p:blipFill>
+          <a:blip r:embed="rId17">
+            <a:extLst>
+              <a:ext uri="{96DAC541-7B7A-43D3-8B79-37D633B846F1}">
+                <asvg:svgBlip xmlns:asvg="http://schemas.microsoft.com/office/drawing/2016/SVG/main" r:embed="rId18"/>
+              </a:ext>
+            </a:extLst>
+          </a:blip>
+          <a:stretch>
+            <a:fillRect/>
+          </a:stretch>
+        </p:blipFill>
+        <p:spPr>
+          <a:xfrm>
+            <a:off x="8759688" y="7570340"/>
+            <a:ext cx="438912" cy="438912"/>
+          </a:xfrm>
+          <a:prstGeom prst="rect">
+            <a:avLst/>
+          </a:prstGeom>
+        </p:spPr>
+      </p:pic>
+      <p:sp>
+        <p:nvSpPr>
+          <p:cNvPr id="139" name="TextBox 138">
+            <a:extLst>
+              <a:ext uri="{FF2B5EF4-FFF2-40B4-BE49-F238E27FC236}">
+                <a16:creationId xmlns:a16="http://schemas.microsoft.com/office/drawing/2014/main" id="{4C95DE67-16D0-094F-848B-C6DF6977F92D}"/>
+              </a:ext>
+            </a:extLst>
+          </p:cNvPr>
+          <p:cNvSpPr txBox="1"/>
+          <p:nvPr/>
+        </p:nvSpPr>
+        <p:spPr>
+          <a:xfrm>
+            <a:off x="8477453" y="8043374"/>
+            <a:ext cx="1003383" cy="276999"/>
+          </a:xfrm>
+          <a:prstGeom prst="rect">
+            <a:avLst/>
+          </a:prstGeom>
+          <a:noFill/>
+        </p:spPr>
+        <p:txBody>
+          <a:bodyPr wrap="square" rtlCol="0">
+            <a:spAutoFit/>
+          </a:bodyPr>
+          <a:lstStyle/>
+          <a:p>
+            <a:pPr algn="ctr"/>
+            <a:r>
+              <a:rPr lang="en-US" sz="1200" dirty="0">
+                <a:latin typeface="Arial" panose="020B0604020202020204" pitchFamily="34" charset="0"/>
+                <a:cs typeface="Arial" panose="020B0604020202020204" pitchFamily="34" charset="0"/>
+              </a:rPr>
+              <a:t>Amazon S3</a:t>
+            </a:r>
+          </a:p>
+        </p:txBody>
+      </p:sp>
+      <p:cxnSp>
+        <p:nvCxnSpPr>
+          <p:cNvPr id="141" name="Straight Arrow Connector 140">
+            <a:extLst>
+              <a:ext uri="{FF2B5EF4-FFF2-40B4-BE49-F238E27FC236}">
+                <a16:creationId xmlns:a16="http://schemas.microsoft.com/office/drawing/2014/main" id="{735FB522-AC40-5F40-91F0-75BFA9ABAA06}"/>
+              </a:ext>
+            </a:extLst>
+          </p:cNvPr>
+          <p:cNvCxnSpPr>
+            <a:cxnSpLocks/>
+            <a:stCxn id="123" idx="1"/>
+            <a:endCxn id="121" idx="3"/>
+          </p:cNvCxnSpPr>
+          <p:nvPr/>
+        </p:nvCxnSpPr>
+        <p:spPr>
+          <a:xfrm flipH="1">
+            <a:off x="9198600" y="5665645"/>
+            <a:ext cx="758012" cy="0"/>
+          </a:xfrm>
+          <a:prstGeom prst="straightConnector1">
+            <a:avLst/>
+          </a:prstGeom>
+          <a:ln w="12700">
+            <a:solidFill>
+              <a:srgbClr val="545B64"/>
+            </a:solidFill>
+            <a:headEnd type="none" w="med" len="sm"/>
+            <a:tailEnd type="arrow"/>
+          </a:ln>
+        </p:spPr>
+        <p:style>
+          <a:lnRef idx="1">
+            <a:schemeClr val="accent1"/>
+          </a:lnRef>
+          <a:fillRef idx="0">
+            <a:schemeClr val="accent1"/>
+          </a:fillRef>
+          <a:effectRef idx="0">
+            <a:schemeClr val="accent1"/>
+          </a:effectRef>
+          <a:fontRef idx="minor">
+            <a:schemeClr val="tx1"/>
+          </a:fontRef>
+        </p:style>
+      </p:cxnSp>
+      <p:sp>
+        <p:nvSpPr>
+          <p:cNvPr id="144" name="Rectangle 143">
+            <a:extLst>
+              <a:ext uri="{FF2B5EF4-FFF2-40B4-BE49-F238E27FC236}">
+                <a16:creationId xmlns:a16="http://schemas.microsoft.com/office/drawing/2014/main" id="{1EBD4A66-3DE6-CA43-982C-A3FC873186ED}"/>
+              </a:ext>
+            </a:extLst>
+          </p:cNvPr>
+          <p:cNvSpPr/>
+          <p:nvPr/>
+        </p:nvSpPr>
+        <p:spPr>
+          <a:xfrm>
+            <a:off x="1471146" y="2620139"/>
+            <a:ext cx="9208655" cy="5823063"/>
+          </a:xfrm>
+          <a:prstGeom prst="rect">
+            <a:avLst/>
+          </a:prstGeom>
+          <a:noFill/>
+          <a:ln w="12700">
+            <a:solidFill>
+              <a:schemeClr val="tx1"/>
+            </a:solidFill>
+          </a:ln>
+        </p:spPr>
+        <p:style>
+          <a:lnRef idx="2">
+            <a:schemeClr val="accent1">
+              <a:shade val="50000"/>
+            </a:schemeClr>
+          </a:lnRef>
+          <a:fillRef idx="1">
+            <a:schemeClr val="accent1"/>
+          </a:fillRef>
+          <a:effectRef idx="0">
+            <a:schemeClr val="accent1"/>
+          </a:effectRef>
+          <a:fontRef idx="minor">
+            <a:schemeClr val="lt1"/>
+          </a:fontRef>
+        </p:style>
+        <p:txBody>
+          <a:bodyPr rot="0" spcFirstLastPara="0" vertOverflow="overflow" horzOverflow="overflow" vert="horz" wrap="square" lIns="457200" tIns="91440" rIns="91440" bIns="45720" numCol="1" spcCol="0" rtlCol="0" fromWordArt="0" anchor="t" anchorCtr="0" forceAA="0" compatLnSpc="1">
+            <a:prstTxWarp prst="textNoShape">
+              <a:avLst/>
+            </a:prstTxWarp>
+            <a:noAutofit/>
+          </a:bodyPr>
+          <a:lstStyle/>
+          <a:p>
+            <a:pPr algn="l"/>
+            <a:r>
+              <a:rPr lang="en-US" sz="1200" dirty="0">
+                <a:solidFill>
+                  <a:sysClr val="windowText" lastClr="000000"/>
+                </a:solidFill>
+                <a:latin typeface="Arial" panose="020B0604020202020204" pitchFamily="34" charset="0"/>
+                <a:cs typeface="Arial" panose="020B0604020202020204" pitchFamily="34" charset="0"/>
+              </a:rPr>
+              <a:t>AWS Cloud</a:t>
+            </a:r>
+          </a:p>
+        </p:txBody>
+      </p:sp>
+      <p:pic>
+        <p:nvPicPr>
+          <p:cNvPr id="145" name="Graphic 144">
+            <a:extLst>
+              <a:ext uri="{FF2B5EF4-FFF2-40B4-BE49-F238E27FC236}">
+                <a16:creationId xmlns:a16="http://schemas.microsoft.com/office/drawing/2014/main" id="{3F3D35DB-A7C9-8145-8633-3D178A59D03F}"/>
+              </a:ext>
+            </a:extLst>
+          </p:cNvPr>
+          <p:cNvPicPr>
+            <a:picLocks noChangeAspect="1"/>
+          </p:cNvPicPr>
+          <p:nvPr/>
+        </p:nvPicPr>
+        <p:blipFill>
+          <a:blip r:embed="rId19">
+            <a:extLst>
+              <a:ext uri="{96DAC541-7B7A-43D3-8B79-37D633B846F1}">
+                <asvg:svgBlip xmlns:asvg="http://schemas.microsoft.com/office/drawing/2016/SVG/main" r:embed="rId20"/>
+              </a:ext>
+            </a:extLst>
+          </a:blip>
+          <a:stretch>
+            <a:fillRect/>
+          </a:stretch>
+        </p:blipFill>
+        <p:spPr>
+          <a:xfrm>
+            <a:off x="1478298" y="2620139"/>
+            <a:ext cx="317131" cy="330200"/>
+          </a:xfrm>
+          <a:prstGeom prst="rect">
+            <a:avLst/>
+          </a:prstGeom>
+        </p:spPr>
+      </p:pic>
+      <p:sp>
+        <p:nvSpPr>
+          <p:cNvPr id="164" name="TextBox 163">
+            <a:extLst>
+              <a:ext uri="{FF2B5EF4-FFF2-40B4-BE49-F238E27FC236}">
+                <a16:creationId xmlns:a16="http://schemas.microsoft.com/office/drawing/2014/main" id="{3DD9348F-C351-D342-829A-CBFF25F034B4}"/>
+              </a:ext>
+            </a:extLst>
+          </p:cNvPr>
+          <p:cNvSpPr txBox="1"/>
+          <p:nvPr/>
+        </p:nvSpPr>
+        <p:spPr>
+          <a:xfrm>
+            <a:off x="6792217" y="6822758"/>
+            <a:ext cx="865579" cy="276999"/>
+          </a:xfrm>
+          <a:prstGeom prst="rect">
+            <a:avLst/>
+          </a:prstGeom>
+          <a:noFill/>
+        </p:spPr>
+        <p:txBody>
+          <a:bodyPr wrap="square" rtlCol="0">
+            <a:spAutoFit/>
+          </a:bodyPr>
+          <a:lstStyle/>
+          <a:p>
+            <a:pPr algn="ctr"/>
+            <a:r>
+              <a:rPr lang="en-US" sz="1200" dirty="0">
+                <a:latin typeface="Arial" panose="020B0604020202020204" pitchFamily="34" charset="0"/>
+                <a:cs typeface="Arial" panose="020B0604020202020204" pitchFamily="34" charset="0"/>
+              </a:rPr>
+              <a:t>Model</a:t>
+            </a:r>
+          </a:p>
+        </p:txBody>
+      </p:sp>
+      <p:pic>
+        <p:nvPicPr>
+          <p:cNvPr id="165" name="Graphic 164">
+            <a:extLst>
+              <a:ext uri="{FF2B5EF4-FFF2-40B4-BE49-F238E27FC236}">
+                <a16:creationId xmlns:a16="http://schemas.microsoft.com/office/drawing/2014/main" id="{1BF442D6-DFF8-A646-BAF0-E22CD5E79707}"/>
+              </a:ext>
+            </a:extLst>
+          </p:cNvPr>
+          <p:cNvPicPr>
+            <a:picLocks noChangeAspect="1"/>
+          </p:cNvPicPr>
+          <p:nvPr/>
+        </p:nvPicPr>
+        <p:blipFill>
+          <a:blip r:embed="rId21">
+            <a:extLst>
+              <a:ext uri="{96DAC541-7B7A-43D3-8B79-37D633B846F1}">
+                <asvg:svgBlip xmlns:asvg="http://schemas.microsoft.com/office/drawing/2016/SVG/main" r:embed="rId22"/>
+              </a:ext>
+            </a:extLst>
+          </a:blip>
+          <a:stretch>
+            <a:fillRect/>
+          </a:stretch>
+        </p:blipFill>
+        <p:spPr>
+          <a:xfrm>
+            <a:off x="7028411" y="6464017"/>
+            <a:ext cx="393192" cy="393192"/>
+          </a:xfrm>
+          <a:prstGeom prst="rect">
+            <a:avLst/>
+          </a:prstGeom>
+        </p:spPr>
+      </p:pic>
+      <p:cxnSp>
+        <p:nvCxnSpPr>
+          <p:cNvPr id="171" name="Straight Arrow Connector 170">
+            <a:extLst>
+              <a:ext uri="{FF2B5EF4-FFF2-40B4-BE49-F238E27FC236}">
+                <a16:creationId xmlns:a16="http://schemas.microsoft.com/office/drawing/2014/main" id="{866DA029-E220-8D41-BF98-03084135C082}"/>
+              </a:ext>
+            </a:extLst>
+          </p:cNvPr>
+          <p:cNvCxnSpPr>
+            <a:cxnSpLocks/>
+            <a:stCxn id="64" idx="2"/>
+            <a:endCxn id="165" idx="0"/>
+          </p:cNvCxnSpPr>
+          <p:nvPr/>
+        </p:nvCxnSpPr>
+        <p:spPr>
+          <a:xfrm>
+            <a:off x="7225007" y="6122821"/>
+            <a:ext cx="0" cy="341196"/>
+          </a:xfrm>
+          <a:prstGeom prst="straightConnector1">
+            <a:avLst/>
+          </a:prstGeom>
+          <a:ln w="12700">
+            <a:solidFill>
+              <a:srgbClr val="545B64"/>
+            </a:solidFill>
+            <a:headEnd type="none" w="med" len="sm"/>
+            <a:tailEnd type="arrow"/>
+          </a:ln>
+        </p:spPr>
+        <p:style>
+          <a:lnRef idx="1">
+            <a:schemeClr val="accent1"/>
+          </a:lnRef>
+          <a:fillRef idx="0">
+            <a:schemeClr val="accent1"/>
+          </a:fillRef>
+          <a:effectRef idx="0">
+            <a:schemeClr val="accent1"/>
+          </a:effectRef>
+          <a:fontRef idx="minor">
+            <a:schemeClr val="tx1"/>
+          </a:fontRef>
+        </p:style>
+      </p:cxnSp>
+      <p:sp>
+        <p:nvSpPr>
+          <p:cNvPr id="148" name="Rectangle 147">
+            <a:extLst>
+              <a:ext uri="{FF2B5EF4-FFF2-40B4-BE49-F238E27FC236}">
+                <a16:creationId xmlns:a16="http://schemas.microsoft.com/office/drawing/2014/main" id="{529975ED-8831-FE4F-9133-BFF8747BC538}"/>
+              </a:ext>
+            </a:extLst>
+          </p:cNvPr>
+          <p:cNvSpPr/>
+          <p:nvPr/>
+        </p:nvSpPr>
+        <p:spPr>
+          <a:xfrm>
+            <a:off x="2321817" y="3452058"/>
+            <a:ext cx="1371183" cy="1035340"/>
+          </a:xfrm>
+          <a:prstGeom prst="rect">
+            <a:avLst/>
+          </a:prstGeom>
+          <a:solidFill>
+            <a:srgbClr val="007CBC">
+              <a:alpha val="9804"/>
+            </a:srgbClr>
+          </a:solidFill>
+          <a:ln w="12700">
+            <a:noFill/>
+            <a:prstDash val="solid"/>
+          </a:ln>
+        </p:spPr>
+        <p:style>
+          <a:lnRef idx="2">
+            <a:schemeClr val="accent1">
+              <a:shade val="50000"/>
+            </a:schemeClr>
+          </a:lnRef>
+          <a:fillRef idx="1">
+            <a:schemeClr val="accent1"/>
+          </a:fillRef>
+          <a:effectRef idx="0">
+            <a:schemeClr val="accent1"/>
+          </a:effectRef>
+          <a:fontRef idx="minor">
+            <a:schemeClr val="lt1"/>
+          </a:fontRef>
+        </p:style>
+        <p:txBody>
+          <a:bodyPr rot="0" spcFirstLastPara="0" vertOverflow="overflow" horzOverflow="overflow" vert="horz" wrap="square" lIns="338328" tIns="45720" rIns="91440" bIns="45720" numCol="1" spcCol="0" rtlCol="0" fromWordArt="0" anchor="t" anchorCtr="0" forceAA="0" compatLnSpc="1">
+            <a:prstTxWarp prst="textNoShape">
+              <a:avLst/>
+            </a:prstTxWarp>
+            <a:noAutofit/>
+          </a:bodyPr>
+          <a:lstStyle/>
+          <a:p>
+            <a:pPr algn="l"/>
+            <a:r>
+              <a:rPr lang="en-US" sz="1000" dirty="0">
+                <a:solidFill>
+                  <a:srgbClr val="007DBC"/>
+                </a:solidFill>
+                <a:latin typeface="Arial" panose="020B0604020202020204" pitchFamily="34" charset="0"/>
+                <a:cs typeface="Arial" panose="020B0604020202020204" pitchFamily="34" charset="0"/>
+              </a:rPr>
+              <a:t>Private subnet</a:t>
+            </a:r>
+          </a:p>
+        </p:txBody>
+      </p:sp>
+      <p:sp>
+        <p:nvSpPr>
+          <p:cNvPr id="110" name="TextBox 109">
+            <a:extLst>
+              <a:ext uri="{FF2B5EF4-FFF2-40B4-BE49-F238E27FC236}">
+                <a16:creationId xmlns:a16="http://schemas.microsoft.com/office/drawing/2014/main" id="{EF7F8E8D-1A79-C84C-BED7-1042E9B828BF}"/>
+              </a:ext>
+            </a:extLst>
+          </p:cNvPr>
+          <p:cNvSpPr txBox="1"/>
+          <p:nvPr/>
+        </p:nvSpPr>
+        <p:spPr>
+          <a:xfrm>
+            <a:off x="2312569" y="4210399"/>
+            <a:ext cx="1394846" cy="276999"/>
+          </a:xfrm>
+          <a:prstGeom prst="rect">
+            <a:avLst/>
+          </a:prstGeom>
+          <a:noFill/>
+        </p:spPr>
+        <p:txBody>
+          <a:bodyPr wrap="square" rtlCol="0">
+            <a:spAutoFit/>
+          </a:bodyPr>
+          <a:lstStyle/>
+          <a:p>
+            <a:pPr algn="ctr"/>
+            <a:r>
+              <a:rPr lang="en-US" sz="1200" dirty="0">
+                <a:solidFill>
+                  <a:srgbClr val="000000"/>
+                </a:solidFill>
+                <a:latin typeface="Arial" panose="020B0604020202020204" pitchFamily="34" charset="0"/>
+                <a:ea typeface="Amazon Ember" panose="020B0603020204020204" pitchFamily="34" charset="0"/>
+                <a:cs typeface="Arial" panose="020B0604020202020204" pitchFamily="34" charset="0"/>
+              </a:rPr>
+              <a:t>Amazon Redshift</a:t>
+            </a:r>
+            <a:endParaRPr lang="en-US" sz="1200" dirty="0">
+              <a:latin typeface="Arial" panose="020B0604020202020204" pitchFamily="34" charset="0"/>
+              <a:ea typeface="Amazon Ember" panose="020B0603020204020204" pitchFamily="34" charset="0"/>
+              <a:cs typeface="Arial" panose="020B0604020202020204" pitchFamily="34" charset="0"/>
+            </a:endParaRPr>
+          </a:p>
+        </p:txBody>
+      </p:sp>
+      <p:sp>
+        <p:nvSpPr>
+          <p:cNvPr id="146" name="Rectangle 145">
+            <a:extLst>
+              <a:ext uri="{FF2B5EF4-FFF2-40B4-BE49-F238E27FC236}">
+                <a16:creationId xmlns:a16="http://schemas.microsoft.com/office/drawing/2014/main" id="{5B788824-C20D-5840-9402-EB33490936A5}"/>
+              </a:ext>
+            </a:extLst>
+          </p:cNvPr>
+          <p:cNvSpPr/>
+          <p:nvPr/>
+        </p:nvSpPr>
+        <p:spPr>
+          <a:xfrm>
+            <a:off x="2175670" y="3060124"/>
+            <a:ext cx="1648950" cy="1525603"/>
+          </a:xfrm>
+          <a:prstGeom prst="rect">
+            <a:avLst/>
+          </a:prstGeom>
+          <a:noFill/>
+          <a:ln w="12700">
+            <a:solidFill>
+              <a:srgbClr val="1E8900"/>
+            </a:solidFill>
+          </a:ln>
+        </p:spPr>
+        <p:style>
+          <a:lnRef idx="2">
+            <a:schemeClr val="accent1">
+              <a:shade val="50000"/>
+            </a:schemeClr>
+          </a:lnRef>
+          <a:fillRef idx="1">
+            <a:schemeClr val="accent1"/>
+          </a:fillRef>
+          <a:effectRef idx="0">
+            <a:schemeClr val="accent1"/>
+          </a:effectRef>
+          <a:fontRef idx="minor">
+            <a:schemeClr val="lt1"/>
+          </a:fontRef>
+        </p:style>
+        <p:txBody>
+          <a:bodyPr rot="0" spcFirstLastPara="0" vertOverflow="overflow" horzOverflow="overflow" vert="horz" wrap="square" lIns="457200" tIns="91440" rIns="91440" bIns="45720" numCol="1" spcCol="0" rtlCol="0" fromWordArt="0" anchor="t" anchorCtr="0" forceAA="0" compatLnSpc="1">
+            <a:prstTxWarp prst="textNoShape">
+              <a:avLst/>
+            </a:prstTxWarp>
+            <a:noAutofit/>
+          </a:bodyPr>
+          <a:lstStyle/>
+          <a:p>
+            <a:pPr algn="l"/>
+            <a:r>
+              <a:rPr lang="en-US" sz="1000" dirty="0">
+                <a:ln w="0"/>
+                <a:solidFill>
+                  <a:srgbClr val="1E8900"/>
+                </a:solidFill>
+                <a:latin typeface="Arial" panose="020B0604020202020204" pitchFamily="34" charset="0"/>
+                <a:cs typeface="Arial" panose="020B0604020202020204" pitchFamily="34" charset="0"/>
+              </a:rPr>
+              <a:t>VPC</a:t>
+            </a:r>
+          </a:p>
+        </p:txBody>
+      </p:sp>
+      <p:pic>
+        <p:nvPicPr>
+          <p:cNvPr id="147" name="Graphic 146">
+            <a:extLst>
+              <a:ext uri="{FF2B5EF4-FFF2-40B4-BE49-F238E27FC236}">
+                <a16:creationId xmlns:a16="http://schemas.microsoft.com/office/drawing/2014/main" id="{72D434FD-9529-294E-82A8-F5CEFB1D5CBA}"/>
+              </a:ext>
+            </a:extLst>
+          </p:cNvPr>
+          <p:cNvPicPr>
+            <a:picLocks noChangeAspect="1"/>
+          </p:cNvPicPr>
+          <p:nvPr/>
+        </p:nvPicPr>
+        <p:blipFill>
+          <a:blip r:embed="rId23">
+            <a:extLst>
+              <a:ext uri="{96DAC541-7B7A-43D3-8B79-37D633B846F1}">
+                <asvg:svgBlip xmlns:asvg="http://schemas.microsoft.com/office/drawing/2016/SVG/main" r:embed="rId24"/>
+              </a:ext>
+            </a:extLst>
+          </a:blip>
+          <a:stretch>
+            <a:fillRect/>
+          </a:stretch>
+        </p:blipFill>
+        <p:spPr>
+          <a:xfrm>
+            <a:off x="2175670" y="3069858"/>
+            <a:ext cx="330200" cy="330200"/>
+          </a:xfrm>
+          <a:prstGeom prst="rect">
+            <a:avLst/>
+          </a:prstGeom>
+        </p:spPr>
+      </p:pic>
+      <p:pic>
+        <p:nvPicPr>
+          <p:cNvPr id="149" name="Graphic 148">
+            <a:extLst>
+              <a:ext uri="{FF2B5EF4-FFF2-40B4-BE49-F238E27FC236}">
+                <a16:creationId xmlns:a16="http://schemas.microsoft.com/office/drawing/2014/main" id="{62492DE7-7E3C-094A-8D1A-05B986E5FA3E}"/>
+              </a:ext>
+            </a:extLst>
+          </p:cNvPr>
+          <p:cNvPicPr>
+            <a:picLocks noChangeAspect="1"/>
+          </p:cNvPicPr>
+          <p:nvPr/>
+        </p:nvPicPr>
+        <p:blipFill>
+          <a:blip r:embed="rId25">
+            <a:extLst>
+              <a:ext uri="{96DAC541-7B7A-43D3-8B79-37D633B846F1}">
+                <asvg:svgBlip xmlns:asvg="http://schemas.microsoft.com/office/drawing/2016/SVG/main" r:embed="rId26"/>
+              </a:ext>
+            </a:extLst>
+          </a:blip>
+          <a:stretch>
+            <a:fillRect/>
+          </a:stretch>
+        </p:blipFill>
+        <p:spPr>
+          <a:xfrm>
+            <a:off x="2320487" y="3457950"/>
+            <a:ext cx="201848" cy="213335"/>
+          </a:xfrm>
+          <a:prstGeom prst="rect">
+            <a:avLst/>
+          </a:prstGeom>
+        </p:spPr>
+      </p:pic>
+      <p:pic>
+        <p:nvPicPr>
+          <p:cNvPr id="99" name="Graphic 98">
+            <a:extLst>
+              <a:ext uri="{FF2B5EF4-FFF2-40B4-BE49-F238E27FC236}">
+                <a16:creationId xmlns:a16="http://schemas.microsoft.com/office/drawing/2014/main" id="{C2E2D05B-0F5C-D146-9EBF-B3EEDE9FA564}"/>
+              </a:ext>
+            </a:extLst>
+          </p:cNvPr>
+          <p:cNvPicPr>
+            <a:picLocks noChangeAspect="1"/>
+          </p:cNvPicPr>
+          <p:nvPr/>
+        </p:nvPicPr>
+        <p:blipFill>
+          <a:blip r:embed="rId27">
+            <a:extLst>
+              <a:ext uri="{96DAC541-7B7A-43D3-8B79-37D633B846F1}">
+                <asvg:svgBlip xmlns:asvg="http://schemas.microsoft.com/office/drawing/2016/SVG/main" r:embed="rId28"/>
+              </a:ext>
+            </a:extLst>
+          </a:blip>
+          <a:stretch>
+            <a:fillRect/>
+          </a:stretch>
+        </p:blipFill>
+        <p:spPr>
+          <a:xfrm>
+            <a:off x="2768226" y="3766077"/>
+            <a:ext cx="442322" cy="442322"/>
+          </a:xfrm>
+          <a:prstGeom prst="rect">
+            <a:avLst/>
+          </a:prstGeom>
+        </p:spPr>
+      </p:pic>
+      <p:cxnSp>
+        <p:nvCxnSpPr>
+          <p:cNvPr id="120" name="Straight Arrow Connector 119">
+            <a:extLst>
+              <a:ext uri="{FF2B5EF4-FFF2-40B4-BE49-F238E27FC236}">
+                <a16:creationId xmlns:a16="http://schemas.microsoft.com/office/drawing/2014/main" id="{20C30688-5C68-2A42-BB0C-06581D0D7A56}"/>
+              </a:ext>
+            </a:extLst>
+          </p:cNvPr>
+          <p:cNvCxnSpPr>
+            <a:cxnSpLocks/>
+            <a:stCxn id="129" idx="2"/>
+            <a:endCxn id="121" idx="0"/>
+          </p:cNvCxnSpPr>
+          <p:nvPr/>
+        </p:nvCxnSpPr>
+        <p:spPr>
+          <a:xfrm>
+            <a:off x="8979144" y="4487398"/>
+            <a:ext cx="0" cy="958791"/>
+          </a:xfrm>
+          <a:prstGeom prst="straightConnector1">
+            <a:avLst/>
+          </a:prstGeom>
+          <a:ln w="12700">
+            <a:solidFill>
+              <a:srgbClr val="545B64"/>
+            </a:solidFill>
+            <a:headEnd type="none" w="med" len="sm"/>
+            <a:tailEnd type="arrow"/>
+          </a:ln>
+        </p:spPr>
+        <p:style>
+          <a:lnRef idx="1">
+            <a:schemeClr val="accent1"/>
+          </a:lnRef>
+          <a:fillRef idx="0">
+            <a:schemeClr val="accent1"/>
+          </a:fillRef>
+          <a:effectRef idx="0">
+            <a:schemeClr val="accent1"/>
+          </a:effectRef>
+          <a:fontRef idx="minor">
+            <a:schemeClr val="tx1"/>
+          </a:fontRef>
+        </p:style>
+      </p:cxnSp>
+      <p:cxnSp>
+        <p:nvCxnSpPr>
+          <p:cNvPr id="122" name="Straight Arrow Connector 121">
+            <a:extLst>
+              <a:ext uri="{FF2B5EF4-FFF2-40B4-BE49-F238E27FC236}">
+                <a16:creationId xmlns:a16="http://schemas.microsoft.com/office/drawing/2014/main" id="{0986F256-CD3D-8741-BD3B-3752075ECF32}"/>
+              </a:ext>
+            </a:extLst>
+          </p:cNvPr>
+          <p:cNvCxnSpPr>
+            <a:cxnSpLocks/>
+            <a:endCxn id="146" idx="2"/>
+          </p:cNvCxnSpPr>
+          <p:nvPr/>
+        </p:nvCxnSpPr>
+        <p:spPr>
+          <a:xfrm flipV="1">
+            <a:off x="3000145" y="4585727"/>
+            <a:ext cx="0" cy="2360672"/>
+          </a:xfrm>
+          <a:prstGeom prst="straightConnector1">
+            <a:avLst/>
+          </a:prstGeom>
+          <a:ln w="12700">
+            <a:solidFill>
+              <a:srgbClr val="545B64"/>
+            </a:solidFill>
+            <a:headEnd type="none" w="med" len="sm"/>
+            <a:tailEnd type="arrow"/>
+          </a:ln>
+        </p:spPr>
+        <p:style>
+          <a:lnRef idx="1">
+            <a:schemeClr val="accent1"/>
+          </a:lnRef>
+          <a:fillRef idx="0">
+            <a:schemeClr val="accent1"/>
+          </a:fillRef>
+          <a:effectRef idx="0">
+            <a:schemeClr val="accent1"/>
+          </a:effectRef>
+          <a:fontRef idx="minor">
+            <a:schemeClr val="tx1"/>
+          </a:fontRef>
+        </p:style>
+      </p:cxnSp>
+      <p:sp>
+        <p:nvSpPr>
+          <p:cNvPr id="61" name="Rectangle 60">
+            <a:extLst>
+              <a:ext uri="{FF2B5EF4-FFF2-40B4-BE49-F238E27FC236}">
+                <a16:creationId xmlns:a16="http://schemas.microsoft.com/office/drawing/2014/main" id="{09AAAC3F-DE6A-1647-8F80-881C617CA4E8}"/>
+              </a:ext>
+            </a:extLst>
+          </p:cNvPr>
+          <p:cNvSpPr/>
+          <p:nvPr/>
+        </p:nvSpPr>
+        <p:spPr>
+          <a:xfrm>
+            <a:off x="6268970" y="7330376"/>
+            <a:ext cx="1912074" cy="929785"/>
+          </a:xfrm>
+          <a:prstGeom prst="rect">
+            <a:avLst/>
+          </a:prstGeom>
+          <a:noFill/>
+          <a:ln w="12700">
+            <a:solidFill>
+              <a:srgbClr val="CD2264"/>
+            </a:solidFill>
+          </a:ln>
+        </p:spPr>
+        <p:style>
+          <a:lnRef idx="2">
+            <a:schemeClr val="accent1">
+              <a:shade val="50000"/>
+            </a:schemeClr>
+          </a:lnRef>
+          <a:fillRef idx="1">
+            <a:schemeClr val="accent1"/>
+          </a:fillRef>
+          <a:effectRef idx="0">
+            <a:schemeClr val="accent1"/>
+          </a:effectRef>
+          <a:fontRef idx="minor">
+            <a:schemeClr val="lt1"/>
+          </a:fontRef>
+        </p:style>
+        <p:txBody>
+          <a:bodyPr rot="0" spcFirstLastPara="0" vertOverflow="overflow" horzOverflow="overflow" vert="horz" wrap="square" lIns="457200" tIns="91440" rIns="91440" bIns="45720" numCol="1" spcCol="0" rtlCol="0" fromWordArt="0" anchor="t" anchorCtr="0" forceAA="0" compatLnSpc="1">
+            <a:prstTxWarp prst="textNoShape">
+              <a:avLst/>
+            </a:prstTxWarp>
+            <a:noAutofit/>
+          </a:bodyPr>
+          <a:lstStyle/>
+          <a:p>
+            <a:pPr algn="l"/>
+            <a:r>
+              <a:rPr lang="en-US" sz="1200" dirty="0">
+                <a:solidFill>
+                  <a:srgbClr val="CD2264"/>
+                </a:solidFill>
+                <a:latin typeface="Arial" panose="020B0604020202020204" pitchFamily="34" charset="0"/>
+                <a:cs typeface="Arial" panose="020B0604020202020204" pitchFamily="34" charset="0"/>
+              </a:rPr>
+              <a:t>AWS Step Functions workflow</a:t>
+            </a:r>
+          </a:p>
+        </p:txBody>
+      </p:sp>
+      <p:pic>
+        <p:nvPicPr>
+          <p:cNvPr id="63" name="Graphic 62">
+            <a:extLst>
+              <a:ext uri="{FF2B5EF4-FFF2-40B4-BE49-F238E27FC236}">
+                <a16:creationId xmlns:a16="http://schemas.microsoft.com/office/drawing/2014/main" id="{D49F6980-32EE-A947-A066-82D4D36E1B50}"/>
+              </a:ext>
+            </a:extLst>
+          </p:cNvPr>
+          <p:cNvPicPr>
+            <a:picLocks noChangeAspect="1"/>
+          </p:cNvPicPr>
+          <p:nvPr/>
+        </p:nvPicPr>
+        <p:blipFill>
+          <a:blip r:embed="rId29">
+            <a:extLst>
+              <a:ext uri="{96DAC541-7B7A-43D3-8B79-37D633B846F1}">
+                <asvg:svgBlip xmlns:asvg="http://schemas.microsoft.com/office/drawing/2016/SVG/main" r:embed="rId30"/>
+              </a:ext>
+            </a:extLst>
+          </a:blip>
+          <a:stretch>
+            <a:fillRect/>
+          </a:stretch>
+        </p:blipFill>
+        <p:spPr>
+          <a:xfrm>
+            <a:off x="6272149" y="7338524"/>
+            <a:ext cx="330200" cy="330200"/>
+          </a:xfrm>
+          <a:prstGeom prst="rect">
+            <a:avLst/>
+          </a:prstGeom>
+        </p:spPr>
+      </p:pic>
+      <p:sp>
+        <p:nvSpPr>
+          <p:cNvPr id="64" name="Rectangle 63">
+            <a:extLst>
+              <a:ext uri="{FF2B5EF4-FFF2-40B4-BE49-F238E27FC236}">
+                <a16:creationId xmlns:a16="http://schemas.microsoft.com/office/drawing/2014/main" id="{944EC883-52EE-6444-AE9F-4FC48038CDE1}"/>
+              </a:ext>
+            </a:extLst>
+          </p:cNvPr>
+          <p:cNvSpPr/>
+          <p:nvPr/>
+        </p:nvSpPr>
+        <p:spPr>
+          <a:xfrm>
+            <a:off x="6268970" y="5208470"/>
+            <a:ext cx="1912074" cy="914351"/>
+          </a:xfrm>
+          <a:prstGeom prst="rect">
+            <a:avLst/>
+          </a:prstGeom>
+          <a:noFill/>
+          <a:ln w="12700">
+            <a:solidFill>
+              <a:srgbClr val="CD2264"/>
+            </a:solidFill>
+          </a:ln>
+        </p:spPr>
+        <p:style>
+          <a:lnRef idx="2">
+            <a:schemeClr val="accent1">
+              <a:shade val="50000"/>
+            </a:schemeClr>
+          </a:lnRef>
+          <a:fillRef idx="1">
+            <a:schemeClr val="accent1"/>
+          </a:fillRef>
+          <a:effectRef idx="0">
+            <a:schemeClr val="accent1"/>
+          </a:effectRef>
+          <a:fontRef idx="minor">
+            <a:schemeClr val="lt1"/>
+          </a:fontRef>
+        </p:style>
+        <p:txBody>
+          <a:bodyPr rot="0" spcFirstLastPara="0" vertOverflow="overflow" horzOverflow="overflow" vert="horz" wrap="square" lIns="457200" tIns="91440" rIns="91440" bIns="45720" numCol="1" spcCol="0" rtlCol="0" fromWordArt="0" anchor="t" anchorCtr="0" forceAA="0" compatLnSpc="1">
+            <a:prstTxWarp prst="textNoShape">
+              <a:avLst/>
+            </a:prstTxWarp>
+            <a:noAutofit/>
+          </a:bodyPr>
+          <a:lstStyle/>
+          <a:p>
+            <a:pPr algn="l"/>
+            <a:r>
+              <a:rPr lang="en-US" sz="1200" dirty="0">
+                <a:solidFill>
+                  <a:srgbClr val="CD2264"/>
+                </a:solidFill>
+                <a:latin typeface="Arial" panose="020B0604020202020204" pitchFamily="34" charset="0"/>
+                <a:cs typeface="Arial" panose="020B0604020202020204" pitchFamily="34" charset="0"/>
+              </a:rPr>
+              <a:t>AWS Step Functions workflow</a:t>
+            </a:r>
+          </a:p>
+        </p:txBody>
+      </p:sp>
+      <p:pic>
+        <p:nvPicPr>
+          <p:cNvPr id="65" name="Graphic 64">
+            <a:extLst>
+              <a:ext uri="{FF2B5EF4-FFF2-40B4-BE49-F238E27FC236}">
+                <a16:creationId xmlns:a16="http://schemas.microsoft.com/office/drawing/2014/main" id="{B11986D4-EBFA-DD41-82B0-889387DB24B8}"/>
+              </a:ext>
+            </a:extLst>
+          </p:cNvPr>
+          <p:cNvPicPr>
+            <a:picLocks noChangeAspect="1"/>
+          </p:cNvPicPr>
+          <p:nvPr/>
+        </p:nvPicPr>
+        <p:blipFill>
+          <a:blip r:embed="rId29">
+            <a:extLst>
+              <a:ext uri="{96DAC541-7B7A-43D3-8B79-37D633B846F1}">
+                <asvg:svgBlip xmlns:asvg="http://schemas.microsoft.com/office/drawing/2016/SVG/main" r:embed="rId30"/>
+              </a:ext>
+            </a:extLst>
+          </a:blip>
+          <a:stretch>
+            <a:fillRect/>
+          </a:stretch>
+        </p:blipFill>
+        <p:spPr>
+          <a:xfrm>
+            <a:off x="6270856" y="5209461"/>
+            <a:ext cx="330200" cy="330200"/>
+          </a:xfrm>
+          <a:prstGeom prst="rect">
+            <a:avLst/>
+          </a:prstGeom>
+        </p:spPr>
+      </p:pic>
+      <p:cxnSp>
+        <p:nvCxnSpPr>
+          <p:cNvPr id="73" name="Straight Arrow Connector 72">
+            <a:extLst>
+              <a:ext uri="{FF2B5EF4-FFF2-40B4-BE49-F238E27FC236}">
+                <a16:creationId xmlns:a16="http://schemas.microsoft.com/office/drawing/2014/main" id="{A829A3B8-EA19-7540-B798-D6AF7CE6994B}"/>
+              </a:ext>
+            </a:extLst>
+          </p:cNvPr>
+          <p:cNvCxnSpPr>
+            <a:cxnSpLocks/>
+          </p:cNvCxnSpPr>
+          <p:nvPr/>
+        </p:nvCxnSpPr>
+        <p:spPr>
+          <a:xfrm>
+            <a:off x="6082225" y="7830765"/>
+            <a:ext cx="196040" cy="897"/>
+          </a:xfrm>
+          <a:prstGeom prst="straightConnector1">
+            <a:avLst/>
+          </a:prstGeom>
+          <a:ln w="12700">
+            <a:solidFill>
+              <a:srgbClr val="545B64"/>
+            </a:solidFill>
+            <a:headEnd type="none" w="med" len="sm"/>
+            <a:tailEnd type="arrow"/>
+          </a:ln>
+        </p:spPr>
+        <p:style>
+          <a:lnRef idx="1">
+            <a:schemeClr val="accent1"/>
+          </a:lnRef>
+          <a:fillRef idx="0">
+            <a:schemeClr val="accent1"/>
+          </a:fillRef>
+          <a:effectRef idx="0">
+            <a:schemeClr val="accent1"/>
+          </a:effectRef>
+          <a:fontRef idx="minor">
+            <a:schemeClr val="tx1"/>
+          </a:fontRef>
+        </p:style>
+      </p:cxnSp>
+      <p:cxnSp>
+        <p:nvCxnSpPr>
+          <p:cNvPr id="74" name="Straight Arrow Connector 73">
+            <a:extLst>
+              <a:ext uri="{FF2B5EF4-FFF2-40B4-BE49-F238E27FC236}">
+                <a16:creationId xmlns:a16="http://schemas.microsoft.com/office/drawing/2014/main" id="{D259F860-BFB7-B94B-9F67-B6A380238D07}"/>
+              </a:ext>
+            </a:extLst>
+          </p:cNvPr>
+          <p:cNvCxnSpPr>
+            <a:cxnSpLocks/>
+          </p:cNvCxnSpPr>
+          <p:nvPr/>
+        </p:nvCxnSpPr>
+        <p:spPr>
+          <a:xfrm flipH="1">
+            <a:off x="6082309" y="5648166"/>
+            <a:ext cx="1" cy="2183496"/>
+          </a:xfrm>
+          <a:prstGeom prst="straightConnector1">
+            <a:avLst/>
+          </a:prstGeom>
+          <a:ln w="12700">
+            <a:solidFill>
+              <a:srgbClr val="545B64"/>
+            </a:solidFill>
+            <a:headEnd type="none" w="med" len="sm"/>
+            <a:tailEnd type="none"/>
+          </a:ln>
+        </p:spPr>
+        <p:style>
+          <a:lnRef idx="1">
+            <a:schemeClr val="accent1"/>
+          </a:lnRef>
+          <a:fillRef idx="0">
+            <a:schemeClr val="accent1"/>
+          </a:fillRef>
+          <a:effectRef idx="0">
+            <a:schemeClr val="accent1"/>
+          </a:effectRef>
+          <a:fontRef idx="minor">
+            <a:schemeClr val="tx1"/>
+          </a:fontRef>
+        </p:style>
+      </p:cxnSp>
+      <p:cxnSp>
+        <p:nvCxnSpPr>
+          <p:cNvPr id="80" name="Straight Arrow Connector 79">
+            <a:extLst>
+              <a:ext uri="{FF2B5EF4-FFF2-40B4-BE49-F238E27FC236}">
+                <a16:creationId xmlns:a16="http://schemas.microsoft.com/office/drawing/2014/main" id="{F3B24E66-9803-2D48-8B2E-73D5DB273125}"/>
+              </a:ext>
+            </a:extLst>
+          </p:cNvPr>
+          <p:cNvCxnSpPr>
+            <a:cxnSpLocks/>
+            <a:stCxn id="96" idx="3"/>
+          </p:cNvCxnSpPr>
+          <p:nvPr/>
+        </p:nvCxnSpPr>
+        <p:spPr>
+          <a:xfrm>
+            <a:off x="5490119" y="5760029"/>
+            <a:ext cx="585354" cy="0"/>
+          </a:xfrm>
+          <a:prstGeom prst="straightConnector1">
+            <a:avLst/>
+          </a:prstGeom>
+          <a:ln w="12700">
+            <a:solidFill>
+              <a:srgbClr val="545B64"/>
+            </a:solidFill>
+            <a:headEnd type="none" w="med" len="sm"/>
+            <a:tailEnd type="none"/>
+          </a:ln>
+        </p:spPr>
+        <p:style>
+          <a:lnRef idx="1">
+            <a:schemeClr val="accent1"/>
+          </a:lnRef>
+          <a:fillRef idx="0">
+            <a:schemeClr val="accent1"/>
+          </a:fillRef>
+          <a:effectRef idx="0">
+            <a:schemeClr val="accent1"/>
+          </a:effectRef>
+          <a:fontRef idx="minor">
+            <a:schemeClr val="tx1"/>
+          </a:fontRef>
+        </p:style>
+      </p:cxnSp>
+      <p:sp>
+        <p:nvSpPr>
+          <p:cNvPr id="66" name="Rectangle 65">
+            <a:extLst>
+              <a:ext uri="{FF2B5EF4-FFF2-40B4-BE49-F238E27FC236}">
+                <a16:creationId xmlns:a16="http://schemas.microsoft.com/office/drawing/2014/main" id="{43C0C55C-F035-4C4E-9F21-CA9F8B6828A7}"/>
+              </a:ext>
+            </a:extLst>
+          </p:cNvPr>
+          <p:cNvSpPr/>
+          <p:nvPr/>
+        </p:nvSpPr>
+        <p:spPr>
+          <a:xfrm>
+            <a:off x="5950567" y="4816601"/>
+            <a:ext cx="4629750" cy="3520293"/>
+          </a:xfrm>
+          <a:prstGeom prst="rect">
+            <a:avLst/>
+          </a:prstGeom>
+          <a:noFill/>
+          <a:ln w="12700">
+            <a:solidFill>
+              <a:srgbClr val="5A6B86"/>
+            </a:solidFill>
+            <a:prstDash val="dash"/>
+          </a:ln>
+        </p:spPr>
+        <p:style>
+          <a:lnRef idx="2">
+            <a:schemeClr val="accent1">
+              <a:shade val="50000"/>
+            </a:schemeClr>
+          </a:lnRef>
+          <a:fillRef idx="1">
+            <a:schemeClr val="accent1"/>
+          </a:fillRef>
+          <a:effectRef idx="0">
+            <a:schemeClr val="accent1"/>
+          </a:effectRef>
+          <a:fontRef idx="minor">
+            <a:schemeClr val="lt1"/>
+          </a:fontRef>
+        </p:style>
+        <p:txBody>
+          <a:bodyPr rot="0" spcFirstLastPara="0" vertOverflow="overflow" horzOverflow="overflow" vert="horz" wrap="square" lIns="91440" tIns="91440" rIns="91440" bIns="45720" numCol="1" spcCol="0" rtlCol="0" fromWordArt="0" anchor="t" anchorCtr="0" forceAA="0" compatLnSpc="1">
+            <a:prstTxWarp prst="textNoShape">
+              <a:avLst/>
+            </a:prstTxWarp>
+            <a:noAutofit/>
+          </a:bodyPr>
+          <a:lstStyle/>
+          <a:p>
+            <a:pPr algn="ctr"/>
+            <a:r>
+              <a:rPr lang="en-US" sz="1200" dirty="0">
+                <a:solidFill>
+                  <a:srgbClr val="5A6B86"/>
+                </a:solidFill>
+                <a:latin typeface="Arial" panose="020B0604020202020204" pitchFamily="34" charset="0"/>
+                <a:cs typeface="Arial" panose="020B0604020202020204" pitchFamily="34" charset="0"/>
+              </a:rPr>
+              <a:t>ML pipeline</a:t>
+            </a:r>
+          </a:p>
+        </p:txBody>
+      </p:sp>
+      <p:cxnSp>
+        <p:nvCxnSpPr>
+          <p:cNvPr id="75" name="Straight Arrow Connector 74">
+            <a:extLst>
+              <a:ext uri="{FF2B5EF4-FFF2-40B4-BE49-F238E27FC236}">
+                <a16:creationId xmlns:a16="http://schemas.microsoft.com/office/drawing/2014/main" id="{A48FBF7D-A295-FA49-9198-98A3F3FDDF76}"/>
+              </a:ext>
+            </a:extLst>
+          </p:cNvPr>
+          <p:cNvCxnSpPr>
+            <a:cxnSpLocks/>
+            <a:stCxn id="164" idx="2"/>
+            <a:endCxn id="61" idx="0"/>
+          </p:cNvCxnSpPr>
+          <p:nvPr/>
+        </p:nvCxnSpPr>
+        <p:spPr>
+          <a:xfrm>
+            <a:off x="7225007" y="7099757"/>
+            <a:ext cx="0" cy="230619"/>
+          </a:xfrm>
+          <a:prstGeom prst="straightConnector1">
+            <a:avLst/>
+          </a:prstGeom>
+          <a:ln w="12700">
+            <a:solidFill>
+              <a:srgbClr val="545B64"/>
+            </a:solidFill>
+            <a:headEnd type="none" w="med" len="sm"/>
+            <a:tailEnd type="arrow"/>
+          </a:ln>
+        </p:spPr>
+        <p:style>
+          <a:lnRef idx="1">
+            <a:schemeClr val="accent1"/>
+          </a:lnRef>
+          <a:fillRef idx="0">
+            <a:schemeClr val="accent1"/>
+          </a:fillRef>
+          <a:effectRef idx="0">
+            <a:schemeClr val="accent1"/>
+          </a:effectRef>
+          <a:fontRef idx="minor">
+            <a:schemeClr val="tx1"/>
+          </a:fontRef>
+        </p:style>
+      </p:cxnSp>
+      <p:cxnSp>
+        <p:nvCxnSpPr>
+          <p:cNvPr id="67" name="Straight Arrow Connector 66">
+            <a:extLst>
+              <a:ext uri="{FF2B5EF4-FFF2-40B4-BE49-F238E27FC236}">
+                <a16:creationId xmlns:a16="http://schemas.microsoft.com/office/drawing/2014/main" id="{911726DE-B258-C04A-BBF9-70CA59368249}"/>
+              </a:ext>
+            </a:extLst>
+          </p:cNvPr>
+          <p:cNvCxnSpPr>
+            <a:cxnSpLocks/>
+            <a:endCxn id="97" idx="2"/>
+          </p:cNvCxnSpPr>
+          <p:nvPr/>
+        </p:nvCxnSpPr>
+        <p:spPr>
+          <a:xfrm flipV="1">
+            <a:off x="5282068" y="6372499"/>
+            <a:ext cx="1" cy="576072"/>
+          </a:xfrm>
+          <a:prstGeom prst="straightConnector1">
+            <a:avLst/>
+          </a:prstGeom>
+          <a:ln w="12700">
+            <a:solidFill>
+              <a:srgbClr val="545B64"/>
+            </a:solidFill>
+            <a:headEnd type="none" w="med" len="sm"/>
+            <a:tailEnd type="arrow"/>
+          </a:ln>
+        </p:spPr>
+        <p:style>
+          <a:lnRef idx="1">
+            <a:schemeClr val="accent1"/>
+          </a:lnRef>
+          <a:fillRef idx="0">
+            <a:schemeClr val="accent1"/>
+          </a:fillRef>
+          <a:effectRef idx="0">
+            <a:schemeClr val="accent1"/>
+          </a:effectRef>
+          <a:fontRef idx="minor">
+            <a:schemeClr val="tx1"/>
+          </a:fontRef>
+        </p:style>
+      </p:cxnSp>
+      <p:sp>
+        <p:nvSpPr>
+          <p:cNvPr id="68" name="Rectangle 67">
+            <a:extLst>
+              <a:ext uri="{FF2B5EF4-FFF2-40B4-BE49-F238E27FC236}">
+                <a16:creationId xmlns:a16="http://schemas.microsoft.com/office/drawing/2014/main" id="{CD5526D2-9CB8-FE4A-BCEE-8773CEBA6389}"/>
+              </a:ext>
+            </a:extLst>
+          </p:cNvPr>
+          <p:cNvSpPr/>
+          <p:nvPr/>
+        </p:nvSpPr>
+        <p:spPr>
+          <a:xfrm>
+            <a:off x="1584217" y="4816601"/>
+            <a:ext cx="4247598" cy="3503772"/>
+          </a:xfrm>
+          <a:prstGeom prst="rect">
+            <a:avLst/>
+          </a:prstGeom>
+          <a:noFill/>
+          <a:ln w="12700">
+            <a:solidFill>
+              <a:srgbClr val="5A6B86"/>
+            </a:solidFill>
+            <a:prstDash val="dash"/>
+          </a:ln>
+        </p:spPr>
+        <p:style>
+          <a:lnRef idx="2">
+            <a:schemeClr val="accent1">
+              <a:shade val="50000"/>
+            </a:schemeClr>
+          </a:lnRef>
+          <a:fillRef idx="1">
+            <a:schemeClr val="accent1"/>
+          </a:fillRef>
+          <a:effectRef idx="0">
+            <a:schemeClr val="accent1"/>
+          </a:effectRef>
+          <a:fontRef idx="minor">
+            <a:schemeClr val="lt1"/>
+          </a:fontRef>
+        </p:style>
+        <p:txBody>
+          <a:bodyPr rot="0" spcFirstLastPara="0" vertOverflow="overflow" horzOverflow="overflow" vert="horz" wrap="square" lIns="91440" tIns="91440" rIns="91440" bIns="45720" numCol="1" spcCol="0" rtlCol="0" fromWordArt="0" anchor="t" anchorCtr="0" forceAA="0" compatLnSpc="1">
+            <a:prstTxWarp prst="textNoShape">
+              <a:avLst/>
+            </a:prstTxWarp>
+            <a:noAutofit/>
+          </a:bodyPr>
+          <a:lstStyle/>
+          <a:p>
+            <a:pPr algn="ctr"/>
+            <a:r>
+              <a:rPr lang="en-US" sz="1200" dirty="0">
+                <a:solidFill>
+                  <a:srgbClr val="5A6B86"/>
+                </a:solidFill>
+                <a:latin typeface="Arial" panose="020B0604020202020204" pitchFamily="34" charset="0"/>
+                <a:cs typeface="Arial" panose="020B0604020202020204" pitchFamily="34" charset="0"/>
+              </a:rPr>
+              <a:t>ETL pipeline</a:t>
+            </a:r>
+          </a:p>
+        </p:txBody>
+      </p:sp>
+      <p:pic>
+        <p:nvPicPr>
+          <p:cNvPr id="70" name="Graphic 9">
+            <a:extLst>
+              <a:ext uri="{FF2B5EF4-FFF2-40B4-BE49-F238E27FC236}">
+                <a16:creationId xmlns:a16="http://schemas.microsoft.com/office/drawing/2014/main" id="{FDB62A70-5BCB-4315-9B28-48256A74FEC0}"/>
+              </a:ext>
+            </a:extLst>
+          </p:cNvPr>
+          <p:cNvPicPr>
+            <a:picLocks noChangeAspect="1" noChangeArrowheads="1"/>
+          </p:cNvPicPr>
+          <p:nvPr/>
+        </p:nvPicPr>
+        <p:blipFill>
+          <a:blip r:embed="rId31">
+            <a:extLst>
+              <a:ext uri="{28A0092B-C50C-407E-A947-70E740481C1C}">
+                <a14:useLocalDpi xmlns:a14="http://schemas.microsoft.com/office/drawing/2010/main" val="0"/>
+              </a:ext>
+            </a:extLst>
+          </a:blip>
+          <a:srcRect/>
+          <a:stretch>
+            <a:fillRect/>
+          </a:stretch>
+        </p:blipFill>
+        <p:spPr bwMode="auto">
+          <a:xfrm>
+            <a:off x="4529717" y="7406684"/>
+            <a:ext cx="393192" cy="393192"/>
+          </a:xfrm>
+          <a:prstGeom prst="rect">
+            <a:avLst/>
+          </a:prstGeom>
+          <a:noFill/>
+          <a:ln>
+            <a:noFill/>
+          </a:ln>
+          <a:extLst>
+            <a:ext uri="{909E8E84-426E-40DD-AFC4-6F175D3DCCD1}">
+              <a14:hiddenFill xmlns:a14="http://schemas.microsoft.com/office/drawing/2010/main">
+                <a:solidFill>
+                  <a:srgbClr val="FFFFFF"/>
+                </a:solidFill>
+              </a14:hiddenFill>
+            </a:ext>
+            <a:ext uri="{91240B29-F687-4F45-9708-019B960494DF}">
+              <a14:hiddenLine xmlns:a14="http://schemas.microsoft.com/office/drawing/2010/main" w="9525">
+                <a:solidFill>
+                  <a:srgbClr val="000000"/>
+                </a:solidFill>
+                <a:miter lim="800000"/>
+                <a:headEnd/>
+                <a:tailEnd/>
+              </a14:hiddenLine>
+            </a:ext>
+          </a:extLst>
+        </p:spPr>
+      </p:pic>
+    </p:spTree>
+    <p:extLst>
+      <p:ext uri="{BB962C8B-B14F-4D97-AF65-F5344CB8AC3E}">
+        <p14:creationId xmlns:p14="http://schemas.microsoft.com/office/powerpoint/2010/main" val="352143822"/>
+      </p:ext>
+    </p:extLst>
+  </p:cSld>
+  <p:clrMapOvr>
+    <a:masterClrMapping/>
+  </p:clrMapOvr>
+</p:sld>
+</file>
+
+<file path=ppt/slides/slide3.xml><?xml version="1.0" encoding="utf-8"?>
+<p:sld xmlns:a="http://schemas.openxmlformats.org/drawingml/2006/main" xmlns:r="http://schemas.openxmlformats.org/officeDocument/2006/relationships" xmlns:p="http://schemas.openxmlformats.org/presentationml/2006/main">
+  <p:cSld>
+    <p:spTree>
+      <p:nvGrpSpPr>
+        <p:cNvPr id="1" name=""/>
+        <p:cNvGrpSpPr/>
+        <p:nvPr/>
+      </p:nvGrpSpPr>
+      <p:grpSpPr>
+        <a:xfrm>
+          <a:off x="0" y="0"/>
+          <a:ext cx="0" cy="0"/>
+          <a:chOff x="0" y="0"/>
+          <a:chExt cx="0" cy="0"/>
+        </a:xfrm>
+      </p:grpSpPr>
+      <p:sp>
+        <p:nvSpPr>
+          <p:cNvPr id="8" name="Rectangle 7">
+            <a:extLst>
+              <a:ext uri="{FF2B5EF4-FFF2-40B4-BE49-F238E27FC236}">
+                <a16:creationId xmlns:a16="http://schemas.microsoft.com/office/drawing/2014/main" id="{680AC802-7C8E-440B-AF26-9DB9045B9E06}"/>
+              </a:ext>
+            </a:extLst>
+          </p:cNvPr>
+          <p:cNvSpPr/>
+          <p:nvPr/>
+        </p:nvSpPr>
+        <p:spPr>
+          <a:xfrm>
+            <a:off x="1334605" y="2620140"/>
+            <a:ext cx="9208655" cy="5914260"/>
+          </a:xfrm>
+          <a:prstGeom prst="rect">
+            <a:avLst/>
+          </a:prstGeom>
+          <a:noFill/>
+          <a:ln w="12700">
+            <a:solidFill>
+              <a:schemeClr val="tx1"/>
+            </a:solidFill>
+          </a:ln>
+        </p:spPr>
+        <p:style>
+          <a:lnRef idx="2">
+            <a:schemeClr val="accent1">
+              <a:shade val="50000"/>
+            </a:schemeClr>
+          </a:lnRef>
+          <a:fillRef idx="1">
+            <a:schemeClr val="accent1"/>
+          </a:fillRef>
+          <a:effectRef idx="0">
+            <a:schemeClr val="accent1"/>
+          </a:effectRef>
+          <a:fontRef idx="minor">
+            <a:schemeClr val="lt1"/>
+          </a:fontRef>
+        </p:style>
+        <p:txBody>
+          <a:bodyPr rot="0" spcFirstLastPara="0" vertOverflow="overflow" horzOverflow="overflow" vert="horz" wrap="square" lIns="457200" tIns="91440" rIns="91440" bIns="45720" numCol="1" spcCol="0" rtlCol="0" fromWordArt="0" anchor="t" anchorCtr="0" forceAA="0" compatLnSpc="1">
+            <a:prstTxWarp prst="textNoShape">
+              <a:avLst/>
+            </a:prstTxWarp>
+            <a:noAutofit/>
+          </a:bodyPr>
+          <a:lstStyle/>
+          <a:p>
+            <a:pPr algn="l"/>
+            <a:r>
+              <a:rPr lang="en-US" sz="1200" dirty="0">
+                <a:solidFill>
+                  <a:sysClr val="windowText" lastClr="000000"/>
+                </a:solidFill>
+                <a:latin typeface="Arial" panose="020B0604020202020204" pitchFamily="34" charset="0"/>
+                <a:cs typeface="Arial" panose="020B0604020202020204" pitchFamily="34" charset="0"/>
+              </a:rPr>
+              <a:t>AWS Cloud</a:t>
+            </a:r>
+          </a:p>
+        </p:txBody>
+      </p:sp>
+      <p:pic>
+        <p:nvPicPr>
+          <p:cNvPr id="9" name="Graphic 8">
+            <a:extLst>
+              <a:ext uri="{FF2B5EF4-FFF2-40B4-BE49-F238E27FC236}">
+                <a16:creationId xmlns:a16="http://schemas.microsoft.com/office/drawing/2014/main" id="{DC39DBA0-6720-4976-9458-064989DE0424}"/>
+              </a:ext>
+            </a:extLst>
+          </p:cNvPr>
+          <p:cNvPicPr>
+            <a:picLocks noChangeAspect="1"/>
+          </p:cNvPicPr>
+          <p:nvPr/>
+        </p:nvPicPr>
+        <p:blipFill>
+          <a:blip r:embed="rId2">
+            <a:extLst>
+              <a:ext uri="{96DAC541-7B7A-43D3-8B79-37D633B846F1}">
+                <asvg:svgBlip xmlns:asvg="http://schemas.microsoft.com/office/drawing/2016/SVG/main" r:embed="rId3"/>
+              </a:ext>
+            </a:extLst>
+          </a:blip>
+          <a:stretch>
+            <a:fillRect/>
+          </a:stretch>
+        </p:blipFill>
+        <p:spPr>
+          <a:xfrm>
+            <a:off x="1335024" y="2620139"/>
+            <a:ext cx="329184" cy="342750"/>
+          </a:xfrm>
+          <a:prstGeom prst="rect">
+            <a:avLst/>
+          </a:prstGeom>
+        </p:spPr>
+      </p:pic>
+      <p:sp>
+        <p:nvSpPr>
+          <p:cNvPr id="10" name="Rectangle 9">
+            <a:extLst>
+              <a:ext uri="{FF2B5EF4-FFF2-40B4-BE49-F238E27FC236}">
+                <a16:creationId xmlns:a16="http://schemas.microsoft.com/office/drawing/2014/main" id="{F3B50616-E36C-4393-BFE9-39A4481D2636}"/>
+              </a:ext>
+            </a:extLst>
+          </p:cNvPr>
+          <p:cNvSpPr/>
+          <p:nvPr/>
+        </p:nvSpPr>
+        <p:spPr>
+          <a:xfrm>
+            <a:off x="1658888" y="3064714"/>
+            <a:ext cx="3856388" cy="3567091"/>
+          </a:xfrm>
+          <a:prstGeom prst="rect">
+            <a:avLst/>
+          </a:prstGeom>
+          <a:noFill/>
+          <a:ln w="12700">
+            <a:solidFill>
+              <a:srgbClr val="5A6B86"/>
+            </a:solidFill>
+            <a:prstDash val="dash"/>
+          </a:ln>
+        </p:spPr>
+        <p:style>
+          <a:lnRef idx="2">
+            <a:schemeClr val="accent1">
+              <a:shade val="50000"/>
+            </a:schemeClr>
+          </a:lnRef>
+          <a:fillRef idx="1">
+            <a:schemeClr val="accent1"/>
+          </a:fillRef>
+          <a:effectRef idx="0">
+            <a:schemeClr val="accent1"/>
+          </a:effectRef>
+          <a:fontRef idx="minor">
+            <a:schemeClr val="lt1"/>
+          </a:fontRef>
+        </p:style>
+        <p:txBody>
+          <a:bodyPr rot="0" spcFirstLastPara="0" vertOverflow="overflow" horzOverflow="overflow" vert="horz" wrap="square" lIns="91440" tIns="91440" rIns="91440" bIns="45720" numCol="1" spcCol="0" rtlCol="0" fromWordArt="0" anchor="t" anchorCtr="0" forceAA="0" compatLnSpc="1">
+            <a:prstTxWarp prst="textNoShape">
+              <a:avLst/>
+            </a:prstTxWarp>
+            <a:noAutofit/>
+          </a:bodyPr>
+          <a:lstStyle/>
+          <a:p>
+            <a:pPr algn="ctr"/>
+            <a:r>
+              <a:rPr lang="en-US" sz="1200" dirty="0">
+                <a:solidFill>
+                  <a:srgbClr val="5A6B86"/>
+                </a:solidFill>
+                <a:latin typeface="Arial" panose="020B0604020202020204" pitchFamily="34" charset="0"/>
+                <a:cs typeface="Arial" panose="020B0604020202020204" pitchFamily="34" charset="0"/>
+              </a:rPr>
+              <a:t>ETL pipeline</a:t>
+            </a:r>
+          </a:p>
+        </p:txBody>
+      </p:sp>
+      <p:sp>
+        <p:nvSpPr>
+          <p:cNvPr id="11" name="Rectangle 10">
+            <a:extLst>
+              <a:ext uri="{FF2B5EF4-FFF2-40B4-BE49-F238E27FC236}">
+                <a16:creationId xmlns:a16="http://schemas.microsoft.com/office/drawing/2014/main" id="{5605004F-4055-4FEC-8860-B56CA6E2F545}"/>
+              </a:ext>
+            </a:extLst>
+          </p:cNvPr>
+          <p:cNvSpPr/>
+          <p:nvPr/>
+        </p:nvSpPr>
+        <p:spPr>
+          <a:xfrm>
+            <a:off x="5638143" y="3056454"/>
+            <a:ext cx="4500586" cy="3575352"/>
+          </a:xfrm>
+          <a:prstGeom prst="rect">
+            <a:avLst/>
+          </a:prstGeom>
+          <a:noFill/>
+          <a:ln w="12700">
+            <a:solidFill>
+              <a:srgbClr val="5A6B86"/>
+            </a:solidFill>
+            <a:prstDash val="dash"/>
+          </a:ln>
+        </p:spPr>
+        <p:style>
+          <a:lnRef idx="2">
+            <a:schemeClr val="accent1">
+              <a:shade val="50000"/>
+            </a:schemeClr>
+          </a:lnRef>
+          <a:fillRef idx="1">
+            <a:schemeClr val="accent1"/>
+          </a:fillRef>
+          <a:effectRef idx="0">
+            <a:schemeClr val="accent1"/>
+          </a:effectRef>
+          <a:fontRef idx="minor">
+            <a:schemeClr val="lt1"/>
+          </a:fontRef>
+        </p:style>
+        <p:txBody>
+          <a:bodyPr rot="0" spcFirstLastPara="0" vertOverflow="overflow" horzOverflow="overflow" vert="horz" wrap="square" lIns="91440" tIns="91440" rIns="91440" bIns="45720" numCol="1" spcCol="0" rtlCol="0" fromWordArt="0" anchor="t" anchorCtr="0" forceAA="0" compatLnSpc="1">
+            <a:prstTxWarp prst="textNoShape">
+              <a:avLst/>
+            </a:prstTxWarp>
+            <a:noAutofit/>
+          </a:bodyPr>
+          <a:lstStyle/>
+          <a:p>
+            <a:pPr algn="ctr"/>
+            <a:r>
+              <a:rPr lang="en-US" sz="1200" dirty="0">
+                <a:solidFill>
+                  <a:srgbClr val="5A6B86"/>
+                </a:solidFill>
+                <a:latin typeface="Arial" panose="020B0604020202020204" pitchFamily="34" charset="0"/>
+                <a:cs typeface="Arial" panose="020B0604020202020204" pitchFamily="34" charset="0"/>
+              </a:rPr>
+              <a:t>ML pipeline</a:t>
+            </a:r>
+          </a:p>
+        </p:txBody>
+      </p:sp>
+      <p:sp>
+        <p:nvSpPr>
+          <p:cNvPr id="12" name="Rectangle 11">
+            <a:extLst>
+              <a:ext uri="{FF2B5EF4-FFF2-40B4-BE49-F238E27FC236}">
+                <a16:creationId xmlns:a16="http://schemas.microsoft.com/office/drawing/2014/main" id="{A11D468A-9AFD-44DF-915C-26E05766913F}"/>
+              </a:ext>
+            </a:extLst>
+          </p:cNvPr>
+          <p:cNvSpPr/>
+          <p:nvPr/>
+        </p:nvSpPr>
+        <p:spPr>
+          <a:xfrm>
+            <a:off x="1666778" y="6839294"/>
+            <a:ext cx="2004589" cy="1589080"/>
+          </a:xfrm>
+          <a:prstGeom prst="rect">
+            <a:avLst/>
+          </a:prstGeom>
+          <a:noFill/>
+          <a:ln w="12700">
+            <a:solidFill>
+              <a:srgbClr val="1E8900"/>
+            </a:solidFill>
+          </a:ln>
+        </p:spPr>
+        <p:style>
+          <a:lnRef idx="2">
+            <a:schemeClr val="accent1">
+              <a:shade val="50000"/>
+            </a:schemeClr>
+          </a:lnRef>
+          <a:fillRef idx="1">
+            <a:schemeClr val="accent1"/>
+          </a:fillRef>
+          <a:effectRef idx="0">
+            <a:schemeClr val="accent1"/>
+          </a:effectRef>
+          <a:fontRef idx="minor">
+            <a:schemeClr val="lt1"/>
+          </a:fontRef>
+        </p:style>
+        <p:txBody>
+          <a:bodyPr rot="0" spcFirstLastPara="0" vertOverflow="overflow" horzOverflow="overflow" vert="horz" wrap="square" lIns="457200" tIns="91440" rIns="91440" bIns="45720" numCol="1" spcCol="0" rtlCol="0" fromWordArt="0" anchor="t" anchorCtr="0" forceAA="0" compatLnSpc="1">
+            <a:prstTxWarp prst="textNoShape">
+              <a:avLst/>
+            </a:prstTxWarp>
+            <a:noAutofit/>
+          </a:bodyPr>
+          <a:lstStyle/>
+          <a:p>
+            <a:pPr algn="l"/>
+            <a:r>
+              <a:rPr lang="en-US" sz="1000" dirty="0">
+                <a:ln w="0"/>
+                <a:solidFill>
+                  <a:srgbClr val="1E8900"/>
+                </a:solidFill>
+                <a:latin typeface="Arial" panose="020B0604020202020204" pitchFamily="34" charset="0"/>
+                <a:cs typeface="Arial" panose="020B0604020202020204" pitchFamily="34" charset="0"/>
+              </a:rPr>
+              <a:t>VPC</a:t>
+            </a:r>
+          </a:p>
+        </p:txBody>
+      </p:sp>
+      <p:pic>
+        <p:nvPicPr>
+          <p:cNvPr id="13" name="Graphic 12">
+            <a:extLst>
+              <a:ext uri="{FF2B5EF4-FFF2-40B4-BE49-F238E27FC236}">
+                <a16:creationId xmlns:a16="http://schemas.microsoft.com/office/drawing/2014/main" id="{36F5E99C-77F7-4F8A-A146-FAEE948DB495}"/>
+              </a:ext>
+            </a:extLst>
+          </p:cNvPr>
+          <p:cNvPicPr>
+            <a:picLocks noChangeAspect="1"/>
+          </p:cNvPicPr>
+          <p:nvPr/>
+        </p:nvPicPr>
+        <p:blipFill>
+          <a:blip r:embed="rId4">
+            <a:extLst>
+              <a:ext uri="{96DAC541-7B7A-43D3-8B79-37D633B846F1}">
+                <asvg:svgBlip xmlns:asvg="http://schemas.microsoft.com/office/drawing/2016/SVG/main" r:embed="rId5"/>
+              </a:ext>
+            </a:extLst>
+          </a:blip>
+          <a:stretch>
+            <a:fillRect/>
+          </a:stretch>
+        </p:blipFill>
+        <p:spPr>
+          <a:xfrm>
+            <a:off x="1666779" y="6839712"/>
+            <a:ext cx="330200" cy="330200"/>
+          </a:xfrm>
+          <a:prstGeom prst="rect">
+            <a:avLst/>
+          </a:prstGeom>
+        </p:spPr>
+      </p:pic>
+      <p:sp>
+        <p:nvSpPr>
+          <p:cNvPr id="14" name="Rectangle 13">
+            <a:extLst>
+              <a:ext uri="{FF2B5EF4-FFF2-40B4-BE49-F238E27FC236}">
+                <a16:creationId xmlns:a16="http://schemas.microsoft.com/office/drawing/2014/main" id="{281BAB9A-FBBF-4BBF-A90E-B0890CED47FA}"/>
+              </a:ext>
+            </a:extLst>
+          </p:cNvPr>
+          <p:cNvSpPr/>
+          <p:nvPr/>
+        </p:nvSpPr>
+        <p:spPr>
+          <a:xfrm>
+            <a:off x="2597720" y="3498150"/>
+            <a:ext cx="2540488" cy="1303512"/>
+          </a:xfrm>
+          <a:prstGeom prst="rect">
+            <a:avLst/>
+          </a:prstGeom>
+          <a:solidFill>
+            <a:srgbClr val="5A6B86">
+              <a:alpha val="9804"/>
+            </a:srgbClr>
+          </a:solidFill>
+          <a:ln w="12700">
+            <a:noFill/>
+            <a:prstDash val="dash"/>
+          </a:ln>
+        </p:spPr>
+        <p:style>
+          <a:lnRef idx="2">
+            <a:schemeClr val="accent1">
+              <a:shade val="50000"/>
+            </a:schemeClr>
+          </a:lnRef>
+          <a:fillRef idx="1">
+            <a:schemeClr val="accent1"/>
+          </a:fillRef>
+          <a:effectRef idx="0">
+            <a:schemeClr val="accent1"/>
+          </a:effectRef>
+          <a:fontRef idx="minor">
+            <a:schemeClr val="lt1"/>
+          </a:fontRef>
+        </p:style>
+        <p:txBody>
+          <a:bodyPr rot="0" spcFirstLastPara="0" vertOverflow="overflow" horzOverflow="overflow" vert="horz" wrap="square" lIns="91440" tIns="91440" rIns="91440" bIns="45720" numCol="1" spcCol="0" rtlCol="0" fromWordArt="0" anchor="t" anchorCtr="0" forceAA="0" compatLnSpc="1">
+            <a:prstTxWarp prst="textNoShape">
+              <a:avLst/>
+            </a:prstTxWarp>
+            <a:noAutofit/>
+          </a:bodyPr>
+          <a:lstStyle/>
+          <a:p>
+            <a:pPr algn="ctr"/>
+            <a:r>
+              <a:rPr lang="en-US" sz="1200" dirty="0">
+                <a:solidFill>
+                  <a:schemeClr val="tx1"/>
+                </a:solidFill>
+                <a:latin typeface="Arial" panose="020B0604020202020204" pitchFamily="34" charset="0"/>
+                <a:cs typeface="Arial" panose="020B0604020202020204" pitchFamily="34" charset="0"/>
+              </a:rPr>
+              <a:t>AWS Glue workflow</a:t>
+            </a:r>
+          </a:p>
+        </p:txBody>
+      </p:sp>
+      <p:sp>
+        <p:nvSpPr>
+          <p:cNvPr id="15" name="TextBox 14">
+            <a:extLst>
+              <a:ext uri="{FF2B5EF4-FFF2-40B4-BE49-F238E27FC236}">
+                <a16:creationId xmlns:a16="http://schemas.microsoft.com/office/drawing/2014/main" id="{198F80C0-694B-4E0C-9F28-FE95FB97AD1F}"/>
+              </a:ext>
+            </a:extLst>
+          </p:cNvPr>
+          <p:cNvSpPr txBox="1"/>
+          <p:nvPr/>
+        </p:nvSpPr>
+        <p:spPr>
+          <a:xfrm>
+            <a:off x="2840225" y="4290083"/>
+            <a:ext cx="1062151" cy="461665"/>
+          </a:xfrm>
+          <a:prstGeom prst="rect">
+            <a:avLst/>
+          </a:prstGeom>
+          <a:noFill/>
+        </p:spPr>
+        <p:txBody>
+          <a:bodyPr wrap="square" rtlCol="0">
+            <a:spAutoFit/>
+          </a:bodyPr>
+          <a:lstStyle/>
+          <a:p>
+            <a:pPr algn="ctr"/>
+            <a:r>
+              <a:rPr lang="en-US" sz="1200" dirty="0">
+                <a:solidFill>
+                  <a:srgbClr val="000000"/>
+                </a:solidFill>
+                <a:latin typeface="Arial" panose="020B0604020202020204" pitchFamily="34" charset="0"/>
+                <a:ea typeface="Amazon Ember" panose="020B0603020204020204" pitchFamily="34" charset="0"/>
+                <a:cs typeface="Arial" panose="020B0604020202020204" pitchFamily="34" charset="0"/>
+              </a:rPr>
+              <a:t>Crawlers, jobs, triggers</a:t>
+            </a:r>
+            <a:endParaRPr lang="en-US" sz="1200" dirty="0">
+              <a:latin typeface="Arial" panose="020B0604020202020204" pitchFamily="34" charset="0"/>
+              <a:ea typeface="Amazon Ember" panose="020B0603020204020204" pitchFamily="34" charset="0"/>
+              <a:cs typeface="Arial" panose="020B0604020202020204" pitchFamily="34" charset="0"/>
+            </a:endParaRPr>
+          </a:p>
+        </p:txBody>
+      </p:sp>
+      <p:sp>
+        <p:nvSpPr>
+          <p:cNvPr id="16" name="TextBox 15">
+            <a:extLst>
+              <a:ext uri="{FF2B5EF4-FFF2-40B4-BE49-F238E27FC236}">
+                <a16:creationId xmlns:a16="http://schemas.microsoft.com/office/drawing/2014/main" id="{694BEDE1-14B6-4542-8079-A7B6F18CA029}"/>
+              </a:ext>
+            </a:extLst>
+          </p:cNvPr>
+          <p:cNvSpPr txBox="1"/>
+          <p:nvPr/>
+        </p:nvSpPr>
+        <p:spPr>
+          <a:xfrm>
+            <a:off x="3847290" y="4290083"/>
+            <a:ext cx="1113702" cy="461665"/>
+          </a:xfrm>
+          <a:prstGeom prst="rect">
+            <a:avLst/>
+          </a:prstGeom>
+          <a:noFill/>
+        </p:spPr>
+        <p:txBody>
+          <a:bodyPr wrap="square" rtlCol="0">
+            <a:spAutoFit/>
+          </a:bodyPr>
+          <a:lstStyle/>
+          <a:p>
+            <a:pPr algn="ctr"/>
+            <a:r>
+              <a:rPr lang="en-US" sz="1200" dirty="0">
+                <a:latin typeface="Arial" panose="020B0604020202020204" pitchFamily="34" charset="0"/>
+                <a:cs typeface="Arial" panose="020B0604020202020204" pitchFamily="34" charset="0"/>
+              </a:rPr>
+              <a:t>AWS Glue Data Catalog</a:t>
+            </a:r>
+          </a:p>
+        </p:txBody>
+      </p:sp>
+      <p:pic>
+        <p:nvPicPr>
+          <p:cNvPr id="17" name="Graphic 16">
+            <a:extLst>
+              <a:ext uri="{FF2B5EF4-FFF2-40B4-BE49-F238E27FC236}">
+                <a16:creationId xmlns:a16="http://schemas.microsoft.com/office/drawing/2014/main" id="{A5E46D87-6A6E-4FC5-992E-A93EF8F4C555}"/>
+              </a:ext>
+            </a:extLst>
+          </p:cNvPr>
+          <p:cNvPicPr>
+            <a:picLocks noChangeAspect="1"/>
+          </p:cNvPicPr>
+          <p:nvPr/>
+        </p:nvPicPr>
+        <p:blipFill>
+          <a:blip r:embed="rId6">
+            <a:extLst>
+              <a:ext uri="{96DAC541-7B7A-43D3-8B79-37D633B846F1}">
+                <asvg:svgBlip xmlns:asvg="http://schemas.microsoft.com/office/drawing/2016/SVG/main" r:embed="rId7"/>
+              </a:ext>
+            </a:extLst>
+          </a:blip>
+          <a:stretch>
+            <a:fillRect/>
+          </a:stretch>
+        </p:blipFill>
+        <p:spPr>
+          <a:xfrm>
+            <a:off x="3155954" y="3925898"/>
+            <a:ext cx="390266" cy="390266"/>
+          </a:xfrm>
+          <a:prstGeom prst="rect">
+            <a:avLst/>
+          </a:prstGeom>
+        </p:spPr>
+      </p:pic>
+      <p:pic>
+        <p:nvPicPr>
+          <p:cNvPr id="18" name="Graphic 9">
+            <a:extLst>
+              <a:ext uri="{FF2B5EF4-FFF2-40B4-BE49-F238E27FC236}">
+                <a16:creationId xmlns:a16="http://schemas.microsoft.com/office/drawing/2014/main" id="{433BF5B5-99E3-4D1D-B7BD-1E60A3FFFF4D}"/>
+              </a:ext>
+            </a:extLst>
+          </p:cNvPr>
+          <p:cNvPicPr>
+            <a:picLocks noChangeAspect="1" noChangeArrowheads="1"/>
+          </p:cNvPicPr>
+          <p:nvPr/>
+        </p:nvPicPr>
+        <p:blipFill>
+          <a:blip r:embed="rId8">
+            <a:extLst>
+              <a:ext uri="{28A0092B-C50C-407E-A947-70E740481C1C}">
+                <a14:useLocalDpi xmlns:a14="http://schemas.microsoft.com/office/drawing/2010/main" val="0"/>
+              </a:ext>
+            </a:extLst>
+          </a:blip>
+          <a:srcRect/>
+          <a:stretch>
+            <a:fillRect/>
+          </a:stretch>
+        </p:blipFill>
+        <p:spPr bwMode="auto">
+          <a:xfrm>
+            <a:off x="4207545" y="3924435"/>
+            <a:ext cx="393192" cy="393192"/>
+          </a:xfrm>
+          <a:prstGeom prst="rect">
+            <a:avLst/>
+          </a:prstGeom>
+          <a:noFill/>
+          <a:ln>
+            <a:noFill/>
+          </a:ln>
+          <a:extLst>
+            <a:ext uri="{909E8E84-426E-40DD-AFC4-6F175D3DCCD1}">
+              <a14:hiddenFill xmlns:a14="http://schemas.microsoft.com/office/drawing/2010/main">
+                <a:solidFill>
+                  <a:srgbClr val="FFFFFF"/>
+                </a:solidFill>
+              </a14:hiddenFill>
+            </a:ext>
+            <a:ext uri="{91240B29-F687-4F45-9708-019B960494DF}">
+              <a14:hiddenLine xmlns:a14="http://schemas.microsoft.com/office/drawing/2010/main" w="9525">
+                <a:solidFill>
+                  <a:srgbClr val="000000"/>
+                </a:solidFill>
+                <a:miter lim="800000"/>
+                <a:headEnd/>
+                <a:tailEnd/>
+              </a14:hiddenLine>
+            </a:ext>
+          </a:extLst>
+        </p:spPr>
+      </p:pic>
+      <p:pic>
+        <p:nvPicPr>
+          <p:cNvPr id="19" name="Graphic 18">
+            <a:extLst>
+              <a:ext uri="{FF2B5EF4-FFF2-40B4-BE49-F238E27FC236}">
+                <a16:creationId xmlns:a16="http://schemas.microsoft.com/office/drawing/2014/main" id="{D87C9DC9-A8D9-4FA9-A2FB-B6B17D1A55F6}"/>
+              </a:ext>
+            </a:extLst>
+          </p:cNvPr>
+          <p:cNvPicPr>
+            <a:picLocks noChangeAspect="1"/>
+          </p:cNvPicPr>
+          <p:nvPr/>
+        </p:nvPicPr>
+        <p:blipFill>
+          <a:blip r:embed="rId9">
+            <a:extLst>
+              <a:ext uri="{96DAC541-7B7A-43D3-8B79-37D633B846F1}">
+                <asvg:svgBlip xmlns:asvg="http://schemas.microsoft.com/office/drawing/2016/SVG/main" r:embed="rId10"/>
+              </a:ext>
+            </a:extLst>
+          </a:blip>
+          <a:stretch>
+            <a:fillRect/>
+          </a:stretch>
+        </p:blipFill>
+        <p:spPr>
+          <a:xfrm>
+            <a:off x="3671368" y="5765582"/>
+            <a:ext cx="393192" cy="393192"/>
+          </a:xfrm>
+          <a:prstGeom prst="rect">
+            <a:avLst/>
+          </a:prstGeom>
+        </p:spPr>
+      </p:pic>
+      <p:sp>
+        <p:nvSpPr>
+          <p:cNvPr id="20" name="TextBox 19">
+            <a:extLst>
+              <a:ext uri="{FF2B5EF4-FFF2-40B4-BE49-F238E27FC236}">
+                <a16:creationId xmlns:a16="http://schemas.microsoft.com/office/drawing/2014/main" id="{4B1153ED-5C5D-44D0-87A2-F7C86BBD1692}"/>
+              </a:ext>
+            </a:extLst>
+          </p:cNvPr>
+          <p:cNvSpPr txBox="1"/>
+          <p:nvPr/>
+        </p:nvSpPr>
+        <p:spPr>
+          <a:xfrm>
+            <a:off x="3572706" y="6161484"/>
+            <a:ext cx="590517" cy="461665"/>
+          </a:xfrm>
+          <a:prstGeom prst="rect">
+            <a:avLst/>
+          </a:prstGeom>
+          <a:noFill/>
+        </p:spPr>
+        <p:txBody>
+          <a:bodyPr wrap="square" rtlCol="0">
+            <a:spAutoFit/>
+          </a:bodyPr>
+          <a:lstStyle/>
+          <a:p>
+            <a:pPr algn="ctr"/>
+            <a:r>
+              <a:rPr lang="en-US" sz="1200" dirty="0">
+                <a:latin typeface="Arial" panose="020B0604020202020204" pitchFamily="34" charset="0"/>
+                <a:cs typeface="Arial" panose="020B0604020202020204" pitchFamily="34" charset="0"/>
+              </a:rPr>
+              <a:t>Clean</a:t>
+            </a:r>
+          </a:p>
+          <a:p>
+            <a:pPr algn="ctr"/>
+            <a:r>
+              <a:rPr lang="en-US" sz="1200" dirty="0">
+                <a:latin typeface="Arial" panose="020B0604020202020204" pitchFamily="34" charset="0"/>
+                <a:cs typeface="Arial" panose="020B0604020202020204" pitchFamily="34" charset="0"/>
+              </a:rPr>
+              <a:t>data</a:t>
+            </a:r>
+          </a:p>
+        </p:txBody>
+      </p:sp>
+      <p:pic>
+        <p:nvPicPr>
+          <p:cNvPr id="21" name="Graphic 20">
+            <a:extLst>
+              <a:ext uri="{FF2B5EF4-FFF2-40B4-BE49-F238E27FC236}">
+                <a16:creationId xmlns:a16="http://schemas.microsoft.com/office/drawing/2014/main" id="{0D3C5D4F-D282-4443-8CAA-2327023FF607}"/>
+              </a:ext>
+            </a:extLst>
+          </p:cNvPr>
+          <p:cNvPicPr>
+            <a:picLocks noChangeAspect="1"/>
+          </p:cNvPicPr>
+          <p:nvPr/>
+        </p:nvPicPr>
+        <p:blipFill>
+          <a:blip r:embed="rId9">
+            <a:extLst>
+              <a:ext uri="{96DAC541-7B7A-43D3-8B79-37D633B846F1}">
+                <asvg:svgBlip xmlns:asvg="http://schemas.microsoft.com/office/drawing/2016/SVG/main" r:embed="rId10"/>
+              </a:ext>
+            </a:extLst>
+          </a:blip>
+          <a:stretch>
+            <a:fillRect/>
+          </a:stretch>
+        </p:blipFill>
+        <p:spPr>
+          <a:xfrm>
+            <a:off x="4493057" y="5765582"/>
+            <a:ext cx="393192" cy="393192"/>
+          </a:xfrm>
+          <a:prstGeom prst="rect">
+            <a:avLst/>
+          </a:prstGeom>
+        </p:spPr>
+      </p:pic>
+      <p:sp>
+        <p:nvSpPr>
+          <p:cNvPr id="22" name="TextBox 21">
+            <a:extLst>
+              <a:ext uri="{FF2B5EF4-FFF2-40B4-BE49-F238E27FC236}">
+                <a16:creationId xmlns:a16="http://schemas.microsoft.com/office/drawing/2014/main" id="{A06CCBBA-8FDC-4BD7-A363-5B90AA2BC90C}"/>
+              </a:ext>
+            </a:extLst>
+          </p:cNvPr>
+          <p:cNvSpPr txBox="1"/>
+          <p:nvPr/>
+        </p:nvSpPr>
+        <p:spPr>
+          <a:xfrm>
+            <a:off x="4064440" y="6161484"/>
+            <a:ext cx="1227517" cy="461665"/>
+          </a:xfrm>
+          <a:prstGeom prst="rect">
+            <a:avLst/>
+          </a:prstGeom>
+          <a:noFill/>
+        </p:spPr>
+        <p:txBody>
+          <a:bodyPr wrap="square" rtlCol="0">
+            <a:spAutoFit/>
+          </a:bodyPr>
+          <a:lstStyle/>
+          <a:p>
+            <a:pPr algn="ctr"/>
+            <a:r>
+              <a:rPr lang="en-US" sz="1200" dirty="0">
+                <a:latin typeface="Arial" panose="020B0604020202020204" pitchFamily="34" charset="0"/>
+                <a:cs typeface="Arial" panose="020B0604020202020204" pitchFamily="34" charset="0"/>
+              </a:rPr>
+              <a:t>Partitioned business data</a:t>
+            </a:r>
+          </a:p>
+        </p:txBody>
+      </p:sp>
+      <p:sp>
+        <p:nvSpPr>
+          <p:cNvPr id="23" name="TextBox 22">
+            <a:extLst>
+              <a:ext uri="{FF2B5EF4-FFF2-40B4-BE49-F238E27FC236}">
+                <a16:creationId xmlns:a16="http://schemas.microsoft.com/office/drawing/2014/main" id="{F4203B81-11CC-49CF-9846-618913B791DD}"/>
+              </a:ext>
+            </a:extLst>
+          </p:cNvPr>
+          <p:cNvSpPr txBox="1"/>
+          <p:nvPr/>
+        </p:nvSpPr>
+        <p:spPr>
+          <a:xfrm>
+            <a:off x="9180847" y="7966708"/>
+            <a:ext cx="1037066" cy="461665"/>
+          </a:xfrm>
+          <a:prstGeom prst="rect">
+            <a:avLst/>
+          </a:prstGeom>
+          <a:noFill/>
+        </p:spPr>
+        <p:txBody>
+          <a:bodyPr wrap="square" rtlCol="0">
+            <a:spAutoFit/>
+          </a:bodyPr>
+          <a:lstStyle/>
+          <a:p>
+            <a:pPr algn="ctr"/>
+            <a:r>
+              <a:rPr lang="en-US" sz="1200" dirty="0">
+                <a:latin typeface="Arial" panose="020B0604020202020204" pitchFamily="34" charset="0"/>
+                <a:cs typeface="Arial" panose="020B0604020202020204" pitchFamily="34" charset="0"/>
+              </a:rPr>
+              <a:t>Amazon API Gateway</a:t>
+            </a:r>
+          </a:p>
+        </p:txBody>
+      </p:sp>
+      <p:pic>
+        <p:nvPicPr>
+          <p:cNvPr id="24" name="Graphic 23">
+            <a:extLst>
+              <a:ext uri="{FF2B5EF4-FFF2-40B4-BE49-F238E27FC236}">
+                <a16:creationId xmlns:a16="http://schemas.microsoft.com/office/drawing/2014/main" id="{EDC41A35-4DA4-453D-B4C3-9A25E70052C2}"/>
+              </a:ext>
+            </a:extLst>
+          </p:cNvPr>
+          <p:cNvPicPr>
+            <a:picLocks noChangeAspect="1"/>
+          </p:cNvPicPr>
+          <p:nvPr/>
+        </p:nvPicPr>
+        <p:blipFill>
+          <a:blip r:embed="rId11">
+            <a:extLst>
+              <a:ext uri="{96DAC541-7B7A-43D3-8B79-37D633B846F1}">
+                <asvg:svgBlip xmlns:asvg="http://schemas.microsoft.com/office/drawing/2016/SVG/main" r:embed="rId12"/>
+              </a:ext>
+            </a:extLst>
+          </a:blip>
+          <a:stretch>
+            <a:fillRect/>
+          </a:stretch>
+        </p:blipFill>
+        <p:spPr>
+          <a:xfrm>
+            <a:off x="9479924" y="7552124"/>
+            <a:ext cx="438912" cy="438912"/>
+          </a:xfrm>
+          <a:prstGeom prst="rect">
+            <a:avLst/>
+          </a:prstGeom>
+        </p:spPr>
+      </p:pic>
+      <p:cxnSp>
+        <p:nvCxnSpPr>
+          <p:cNvPr id="25" name="Straight Arrow Connector 24">
+            <a:extLst>
+              <a:ext uri="{FF2B5EF4-FFF2-40B4-BE49-F238E27FC236}">
+                <a16:creationId xmlns:a16="http://schemas.microsoft.com/office/drawing/2014/main" id="{3A7E8EA5-FDF9-413C-AF0C-E865940C88B1}"/>
+              </a:ext>
+            </a:extLst>
+          </p:cNvPr>
+          <p:cNvCxnSpPr>
+            <a:cxnSpLocks/>
+            <a:stCxn id="24" idx="3"/>
+            <a:endCxn id="26" idx="1"/>
+          </p:cNvCxnSpPr>
+          <p:nvPr/>
+        </p:nvCxnSpPr>
+        <p:spPr>
+          <a:xfrm>
+            <a:off x="9918836" y="7771580"/>
+            <a:ext cx="886226" cy="1"/>
+          </a:xfrm>
+          <a:prstGeom prst="straightConnector1">
+            <a:avLst/>
+          </a:prstGeom>
+          <a:ln w="12700">
+            <a:solidFill>
+              <a:srgbClr val="545B64"/>
+            </a:solidFill>
+            <a:headEnd type="none" w="med" len="sm"/>
+            <a:tailEnd type="arrow"/>
+          </a:ln>
+        </p:spPr>
+        <p:style>
+          <a:lnRef idx="1">
+            <a:schemeClr val="accent1"/>
+          </a:lnRef>
+          <a:fillRef idx="0">
+            <a:schemeClr val="accent1"/>
+          </a:fillRef>
+          <a:effectRef idx="0">
+            <a:schemeClr val="accent1"/>
+          </a:effectRef>
+          <a:fontRef idx="minor">
+            <a:schemeClr val="tx1"/>
+          </a:fontRef>
+        </p:style>
+      </p:cxnSp>
+      <p:sp>
+        <p:nvSpPr>
+          <p:cNvPr id="26" name="TextBox 25">
+            <a:extLst>
+              <a:ext uri="{FF2B5EF4-FFF2-40B4-BE49-F238E27FC236}">
+                <a16:creationId xmlns:a16="http://schemas.microsoft.com/office/drawing/2014/main" id="{68D2AAF0-8CAE-48F0-8467-06BC1911F11D}"/>
+              </a:ext>
+            </a:extLst>
+          </p:cNvPr>
+          <p:cNvSpPr txBox="1"/>
+          <p:nvPr/>
+        </p:nvSpPr>
+        <p:spPr>
+          <a:xfrm>
+            <a:off x="10805062" y="7540748"/>
+            <a:ext cx="886815" cy="461665"/>
+          </a:xfrm>
+          <a:prstGeom prst="rect">
+            <a:avLst/>
+          </a:prstGeom>
+          <a:noFill/>
+        </p:spPr>
+        <p:txBody>
+          <a:bodyPr wrap="square" rtlCol="0">
+            <a:spAutoFit/>
+          </a:bodyPr>
+          <a:lstStyle/>
+          <a:p>
+            <a:pPr algn="ctr"/>
+            <a:r>
+              <a:rPr lang="en-US" sz="1200" dirty="0">
+                <a:latin typeface="Arial" panose="020B0604020202020204" pitchFamily="34" charset="0"/>
+                <a:cs typeface="Arial" panose="020B0604020202020204" pitchFamily="34" charset="0"/>
+              </a:rPr>
+              <a:t>API query results</a:t>
+            </a:r>
+          </a:p>
+        </p:txBody>
+      </p:sp>
+      <p:pic>
+        <p:nvPicPr>
+          <p:cNvPr id="27" name="Graphic 26">
+            <a:extLst>
+              <a:ext uri="{FF2B5EF4-FFF2-40B4-BE49-F238E27FC236}">
+                <a16:creationId xmlns:a16="http://schemas.microsoft.com/office/drawing/2014/main" id="{AC223FD4-42C1-42AD-8B97-73603D79B26A}"/>
+              </a:ext>
+            </a:extLst>
+          </p:cNvPr>
+          <p:cNvPicPr>
+            <a:picLocks noChangeAspect="1"/>
+          </p:cNvPicPr>
+          <p:nvPr/>
+        </p:nvPicPr>
+        <p:blipFill>
+          <a:blip r:embed="rId13">
+            <a:extLst>
+              <a:ext uri="{96DAC541-7B7A-43D3-8B79-37D633B846F1}">
+                <asvg:svgBlip xmlns:asvg="http://schemas.microsoft.com/office/drawing/2016/SVG/main" r:embed="rId14"/>
+              </a:ext>
+            </a:extLst>
+          </a:blip>
+          <a:stretch>
+            <a:fillRect/>
+          </a:stretch>
+        </p:blipFill>
+        <p:spPr>
+          <a:xfrm>
+            <a:off x="8329130" y="7552124"/>
+            <a:ext cx="438912" cy="438912"/>
+          </a:xfrm>
+          <a:prstGeom prst="rect">
+            <a:avLst/>
+          </a:prstGeom>
+        </p:spPr>
+      </p:pic>
+      <p:sp>
+        <p:nvSpPr>
+          <p:cNvPr id="28" name="TextBox 27">
+            <a:extLst>
+              <a:ext uri="{FF2B5EF4-FFF2-40B4-BE49-F238E27FC236}">
+                <a16:creationId xmlns:a16="http://schemas.microsoft.com/office/drawing/2014/main" id="{ADA91A1D-B054-4CA7-B626-00F13AB13D2F}"/>
+              </a:ext>
+            </a:extLst>
+          </p:cNvPr>
+          <p:cNvSpPr txBox="1"/>
+          <p:nvPr/>
+        </p:nvSpPr>
+        <p:spPr>
+          <a:xfrm>
+            <a:off x="7947505" y="7966708"/>
+            <a:ext cx="1202162" cy="276999"/>
+          </a:xfrm>
+          <a:prstGeom prst="rect">
+            <a:avLst/>
+          </a:prstGeom>
+          <a:noFill/>
+        </p:spPr>
+        <p:txBody>
+          <a:bodyPr wrap="square" rtlCol="0">
+            <a:spAutoFit/>
+          </a:bodyPr>
+          <a:lstStyle/>
+          <a:p>
+            <a:pPr algn="ctr"/>
+            <a:r>
+              <a:rPr lang="en-US" sz="1200" dirty="0">
+                <a:latin typeface="Arial" panose="020B0604020202020204" pitchFamily="34" charset="0"/>
+                <a:cs typeface="Arial" panose="020B0604020202020204" pitchFamily="34" charset="0"/>
+              </a:rPr>
+              <a:t>AWS Lambda</a:t>
+            </a:r>
+          </a:p>
+        </p:txBody>
+      </p:sp>
+      <p:cxnSp>
+        <p:nvCxnSpPr>
+          <p:cNvPr id="29" name="Straight Arrow Connector 28">
+            <a:extLst>
+              <a:ext uri="{FF2B5EF4-FFF2-40B4-BE49-F238E27FC236}">
+                <a16:creationId xmlns:a16="http://schemas.microsoft.com/office/drawing/2014/main" id="{72C6390F-DFC0-4B59-99D7-15879A9A402D}"/>
+              </a:ext>
+            </a:extLst>
+          </p:cNvPr>
+          <p:cNvCxnSpPr>
+            <a:cxnSpLocks/>
+            <a:stCxn id="27" idx="3"/>
+            <a:endCxn id="24" idx="1"/>
+          </p:cNvCxnSpPr>
+          <p:nvPr/>
+        </p:nvCxnSpPr>
+        <p:spPr>
+          <a:xfrm>
+            <a:off x="8768042" y="7771580"/>
+            <a:ext cx="711882" cy="0"/>
+          </a:xfrm>
+          <a:prstGeom prst="straightConnector1">
+            <a:avLst/>
+          </a:prstGeom>
+          <a:ln w="12700">
+            <a:solidFill>
+              <a:srgbClr val="545B64"/>
+            </a:solidFill>
+            <a:headEnd type="none" w="med" len="sm"/>
+            <a:tailEnd type="arrow"/>
+          </a:ln>
+        </p:spPr>
+        <p:style>
+          <a:lnRef idx="1">
+            <a:schemeClr val="accent1"/>
+          </a:lnRef>
+          <a:fillRef idx="0">
+            <a:schemeClr val="accent1"/>
+          </a:fillRef>
+          <a:effectRef idx="0">
+            <a:schemeClr val="accent1"/>
+          </a:effectRef>
+          <a:fontRef idx="minor">
+            <a:schemeClr val="tx1"/>
+          </a:fontRef>
+        </p:style>
+      </p:cxnSp>
+      <p:sp>
+        <p:nvSpPr>
+          <p:cNvPr id="30" name="TextBox 29">
+            <a:extLst>
+              <a:ext uri="{FF2B5EF4-FFF2-40B4-BE49-F238E27FC236}">
+                <a16:creationId xmlns:a16="http://schemas.microsoft.com/office/drawing/2014/main" id="{35A2E4A0-866E-4EA5-8B84-EC6121308A85}"/>
+              </a:ext>
+            </a:extLst>
+          </p:cNvPr>
+          <p:cNvSpPr txBox="1"/>
+          <p:nvPr/>
+        </p:nvSpPr>
+        <p:spPr>
+          <a:xfrm>
+            <a:off x="4032788" y="7966708"/>
+            <a:ext cx="1313729" cy="276999"/>
+          </a:xfrm>
+          <a:prstGeom prst="rect">
+            <a:avLst/>
+          </a:prstGeom>
+          <a:noFill/>
+        </p:spPr>
+        <p:txBody>
+          <a:bodyPr wrap="square" rtlCol="0">
+            <a:spAutoFit/>
+          </a:bodyPr>
+          <a:lstStyle/>
+          <a:p>
+            <a:pPr algn="ctr"/>
+            <a:r>
+              <a:rPr lang="en-US" sz="1200" dirty="0">
+                <a:latin typeface="Arial" panose="020B0604020202020204" pitchFamily="34" charset="0"/>
+                <a:ea typeface="Amazon Ember" panose="020B0603020204020204" pitchFamily="34" charset="0"/>
+                <a:cs typeface="Arial" panose="020B0604020202020204" pitchFamily="34" charset="0"/>
+              </a:rPr>
+              <a:t>Amazon Athena</a:t>
+            </a:r>
+          </a:p>
+        </p:txBody>
+      </p:sp>
+      <p:pic>
+        <p:nvPicPr>
+          <p:cNvPr id="31" name="Graphic 30">
+            <a:extLst>
+              <a:ext uri="{FF2B5EF4-FFF2-40B4-BE49-F238E27FC236}">
+                <a16:creationId xmlns:a16="http://schemas.microsoft.com/office/drawing/2014/main" id="{26B4BD28-01D3-4B0B-B83E-89820BE52A6A}"/>
+              </a:ext>
+            </a:extLst>
+          </p:cNvPr>
+          <p:cNvPicPr>
+            <a:picLocks noChangeAspect="1"/>
+          </p:cNvPicPr>
+          <p:nvPr/>
+        </p:nvPicPr>
+        <p:blipFill>
+          <a:blip r:embed="rId15">
+            <a:extLst>
+              <a:ext uri="{96DAC541-7B7A-43D3-8B79-37D633B846F1}">
+                <asvg:svgBlip xmlns:asvg="http://schemas.microsoft.com/office/drawing/2016/SVG/main" r:embed="rId16"/>
+              </a:ext>
+            </a:extLst>
+          </a:blip>
+          <a:stretch>
+            <a:fillRect/>
+          </a:stretch>
+        </p:blipFill>
+        <p:spPr>
+          <a:xfrm>
+            <a:off x="4470197" y="7552124"/>
+            <a:ext cx="438912" cy="438912"/>
+          </a:xfrm>
+          <a:prstGeom prst="rect">
+            <a:avLst/>
+          </a:prstGeom>
+        </p:spPr>
+      </p:pic>
+      <p:cxnSp>
+        <p:nvCxnSpPr>
+          <p:cNvPr id="32" name="Straight Arrow Connector 31">
+            <a:extLst>
+              <a:ext uri="{FF2B5EF4-FFF2-40B4-BE49-F238E27FC236}">
+                <a16:creationId xmlns:a16="http://schemas.microsoft.com/office/drawing/2014/main" id="{FE6F2F41-C4C0-4236-9288-62D43CC1921A}"/>
+              </a:ext>
+            </a:extLst>
+          </p:cNvPr>
+          <p:cNvCxnSpPr>
+            <a:cxnSpLocks/>
+            <a:stCxn id="27" idx="1"/>
+            <a:endCxn id="31" idx="3"/>
+          </p:cNvCxnSpPr>
+          <p:nvPr/>
+        </p:nvCxnSpPr>
+        <p:spPr>
+          <a:xfrm flipH="1">
+            <a:off x="4909109" y="7771580"/>
+            <a:ext cx="3420021" cy="0"/>
+          </a:xfrm>
+          <a:prstGeom prst="straightConnector1">
+            <a:avLst/>
+          </a:prstGeom>
+          <a:ln w="12700">
+            <a:solidFill>
+              <a:srgbClr val="545B64"/>
+            </a:solidFill>
+            <a:headEnd type="none" w="med" len="sm"/>
+            <a:tailEnd type="arrow"/>
+          </a:ln>
+        </p:spPr>
+        <p:style>
+          <a:lnRef idx="1">
+            <a:schemeClr val="accent1"/>
+          </a:lnRef>
+          <a:fillRef idx="0">
+            <a:schemeClr val="accent1"/>
+          </a:fillRef>
+          <a:effectRef idx="0">
+            <a:schemeClr val="accent1"/>
+          </a:effectRef>
+          <a:fontRef idx="minor">
+            <a:schemeClr val="tx1"/>
+          </a:fontRef>
+        </p:style>
+      </p:cxnSp>
+      <p:pic>
+        <p:nvPicPr>
+          <p:cNvPr id="33" name="Graphic 32">
+            <a:extLst>
+              <a:ext uri="{FF2B5EF4-FFF2-40B4-BE49-F238E27FC236}">
+                <a16:creationId xmlns:a16="http://schemas.microsoft.com/office/drawing/2014/main" id="{3935F308-4736-4D1B-A343-95CFC05FA910}"/>
+              </a:ext>
+            </a:extLst>
+          </p:cNvPr>
+          <p:cNvPicPr>
+            <a:picLocks noChangeAspect="1"/>
+          </p:cNvPicPr>
+          <p:nvPr/>
+        </p:nvPicPr>
+        <p:blipFill>
+          <a:blip r:embed="rId9">
+            <a:extLst>
+              <a:ext uri="{96DAC541-7B7A-43D3-8B79-37D633B846F1}">
+                <asvg:svgBlip xmlns:asvg="http://schemas.microsoft.com/office/drawing/2016/SVG/main" r:embed="rId10"/>
+              </a:ext>
+            </a:extLst>
+          </a:blip>
+          <a:stretch>
+            <a:fillRect/>
+          </a:stretch>
+        </p:blipFill>
+        <p:spPr>
+          <a:xfrm>
+            <a:off x="1934980" y="3935891"/>
+            <a:ext cx="370281" cy="370281"/>
+          </a:xfrm>
+          <a:prstGeom prst="rect">
+            <a:avLst/>
+          </a:prstGeom>
+        </p:spPr>
+      </p:pic>
+      <p:sp>
+        <p:nvSpPr>
+          <p:cNvPr id="34" name="TextBox 33">
+            <a:extLst>
+              <a:ext uri="{FF2B5EF4-FFF2-40B4-BE49-F238E27FC236}">
+                <a16:creationId xmlns:a16="http://schemas.microsoft.com/office/drawing/2014/main" id="{A6109FE6-1279-4FC4-898F-27D8F2F1FDD7}"/>
+              </a:ext>
+            </a:extLst>
+          </p:cNvPr>
+          <p:cNvSpPr txBox="1"/>
+          <p:nvPr/>
+        </p:nvSpPr>
+        <p:spPr>
+          <a:xfrm>
+            <a:off x="1549900" y="4290083"/>
+            <a:ext cx="1123121" cy="461665"/>
+          </a:xfrm>
+          <a:prstGeom prst="rect">
+            <a:avLst/>
+          </a:prstGeom>
+          <a:noFill/>
+        </p:spPr>
+        <p:txBody>
+          <a:bodyPr wrap="square" rtlCol="0">
+            <a:spAutoFit/>
+          </a:bodyPr>
+          <a:lstStyle/>
+          <a:p>
+            <a:pPr algn="ctr"/>
+            <a:r>
+              <a:rPr lang="en-US" sz="1200" dirty="0">
+                <a:latin typeface="Arial" panose="020B0604020202020204" pitchFamily="34" charset="0"/>
+                <a:cs typeface="Arial" panose="020B0604020202020204" pitchFamily="34" charset="0"/>
+              </a:rPr>
+              <a:t>Raw </a:t>
+            </a:r>
+            <a:br>
+              <a:rPr lang="en-US" sz="1200" dirty="0">
+                <a:latin typeface="Arial" panose="020B0604020202020204" pitchFamily="34" charset="0"/>
+                <a:cs typeface="Arial" panose="020B0604020202020204" pitchFamily="34" charset="0"/>
+              </a:rPr>
+            </a:br>
+            <a:r>
+              <a:rPr lang="en-US" sz="1200" dirty="0">
+                <a:latin typeface="Arial" panose="020B0604020202020204" pitchFamily="34" charset="0"/>
+                <a:cs typeface="Arial" panose="020B0604020202020204" pitchFamily="34" charset="0"/>
+              </a:rPr>
+              <a:t>meter data</a:t>
+            </a:r>
+          </a:p>
+        </p:txBody>
+      </p:sp>
+      <p:sp>
+        <p:nvSpPr>
+          <p:cNvPr id="36" name="TextBox 35">
+            <a:extLst>
+              <a:ext uri="{FF2B5EF4-FFF2-40B4-BE49-F238E27FC236}">
+                <a16:creationId xmlns:a16="http://schemas.microsoft.com/office/drawing/2014/main" id="{C37DAB46-679A-48FC-B044-D957ADB6F56A}"/>
+              </a:ext>
+            </a:extLst>
+          </p:cNvPr>
+          <p:cNvSpPr txBox="1"/>
+          <p:nvPr/>
+        </p:nvSpPr>
+        <p:spPr>
+          <a:xfrm>
+            <a:off x="428058" y="3890199"/>
+            <a:ext cx="683245" cy="461665"/>
+          </a:xfrm>
+          <a:prstGeom prst="rect">
+            <a:avLst/>
+          </a:prstGeom>
+          <a:noFill/>
+        </p:spPr>
+        <p:txBody>
+          <a:bodyPr wrap="square" rtlCol="0">
+            <a:spAutoFit/>
+          </a:bodyPr>
+          <a:lstStyle/>
+          <a:p>
+            <a:pPr algn="ctr"/>
+            <a:r>
+              <a:rPr lang="en-US" sz="1200" dirty="0">
+                <a:latin typeface="Arial" panose="020B0604020202020204" pitchFamily="34" charset="0"/>
+                <a:cs typeface="Arial" panose="020B0604020202020204" pitchFamily="34" charset="0"/>
+              </a:rPr>
+              <a:t>MDM system</a:t>
+            </a:r>
+          </a:p>
+        </p:txBody>
+      </p:sp>
+      <p:cxnSp>
+        <p:nvCxnSpPr>
+          <p:cNvPr id="37" name="Straight Arrow Connector 36">
+            <a:extLst>
+              <a:ext uri="{FF2B5EF4-FFF2-40B4-BE49-F238E27FC236}">
+                <a16:creationId xmlns:a16="http://schemas.microsoft.com/office/drawing/2014/main" id="{D5511AD7-65BE-4918-B009-4B8C444D3E39}"/>
+              </a:ext>
+            </a:extLst>
+          </p:cNvPr>
+          <p:cNvCxnSpPr>
+            <a:cxnSpLocks/>
+          </p:cNvCxnSpPr>
+          <p:nvPr/>
+        </p:nvCxnSpPr>
+        <p:spPr>
+          <a:xfrm flipV="1">
+            <a:off x="3070372" y="4801662"/>
+            <a:ext cx="0" cy="2037631"/>
+          </a:xfrm>
+          <a:prstGeom prst="straightConnector1">
+            <a:avLst/>
+          </a:prstGeom>
+          <a:ln w="12700">
+            <a:solidFill>
+              <a:srgbClr val="545B64"/>
+            </a:solidFill>
+            <a:headEnd type="arrow" w="med" len="sm"/>
+            <a:tailEnd type="none"/>
+          </a:ln>
+        </p:spPr>
+        <p:style>
+          <a:lnRef idx="1">
+            <a:schemeClr val="accent1"/>
+          </a:lnRef>
+          <a:fillRef idx="0">
+            <a:schemeClr val="accent1"/>
+          </a:fillRef>
+          <a:effectRef idx="0">
+            <a:schemeClr val="accent1"/>
+          </a:effectRef>
+          <a:fontRef idx="minor">
+            <a:schemeClr val="tx1"/>
+          </a:fontRef>
+        </p:style>
+      </p:cxnSp>
+      <p:cxnSp>
+        <p:nvCxnSpPr>
+          <p:cNvPr id="39" name="Straight Arrow Connector 38">
+            <a:extLst>
+              <a:ext uri="{FF2B5EF4-FFF2-40B4-BE49-F238E27FC236}">
+                <a16:creationId xmlns:a16="http://schemas.microsoft.com/office/drawing/2014/main" id="{247F61BE-CEAF-474A-A792-78E94253C199}"/>
+              </a:ext>
+            </a:extLst>
+          </p:cNvPr>
+          <p:cNvCxnSpPr>
+            <a:cxnSpLocks/>
+          </p:cNvCxnSpPr>
+          <p:nvPr/>
+        </p:nvCxnSpPr>
+        <p:spPr>
+          <a:xfrm flipV="1">
+            <a:off x="3867964" y="4801662"/>
+            <a:ext cx="0" cy="963920"/>
+          </a:xfrm>
+          <a:prstGeom prst="straightConnector1">
+            <a:avLst/>
+          </a:prstGeom>
+          <a:ln w="12700">
+            <a:solidFill>
+              <a:srgbClr val="545B64"/>
+            </a:solidFill>
+            <a:headEnd type="arrow" w="med" len="sm"/>
+            <a:tailEnd type="none"/>
+          </a:ln>
+        </p:spPr>
+        <p:style>
+          <a:lnRef idx="1">
+            <a:schemeClr val="accent1"/>
+          </a:lnRef>
+          <a:fillRef idx="0">
+            <a:schemeClr val="accent1"/>
+          </a:fillRef>
+          <a:effectRef idx="0">
+            <a:schemeClr val="accent1"/>
+          </a:effectRef>
+          <a:fontRef idx="minor">
+            <a:schemeClr val="tx1"/>
+          </a:fontRef>
+        </p:style>
+      </p:cxnSp>
+      <p:cxnSp>
+        <p:nvCxnSpPr>
+          <p:cNvPr id="45" name="Straight Arrow Connector 44">
+            <a:extLst>
+              <a:ext uri="{FF2B5EF4-FFF2-40B4-BE49-F238E27FC236}">
+                <a16:creationId xmlns:a16="http://schemas.microsoft.com/office/drawing/2014/main" id="{5AD289F6-DB17-4C10-9E9D-BD2168796D76}"/>
+              </a:ext>
+            </a:extLst>
+          </p:cNvPr>
+          <p:cNvCxnSpPr>
+            <a:cxnSpLocks/>
+          </p:cNvCxnSpPr>
+          <p:nvPr/>
+        </p:nvCxnSpPr>
+        <p:spPr>
+          <a:xfrm flipH="1" flipV="1">
+            <a:off x="4678199" y="4801662"/>
+            <a:ext cx="11454" cy="960120"/>
+          </a:xfrm>
+          <a:prstGeom prst="straightConnector1">
+            <a:avLst/>
+          </a:prstGeom>
+          <a:ln w="12700">
+            <a:solidFill>
+              <a:srgbClr val="545B64"/>
+            </a:solidFill>
+            <a:headEnd type="arrow" w="med" len="sm"/>
+            <a:tailEnd type="none"/>
+          </a:ln>
+        </p:spPr>
+        <p:style>
+          <a:lnRef idx="1">
+            <a:schemeClr val="accent1"/>
+          </a:lnRef>
+          <a:fillRef idx="0">
+            <a:schemeClr val="accent1"/>
+          </a:fillRef>
+          <a:effectRef idx="0">
+            <a:schemeClr val="accent1"/>
+          </a:effectRef>
+          <a:fontRef idx="minor">
+            <a:schemeClr val="tx1"/>
+          </a:fontRef>
+        </p:style>
+      </p:cxnSp>
+      <p:cxnSp>
+        <p:nvCxnSpPr>
+          <p:cNvPr id="46" name="Straight Arrow Connector 45">
+            <a:extLst>
+              <a:ext uri="{FF2B5EF4-FFF2-40B4-BE49-F238E27FC236}">
+                <a16:creationId xmlns:a16="http://schemas.microsoft.com/office/drawing/2014/main" id="{5F9CC3F7-D16D-4788-BC7A-A62AD31E8D6F}"/>
+              </a:ext>
+            </a:extLst>
+          </p:cNvPr>
+          <p:cNvCxnSpPr>
+            <a:cxnSpLocks/>
+            <a:stCxn id="36" idx="3"/>
+            <a:endCxn id="33" idx="1"/>
+          </p:cNvCxnSpPr>
+          <p:nvPr/>
+        </p:nvCxnSpPr>
+        <p:spPr>
+          <a:xfrm>
+            <a:off x="1111303" y="4121032"/>
+            <a:ext cx="823677" cy="0"/>
+          </a:xfrm>
+          <a:prstGeom prst="straightConnector1">
+            <a:avLst/>
+          </a:prstGeom>
+          <a:ln w="12700">
+            <a:solidFill>
+              <a:srgbClr val="545B64"/>
+            </a:solidFill>
+            <a:headEnd type="none" w="med" len="sm"/>
+            <a:tailEnd type="arrow"/>
+          </a:ln>
+        </p:spPr>
+        <p:style>
+          <a:lnRef idx="1">
+            <a:schemeClr val="accent1"/>
+          </a:lnRef>
+          <a:fillRef idx="0">
+            <a:schemeClr val="accent1"/>
+          </a:fillRef>
+          <a:effectRef idx="0">
+            <a:schemeClr val="accent1"/>
+          </a:effectRef>
+          <a:fontRef idx="minor">
+            <a:schemeClr val="tx1"/>
+          </a:fontRef>
+        </p:style>
+      </p:cxnSp>
+      <p:cxnSp>
+        <p:nvCxnSpPr>
+          <p:cNvPr id="49" name="Straight Arrow Connector 48">
+            <a:extLst>
+              <a:ext uri="{FF2B5EF4-FFF2-40B4-BE49-F238E27FC236}">
+                <a16:creationId xmlns:a16="http://schemas.microsoft.com/office/drawing/2014/main" id="{4F5CCB18-9288-4B39-A25F-D3F56226ED27}"/>
+              </a:ext>
+            </a:extLst>
+          </p:cNvPr>
+          <p:cNvCxnSpPr>
+            <a:cxnSpLocks/>
+            <a:stCxn id="33" idx="3"/>
+          </p:cNvCxnSpPr>
+          <p:nvPr/>
+        </p:nvCxnSpPr>
+        <p:spPr>
+          <a:xfrm flipV="1">
+            <a:off x="2305261" y="4121031"/>
+            <a:ext cx="292459" cy="1"/>
+          </a:xfrm>
+          <a:prstGeom prst="straightConnector1">
+            <a:avLst/>
+          </a:prstGeom>
+          <a:ln w="12700">
+            <a:solidFill>
+              <a:srgbClr val="545B64"/>
+            </a:solidFill>
+            <a:headEnd type="none" w="med" len="sm"/>
+            <a:tailEnd type="arrow"/>
+          </a:ln>
+        </p:spPr>
+        <p:style>
+          <a:lnRef idx="1">
+            <a:schemeClr val="accent1"/>
+          </a:lnRef>
+          <a:fillRef idx="0">
+            <a:schemeClr val="accent1"/>
+          </a:fillRef>
+          <a:effectRef idx="0">
+            <a:schemeClr val="accent1"/>
+          </a:effectRef>
+          <a:fontRef idx="minor">
+            <a:schemeClr val="tx1"/>
+          </a:fontRef>
+        </p:style>
+      </p:cxnSp>
+      <p:cxnSp>
+        <p:nvCxnSpPr>
+          <p:cNvPr id="62" name="Straight Arrow Connector 61">
+            <a:extLst>
+              <a:ext uri="{FF2B5EF4-FFF2-40B4-BE49-F238E27FC236}">
+                <a16:creationId xmlns:a16="http://schemas.microsoft.com/office/drawing/2014/main" id="{222361C9-C230-4F87-8CCD-E06F4A780C62}"/>
+              </a:ext>
+            </a:extLst>
+          </p:cNvPr>
+          <p:cNvCxnSpPr>
+            <a:cxnSpLocks/>
+            <a:stCxn id="31" idx="0"/>
+            <a:endCxn id="22" idx="2"/>
+          </p:cNvCxnSpPr>
+          <p:nvPr/>
+        </p:nvCxnSpPr>
+        <p:spPr>
+          <a:xfrm flipH="1" flipV="1">
+            <a:off x="4678199" y="6623149"/>
+            <a:ext cx="11454" cy="928975"/>
+          </a:xfrm>
+          <a:prstGeom prst="straightConnector1">
+            <a:avLst/>
+          </a:prstGeom>
+          <a:ln w="12700">
+            <a:solidFill>
+              <a:srgbClr val="545B64"/>
+            </a:solidFill>
+            <a:headEnd type="arrow" w="med" len="sm"/>
+            <a:tailEnd type="arrow"/>
+          </a:ln>
+        </p:spPr>
+        <p:style>
+          <a:lnRef idx="1">
+            <a:schemeClr val="accent1"/>
+          </a:lnRef>
+          <a:fillRef idx="0">
+            <a:schemeClr val="accent1"/>
+          </a:fillRef>
+          <a:effectRef idx="0">
+            <a:schemeClr val="accent1"/>
+          </a:effectRef>
+          <a:fontRef idx="minor">
+            <a:schemeClr val="tx1"/>
+          </a:fontRef>
+        </p:style>
+      </p:cxnSp>
+      <p:sp>
+        <p:nvSpPr>
+          <p:cNvPr id="65" name="TextBox 64">
+            <a:extLst>
+              <a:ext uri="{FF2B5EF4-FFF2-40B4-BE49-F238E27FC236}">
+                <a16:creationId xmlns:a16="http://schemas.microsoft.com/office/drawing/2014/main" id="{321CF71A-4388-4B21-9334-F71544962731}"/>
+              </a:ext>
+            </a:extLst>
+          </p:cNvPr>
+          <p:cNvSpPr txBox="1"/>
+          <p:nvPr/>
+        </p:nvSpPr>
+        <p:spPr>
+          <a:xfrm>
+            <a:off x="7733278" y="6161484"/>
+            <a:ext cx="1630617" cy="276999"/>
+          </a:xfrm>
+          <a:prstGeom prst="rect">
+            <a:avLst/>
+          </a:prstGeom>
+          <a:noFill/>
+        </p:spPr>
+        <p:txBody>
+          <a:bodyPr wrap="square" rtlCol="0">
+            <a:spAutoFit/>
+          </a:bodyPr>
+          <a:lstStyle/>
+          <a:p>
+            <a:pPr algn="ctr"/>
+            <a:r>
+              <a:rPr lang="en-US" sz="1200" dirty="0">
+                <a:latin typeface="Arial" panose="020B0604020202020204" pitchFamily="34" charset="0"/>
+                <a:cs typeface="Arial" panose="020B0604020202020204" pitchFamily="34" charset="0"/>
+              </a:rPr>
+              <a:t>Amazon SageMaker</a:t>
+            </a:r>
+          </a:p>
+        </p:txBody>
+      </p:sp>
+      <p:pic>
+        <p:nvPicPr>
+          <p:cNvPr id="66" name="Graphic 65">
+            <a:extLst>
+              <a:ext uri="{FF2B5EF4-FFF2-40B4-BE49-F238E27FC236}">
+                <a16:creationId xmlns:a16="http://schemas.microsoft.com/office/drawing/2014/main" id="{D60A8BA5-946B-4D46-8A9A-8B13F34FC1D4}"/>
+              </a:ext>
+            </a:extLst>
+          </p:cNvPr>
+          <p:cNvPicPr>
+            <a:picLocks noChangeAspect="1"/>
+          </p:cNvPicPr>
+          <p:nvPr/>
+        </p:nvPicPr>
+        <p:blipFill>
+          <a:blip r:embed="rId17">
+            <a:extLst>
+              <a:ext uri="{96DAC541-7B7A-43D3-8B79-37D633B846F1}">
+                <asvg:svgBlip xmlns:asvg="http://schemas.microsoft.com/office/drawing/2016/SVG/main" r:embed="rId18"/>
+              </a:ext>
+            </a:extLst>
+          </a:blip>
+          <a:stretch>
+            <a:fillRect/>
+          </a:stretch>
+        </p:blipFill>
+        <p:spPr>
+          <a:xfrm>
+            <a:off x="8329130" y="5742722"/>
+            <a:ext cx="438912" cy="438912"/>
+          </a:xfrm>
+          <a:prstGeom prst="rect">
+            <a:avLst/>
+          </a:prstGeom>
+        </p:spPr>
+      </p:pic>
+      <p:pic>
+        <p:nvPicPr>
+          <p:cNvPr id="67" name="Graphic 66">
+            <a:extLst>
+              <a:ext uri="{FF2B5EF4-FFF2-40B4-BE49-F238E27FC236}">
+                <a16:creationId xmlns:a16="http://schemas.microsoft.com/office/drawing/2014/main" id="{E62CF7A8-2063-4D8E-8BBD-971972B152D8}"/>
+              </a:ext>
+            </a:extLst>
+          </p:cNvPr>
+          <p:cNvPicPr>
+            <a:picLocks noChangeAspect="1"/>
+          </p:cNvPicPr>
+          <p:nvPr/>
+        </p:nvPicPr>
+        <p:blipFill>
+          <a:blip r:embed="rId19">
+            <a:extLst>
+              <a:ext uri="{96DAC541-7B7A-43D3-8B79-37D633B846F1}">
+                <asvg:svgBlip xmlns:asvg="http://schemas.microsoft.com/office/drawing/2016/SVG/main" r:embed="rId20"/>
+              </a:ext>
+            </a:extLst>
+          </a:blip>
+          <a:stretch>
+            <a:fillRect/>
+          </a:stretch>
+        </p:blipFill>
+        <p:spPr>
+          <a:xfrm>
+            <a:off x="8329130" y="3735869"/>
+            <a:ext cx="438912" cy="438912"/>
+          </a:xfrm>
+          <a:prstGeom prst="rect">
+            <a:avLst/>
+          </a:prstGeom>
+        </p:spPr>
+      </p:pic>
+      <p:sp>
+        <p:nvSpPr>
+          <p:cNvPr id="68" name="TextBox 67">
+            <a:extLst>
+              <a:ext uri="{FF2B5EF4-FFF2-40B4-BE49-F238E27FC236}">
+                <a16:creationId xmlns:a16="http://schemas.microsoft.com/office/drawing/2014/main" id="{D07362A8-7281-4A1E-A244-119E76088A9B}"/>
+              </a:ext>
+            </a:extLst>
+          </p:cNvPr>
+          <p:cNvSpPr txBox="1"/>
+          <p:nvPr/>
+        </p:nvSpPr>
+        <p:spPr>
+          <a:xfrm>
+            <a:off x="8046895" y="4184288"/>
+            <a:ext cx="1003383" cy="276999"/>
+          </a:xfrm>
+          <a:prstGeom prst="rect">
+            <a:avLst/>
+          </a:prstGeom>
+          <a:noFill/>
+        </p:spPr>
+        <p:txBody>
+          <a:bodyPr wrap="square" rtlCol="0">
+            <a:spAutoFit/>
+          </a:bodyPr>
+          <a:lstStyle/>
+          <a:p>
+            <a:pPr algn="ctr"/>
+            <a:r>
+              <a:rPr lang="en-US" sz="1200" dirty="0">
+                <a:latin typeface="Arial" panose="020B0604020202020204" pitchFamily="34" charset="0"/>
+                <a:cs typeface="Arial" panose="020B0604020202020204" pitchFamily="34" charset="0"/>
+              </a:rPr>
+              <a:t>Amazon S3</a:t>
+            </a:r>
+          </a:p>
+        </p:txBody>
+      </p:sp>
+      <p:sp>
+        <p:nvSpPr>
+          <p:cNvPr id="69" name="TextBox 68">
+            <a:extLst>
+              <a:ext uri="{FF2B5EF4-FFF2-40B4-BE49-F238E27FC236}">
+                <a16:creationId xmlns:a16="http://schemas.microsoft.com/office/drawing/2014/main" id="{E909EED4-20AF-4BA8-8F0B-F94F22FDD648}"/>
+              </a:ext>
+            </a:extLst>
+          </p:cNvPr>
+          <p:cNvSpPr txBox="1"/>
+          <p:nvPr/>
+        </p:nvSpPr>
+        <p:spPr>
+          <a:xfrm>
+            <a:off x="9044349" y="6161484"/>
+            <a:ext cx="1386263" cy="461665"/>
+          </a:xfrm>
+          <a:prstGeom prst="rect">
+            <a:avLst/>
+          </a:prstGeom>
+          <a:noFill/>
+        </p:spPr>
+        <p:txBody>
+          <a:bodyPr wrap="square" rtlCol="0">
+            <a:spAutoFit/>
+          </a:bodyPr>
+          <a:lstStyle/>
+          <a:p>
+            <a:pPr algn="ctr"/>
+            <a:r>
+              <a:rPr lang="en-US" sz="1200" dirty="0">
+                <a:latin typeface="Arial" panose="020B0604020202020204" pitchFamily="34" charset="0"/>
+                <a:cs typeface="Arial" panose="020B0604020202020204" pitchFamily="34" charset="0"/>
+              </a:rPr>
+              <a:t>Jupyter</a:t>
+            </a:r>
+          </a:p>
+          <a:p>
+            <a:pPr algn="ctr"/>
+            <a:r>
+              <a:rPr lang="en-US" sz="1200" dirty="0">
+                <a:latin typeface="Arial" panose="020B0604020202020204" pitchFamily="34" charset="0"/>
+                <a:cs typeface="Arial" panose="020B0604020202020204" pitchFamily="34" charset="0"/>
+              </a:rPr>
+              <a:t>notebook</a:t>
+            </a:r>
+          </a:p>
+        </p:txBody>
+      </p:sp>
+      <p:pic>
+        <p:nvPicPr>
+          <p:cNvPr id="70" name="Graphic 69">
+            <a:extLst>
+              <a:ext uri="{FF2B5EF4-FFF2-40B4-BE49-F238E27FC236}">
+                <a16:creationId xmlns:a16="http://schemas.microsoft.com/office/drawing/2014/main" id="{5DAD8522-4C5E-4530-8697-5ABE71BA8BD1}"/>
+              </a:ext>
+            </a:extLst>
+          </p:cNvPr>
+          <p:cNvPicPr>
+            <a:picLocks noChangeAspect="1"/>
+          </p:cNvPicPr>
+          <p:nvPr/>
+        </p:nvPicPr>
+        <p:blipFill>
+          <a:blip r:embed="rId21">
+            <a:extLst>
+              <a:ext uri="{96DAC541-7B7A-43D3-8B79-37D633B846F1}">
+                <asvg:svgBlip xmlns:asvg="http://schemas.microsoft.com/office/drawing/2016/SVG/main" r:embed="rId22"/>
+              </a:ext>
+            </a:extLst>
+          </a:blip>
+          <a:stretch>
+            <a:fillRect/>
+          </a:stretch>
+        </p:blipFill>
+        <p:spPr>
+          <a:xfrm>
+            <a:off x="9502784" y="5765582"/>
+            <a:ext cx="393192" cy="393192"/>
+          </a:xfrm>
+          <a:prstGeom prst="rect">
+            <a:avLst/>
+          </a:prstGeom>
+        </p:spPr>
+      </p:pic>
+      <p:sp>
+        <p:nvSpPr>
+          <p:cNvPr id="74" name="TextBox 73">
+            <a:extLst>
+              <a:ext uri="{FF2B5EF4-FFF2-40B4-BE49-F238E27FC236}">
+                <a16:creationId xmlns:a16="http://schemas.microsoft.com/office/drawing/2014/main" id="{9C6BF149-E6E1-444A-B6BC-12CB8944F1A0}"/>
+              </a:ext>
+            </a:extLst>
+          </p:cNvPr>
+          <p:cNvSpPr txBox="1"/>
+          <p:nvPr/>
+        </p:nvSpPr>
+        <p:spPr>
+          <a:xfrm>
+            <a:off x="6351673" y="5015828"/>
+            <a:ext cx="865579" cy="276999"/>
+          </a:xfrm>
+          <a:prstGeom prst="rect">
+            <a:avLst/>
+          </a:prstGeom>
+          <a:noFill/>
+        </p:spPr>
+        <p:txBody>
+          <a:bodyPr wrap="square" rtlCol="0">
+            <a:spAutoFit/>
+          </a:bodyPr>
+          <a:lstStyle/>
+          <a:p>
+            <a:pPr algn="ctr"/>
+            <a:r>
+              <a:rPr lang="en-US" sz="1200" dirty="0">
+                <a:latin typeface="Arial" panose="020B0604020202020204" pitchFamily="34" charset="0"/>
+                <a:cs typeface="Arial" panose="020B0604020202020204" pitchFamily="34" charset="0"/>
+              </a:rPr>
+              <a:t>Model</a:t>
+            </a:r>
+          </a:p>
+        </p:txBody>
+      </p:sp>
+      <p:pic>
+        <p:nvPicPr>
+          <p:cNvPr id="75" name="Graphic 74">
+            <a:extLst>
+              <a:ext uri="{FF2B5EF4-FFF2-40B4-BE49-F238E27FC236}">
+                <a16:creationId xmlns:a16="http://schemas.microsoft.com/office/drawing/2014/main" id="{A7B9F1AA-736C-4D31-842B-07024D553917}"/>
+              </a:ext>
+            </a:extLst>
+          </p:cNvPr>
+          <p:cNvPicPr>
+            <a:picLocks noChangeAspect="1"/>
+          </p:cNvPicPr>
+          <p:nvPr/>
+        </p:nvPicPr>
+        <p:blipFill>
+          <a:blip r:embed="rId23">
+            <a:extLst>
+              <a:ext uri="{96DAC541-7B7A-43D3-8B79-37D633B846F1}">
+                <asvg:svgBlip xmlns:asvg="http://schemas.microsoft.com/office/drawing/2016/SVG/main" r:embed="rId24"/>
+              </a:ext>
+            </a:extLst>
+          </a:blip>
+          <a:stretch>
+            <a:fillRect/>
+          </a:stretch>
+        </p:blipFill>
+        <p:spPr>
+          <a:xfrm>
+            <a:off x="6587867" y="4657087"/>
+            <a:ext cx="393192" cy="393192"/>
+          </a:xfrm>
+          <a:prstGeom prst="rect">
+            <a:avLst/>
+          </a:prstGeom>
+        </p:spPr>
+      </p:pic>
+      <p:cxnSp>
+        <p:nvCxnSpPr>
+          <p:cNvPr id="76" name="Straight Arrow Connector 75">
+            <a:extLst>
+              <a:ext uri="{FF2B5EF4-FFF2-40B4-BE49-F238E27FC236}">
+                <a16:creationId xmlns:a16="http://schemas.microsoft.com/office/drawing/2014/main" id="{62B73D82-9898-40E1-AFF4-B00522250471}"/>
+              </a:ext>
+            </a:extLst>
+          </p:cNvPr>
+          <p:cNvCxnSpPr>
+            <a:cxnSpLocks/>
+            <a:stCxn id="79" idx="2"/>
+            <a:endCxn id="75" idx="0"/>
+          </p:cNvCxnSpPr>
+          <p:nvPr/>
+        </p:nvCxnSpPr>
+        <p:spPr>
+          <a:xfrm>
+            <a:off x="6776310" y="4412501"/>
+            <a:ext cx="8153" cy="244586"/>
+          </a:xfrm>
+          <a:prstGeom prst="straightConnector1">
+            <a:avLst/>
+          </a:prstGeom>
+          <a:ln w="12700">
+            <a:solidFill>
+              <a:srgbClr val="545B64"/>
+            </a:solidFill>
+            <a:headEnd type="arrow" w="med" len="sm"/>
+            <a:tailEnd type="none"/>
+          </a:ln>
+        </p:spPr>
+        <p:style>
+          <a:lnRef idx="1">
+            <a:schemeClr val="accent1"/>
+          </a:lnRef>
+          <a:fillRef idx="0">
+            <a:schemeClr val="accent1"/>
+          </a:fillRef>
+          <a:effectRef idx="0">
+            <a:schemeClr val="accent1"/>
+          </a:effectRef>
+          <a:fontRef idx="minor">
+            <a:schemeClr val="tx1"/>
+          </a:fontRef>
+        </p:style>
+      </p:cxnSp>
+      <p:sp>
+        <p:nvSpPr>
+          <p:cNvPr id="77" name="Rectangle 76">
+            <a:extLst>
+              <a:ext uri="{FF2B5EF4-FFF2-40B4-BE49-F238E27FC236}">
+                <a16:creationId xmlns:a16="http://schemas.microsoft.com/office/drawing/2014/main" id="{80E82A6A-41A4-4C62-8A61-C6D204CEE4D3}"/>
+              </a:ext>
+            </a:extLst>
+          </p:cNvPr>
+          <p:cNvSpPr/>
+          <p:nvPr/>
+        </p:nvSpPr>
+        <p:spPr>
+          <a:xfrm>
+            <a:off x="5828426" y="5497286"/>
+            <a:ext cx="1912074" cy="929785"/>
+          </a:xfrm>
+          <a:prstGeom prst="rect">
+            <a:avLst/>
+          </a:prstGeom>
+          <a:noFill/>
+          <a:ln w="12700">
+            <a:solidFill>
+              <a:srgbClr val="CD2264"/>
+            </a:solidFill>
+          </a:ln>
+        </p:spPr>
+        <p:style>
+          <a:lnRef idx="2">
+            <a:schemeClr val="accent1">
+              <a:shade val="50000"/>
+            </a:schemeClr>
+          </a:lnRef>
+          <a:fillRef idx="1">
+            <a:schemeClr val="accent1"/>
+          </a:fillRef>
+          <a:effectRef idx="0">
+            <a:schemeClr val="accent1"/>
+          </a:effectRef>
+          <a:fontRef idx="minor">
+            <a:schemeClr val="lt1"/>
+          </a:fontRef>
+        </p:style>
+        <p:txBody>
+          <a:bodyPr rot="0" spcFirstLastPara="0" vertOverflow="overflow" horzOverflow="overflow" vert="horz" wrap="square" lIns="457200" tIns="91440" rIns="91440" bIns="45720" numCol="1" spcCol="0" rtlCol="0" fromWordArt="0" anchor="t" anchorCtr="0" forceAA="0" compatLnSpc="1">
+            <a:prstTxWarp prst="textNoShape">
+              <a:avLst/>
+            </a:prstTxWarp>
+            <a:noAutofit/>
+          </a:bodyPr>
+          <a:lstStyle/>
+          <a:p>
+            <a:pPr algn="l"/>
+            <a:r>
+              <a:rPr lang="en-US" sz="1200" dirty="0">
+                <a:solidFill>
+                  <a:srgbClr val="CD2264"/>
+                </a:solidFill>
+                <a:latin typeface="Arial" panose="020B0604020202020204" pitchFamily="34" charset="0"/>
+                <a:cs typeface="Arial" panose="020B0604020202020204" pitchFamily="34" charset="0"/>
+              </a:rPr>
+              <a:t>AWS Step Functions workflow</a:t>
+            </a:r>
+          </a:p>
+        </p:txBody>
+      </p:sp>
+      <p:pic>
+        <p:nvPicPr>
+          <p:cNvPr id="78" name="Graphic 77">
+            <a:extLst>
+              <a:ext uri="{FF2B5EF4-FFF2-40B4-BE49-F238E27FC236}">
+                <a16:creationId xmlns:a16="http://schemas.microsoft.com/office/drawing/2014/main" id="{3B969559-446C-4AEA-895B-741991C2A617}"/>
+              </a:ext>
+            </a:extLst>
+          </p:cNvPr>
+          <p:cNvPicPr>
+            <a:picLocks noChangeAspect="1"/>
+          </p:cNvPicPr>
+          <p:nvPr/>
+        </p:nvPicPr>
+        <p:blipFill>
+          <a:blip r:embed="rId25">
+            <a:extLst>
+              <a:ext uri="{96DAC541-7B7A-43D3-8B79-37D633B846F1}">
+                <asvg:svgBlip xmlns:asvg="http://schemas.microsoft.com/office/drawing/2016/SVG/main" r:embed="rId26"/>
+              </a:ext>
+            </a:extLst>
+          </a:blip>
+          <a:stretch>
+            <a:fillRect/>
+          </a:stretch>
+        </p:blipFill>
+        <p:spPr>
+          <a:xfrm>
+            <a:off x="5824728" y="5495544"/>
+            <a:ext cx="330200" cy="330200"/>
+          </a:xfrm>
+          <a:prstGeom prst="rect">
+            <a:avLst/>
+          </a:prstGeom>
+        </p:spPr>
+      </p:pic>
+      <p:sp>
+        <p:nvSpPr>
+          <p:cNvPr id="79" name="Rectangle 78">
+            <a:extLst>
+              <a:ext uri="{FF2B5EF4-FFF2-40B4-BE49-F238E27FC236}">
+                <a16:creationId xmlns:a16="http://schemas.microsoft.com/office/drawing/2014/main" id="{FFD925A2-4A43-4815-9A4C-659E1D2D2859}"/>
+              </a:ext>
+            </a:extLst>
+          </p:cNvPr>
+          <p:cNvSpPr/>
+          <p:nvPr/>
+        </p:nvSpPr>
+        <p:spPr>
+          <a:xfrm>
+            <a:off x="5828426" y="3498150"/>
+            <a:ext cx="1895767" cy="914351"/>
+          </a:xfrm>
+          <a:prstGeom prst="rect">
+            <a:avLst/>
+          </a:prstGeom>
+          <a:noFill/>
+          <a:ln w="12700">
+            <a:solidFill>
+              <a:srgbClr val="CD2264"/>
+            </a:solidFill>
+          </a:ln>
+        </p:spPr>
+        <p:style>
+          <a:lnRef idx="2">
+            <a:schemeClr val="accent1">
+              <a:shade val="50000"/>
+            </a:schemeClr>
+          </a:lnRef>
+          <a:fillRef idx="1">
+            <a:schemeClr val="accent1"/>
+          </a:fillRef>
+          <a:effectRef idx="0">
+            <a:schemeClr val="accent1"/>
+          </a:effectRef>
+          <a:fontRef idx="minor">
+            <a:schemeClr val="lt1"/>
+          </a:fontRef>
+        </p:style>
+        <p:txBody>
+          <a:bodyPr rot="0" spcFirstLastPara="0" vertOverflow="overflow" horzOverflow="overflow" vert="horz" wrap="square" lIns="457200" tIns="91440" rIns="91440" bIns="45720" numCol="1" spcCol="0" rtlCol="0" fromWordArt="0" anchor="t" anchorCtr="0" forceAA="0" compatLnSpc="1">
+            <a:prstTxWarp prst="textNoShape">
+              <a:avLst/>
+            </a:prstTxWarp>
+            <a:noAutofit/>
+          </a:bodyPr>
+          <a:lstStyle/>
+          <a:p>
+            <a:pPr algn="l"/>
+            <a:r>
+              <a:rPr lang="en-US" sz="1200" dirty="0">
+                <a:solidFill>
+                  <a:srgbClr val="CD2264"/>
+                </a:solidFill>
+                <a:latin typeface="Arial" panose="020B0604020202020204" pitchFamily="34" charset="0"/>
+                <a:cs typeface="Arial" panose="020B0604020202020204" pitchFamily="34" charset="0"/>
+              </a:rPr>
+              <a:t>AWS Step Functions workflow</a:t>
+            </a:r>
+          </a:p>
+        </p:txBody>
+      </p:sp>
+      <p:pic>
+        <p:nvPicPr>
+          <p:cNvPr id="80" name="Graphic 79">
+            <a:extLst>
+              <a:ext uri="{FF2B5EF4-FFF2-40B4-BE49-F238E27FC236}">
+                <a16:creationId xmlns:a16="http://schemas.microsoft.com/office/drawing/2014/main" id="{7BF94515-6A8E-44A1-9842-85A184F35525}"/>
+              </a:ext>
+            </a:extLst>
+          </p:cNvPr>
+          <p:cNvPicPr>
+            <a:picLocks noChangeAspect="1"/>
+          </p:cNvPicPr>
+          <p:nvPr/>
+        </p:nvPicPr>
+        <p:blipFill>
+          <a:blip r:embed="rId25">
+            <a:extLst>
+              <a:ext uri="{96DAC541-7B7A-43D3-8B79-37D633B846F1}">
+                <asvg:svgBlip xmlns:asvg="http://schemas.microsoft.com/office/drawing/2016/SVG/main" r:embed="rId26"/>
+              </a:ext>
+            </a:extLst>
+          </a:blip>
+          <a:stretch>
+            <a:fillRect/>
+          </a:stretch>
+        </p:blipFill>
+        <p:spPr>
+          <a:xfrm>
+            <a:off x="5824728" y="3499141"/>
+            <a:ext cx="330200" cy="330200"/>
+          </a:xfrm>
+          <a:prstGeom prst="rect">
+            <a:avLst/>
+          </a:prstGeom>
+        </p:spPr>
+      </p:pic>
+      <p:sp>
+        <p:nvSpPr>
+          <p:cNvPr id="82" name="Freeform 26">
+            <a:extLst>
+              <a:ext uri="{FF2B5EF4-FFF2-40B4-BE49-F238E27FC236}">
+                <a16:creationId xmlns:a16="http://schemas.microsoft.com/office/drawing/2014/main" id="{B7F57F32-E4EF-45E7-BC65-8B3E4695B08E}"/>
+              </a:ext>
+            </a:extLst>
+          </p:cNvPr>
+          <p:cNvSpPr/>
+          <p:nvPr/>
+        </p:nvSpPr>
+        <p:spPr bwMode="auto">
+          <a:xfrm rot="10800000">
+            <a:off x="5346517" y="3964765"/>
+            <a:ext cx="467790" cy="1997411"/>
+          </a:xfrm>
+          <a:custGeom>
+            <a:avLst/>
+            <a:gdLst>
+              <a:gd name="connsiteX0" fmla="*/ 0 w 622300"/>
+              <a:gd name="connsiteY0" fmla="*/ 0 h 1574800"/>
+              <a:gd name="connsiteX1" fmla="*/ 622300 w 622300"/>
+              <a:gd name="connsiteY1" fmla="*/ 0 h 1574800"/>
+              <a:gd name="connsiteX2" fmla="*/ 622300 w 622300"/>
+              <a:gd name="connsiteY2" fmla="*/ 1574800 h 1574800"/>
+              <a:gd name="connsiteX3" fmla="*/ 482600 w 622300"/>
+              <a:gd name="connsiteY3" fmla="*/ 1574800 h 1574800"/>
+              <a:gd name="connsiteX4" fmla="*/ 0 w 622300"/>
+              <a:gd name="connsiteY4" fmla="*/ 1574800 h 1574800"/>
+            </a:gdLst>
+            <a:ahLst/>
+            <a:cxnLst>
+              <a:cxn ang="0">
+                <a:pos x="connsiteX0" y="connsiteY0"/>
+              </a:cxn>
+              <a:cxn ang="0">
+                <a:pos x="connsiteX1" y="connsiteY1"/>
+              </a:cxn>
+              <a:cxn ang="0">
+                <a:pos x="connsiteX2" y="connsiteY2"/>
+              </a:cxn>
+              <a:cxn ang="0">
+                <a:pos x="connsiteX3" y="connsiteY3"/>
+              </a:cxn>
+              <a:cxn ang="0">
+                <a:pos x="connsiteX4" y="connsiteY4"/>
+              </a:cxn>
+            </a:cxnLst>
+            <a:rect l="l" t="t" r="r" b="b"/>
+            <a:pathLst>
+              <a:path w="622300" h="1574800">
+                <a:moveTo>
+                  <a:pt x="0" y="0"/>
+                </a:moveTo>
+                <a:lnTo>
+                  <a:pt x="622300" y="0"/>
+                </a:lnTo>
+                <a:lnTo>
+                  <a:pt x="622300" y="1574800"/>
+                </a:lnTo>
+                <a:lnTo>
+                  <a:pt x="482600" y="1574800"/>
+                </a:lnTo>
+                <a:lnTo>
+                  <a:pt x="0" y="1574800"/>
+                </a:lnTo>
+              </a:path>
+            </a:pathLst>
+          </a:custGeom>
+          <a:noFill/>
+          <a:ln w="12700">
+            <a:solidFill>
+              <a:schemeClr val="tx2"/>
+            </a:solidFill>
+            <a:headEnd type="arrow" w="med" len="sm"/>
+            <a:tailEnd type="arrow" w="med" len="sm"/>
+          </a:ln>
+        </p:spPr>
+        <p:style>
+          <a:lnRef idx="2">
+            <a:schemeClr val="accent1">
+              <a:shade val="50000"/>
+            </a:schemeClr>
+          </a:lnRef>
+          <a:fillRef idx="1">
+            <a:schemeClr val="accent1"/>
+          </a:fillRef>
+          <a:effectRef idx="0">
+            <a:schemeClr val="accent1"/>
+          </a:effectRef>
+          <a:fontRef idx="minor">
+            <a:schemeClr val="lt1"/>
+          </a:fontRef>
+        </p:style>
+        <p:txBody>
+          <a:bodyPr anchor="ctr"/>
+          <a:lstStyle/>
+          <a:p>
+            <a:pPr algn="ctr" eaLnBrk="1" fontAlgn="auto" hangingPunct="1">
+              <a:spcBef>
+                <a:spcPts val="0"/>
+              </a:spcBef>
+              <a:spcAft>
+                <a:spcPts val="0"/>
+              </a:spcAft>
+              <a:defRPr/>
+            </a:pPr>
+            <a:endParaRPr lang="en-US" dirty="0"/>
+          </a:p>
+        </p:txBody>
+      </p:sp>
+      <p:cxnSp>
+        <p:nvCxnSpPr>
+          <p:cNvPr id="83" name="Straight Arrow Connector 82">
+            <a:extLst>
+              <a:ext uri="{FF2B5EF4-FFF2-40B4-BE49-F238E27FC236}">
+                <a16:creationId xmlns:a16="http://schemas.microsoft.com/office/drawing/2014/main" id="{7F0CD6DD-8422-4AC7-9C38-4DDC05AFD390}"/>
+              </a:ext>
+            </a:extLst>
+          </p:cNvPr>
+          <p:cNvCxnSpPr>
+            <a:cxnSpLocks/>
+            <a:stCxn id="82" idx="1"/>
+            <a:endCxn id="21" idx="3"/>
+          </p:cNvCxnSpPr>
+          <p:nvPr/>
+        </p:nvCxnSpPr>
+        <p:spPr bwMode="auto">
+          <a:xfrm flipH="1">
+            <a:off x="4886249" y="5962176"/>
+            <a:ext cx="460268" cy="2"/>
+          </a:xfrm>
+          <a:prstGeom prst="straightConnector1">
+            <a:avLst/>
+          </a:prstGeom>
+          <a:ln w="12700">
+            <a:solidFill>
+              <a:srgbClr val="545B64"/>
+            </a:solidFill>
+            <a:headEnd type="none" w="med" len="sm"/>
+            <a:tailEnd type="none" w="med" len="sm"/>
+          </a:ln>
+        </p:spPr>
+        <p:style>
+          <a:lnRef idx="1">
+            <a:schemeClr val="accent1"/>
+          </a:lnRef>
+          <a:fillRef idx="0">
+            <a:schemeClr val="accent1"/>
+          </a:fillRef>
+          <a:effectRef idx="0">
+            <a:schemeClr val="accent1"/>
+          </a:effectRef>
+          <a:fontRef idx="minor">
+            <a:schemeClr val="tx1"/>
+          </a:fontRef>
+        </p:style>
+      </p:cxnSp>
+      <p:cxnSp>
+        <p:nvCxnSpPr>
+          <p:cNvPr id="89" name="Straight Arrow Connector 88">
+            <a:extLst>
+              <a:ext uri="{FF2B5EF4-FFF2-40B4-BE49-F238E27FC236}">
+                <a16:creationId xmlns:a16="http://schemas.microsoft.com/office/drawing/2014/main" id="{70700834-D145-489A-8F5D-8EADFC02F638}"/>
+              </a:ext>
+            </a:extLst>
+          </p:cNvPr>
+          <p:cNvCxnSpPr>
+            <a:cxnSpLocks/>
+            <a:stCxn id="74" idx="2"/>
+            <a:endCxn id="77" idx="0"/>
+          </p:cNvCxnSpPr>
+          <p:nvPr/>
+        </p:nvCxnSpPr>
+        <p:spPr>
+          <a:xfrm>
+            <a:off x="6784463" y="5292827"/>
+            <a:ext cx="0" cy="204459"/>
+          </a:xfrm>
+          <a:prstGeom prst="straightConnector1">
+            <a:avLst/>
+          </a:prstGeom>
+          <a:ln w="12700">
+            <a:solidFill>
+              <a:srgbClr val="545B64"/>
+            </a:solidFill>
+            <a:headEnd type="arrow" w="med" len="sm"/>
+            <a:tailEnd type="none"/>
+          </a:ln>
+        </p:spPr>
+        <p:style>
+          <a:lnRef idx="1">
+            <a:schemeClr val="accent1"/>
+          </a:lnRef>
+          <a:fillRef idx="0">
+            <a:schemeClr val="accent1"/>
+          </a:fillRef>
+          <a:effectRef idx="0">
+            <a:schemeClr val="accent1"/>
+          </a:effectRef>
+          <a:fontRef idx="minor">
+            <a:schemeClr val="tx1"/>
+          </a:fontRef>
+        </p:style>
+      </p:cxnSp>
+      <p:cxnSp>
+        <p:nvCxnSpPr>
+          <p:cNvPr id="97" name="Straight Arrow Connector 96">
+            <a:extLst>
+              <a:ext uri="{FF2B5EF4-FFF2-40B4-BE49-F238E27FC236}">
+                <a16:creationId xmlns:a16="http://schemas.microsoft.com/office/drawing/2014/main" id="{76E589F1-E686-4507-B9F7-41E1DEC9AF9D}"/>
+              </a:ext>
+            </a:extLst>
+          </p:cNvPr>
+          <p:cNvCxnSpPr>
+            <a:cxnSpLocks/>
+            <a:stCxn id="79" idx="3"/>
+            <a:endCxn id="67" idx="1"/>
+          </p:cNvCxnSpPr>
+          <p:nvPr/>
+        </p:nvCxnSpPr>
+        <p:spPr>
+          <a:xfrm flipV="1">
+            <a:off x="7724193" y="3955325"/>
+            <a:ext cx="604937" cy="1"/>
+          </a:xfrm>
+          <a:prstGeom prst="straightConnector1">
+            <a:avLst/>
+          </a:prstGeom>
+          <a:ln w="12700">
+            <a:solidFill>
+              <a:srgbClr val="545B64"/>
+            </a:solidFill>
+            <a:headEnd type="none" w="med" len="sm"/>
+            <a:tailEnd type="arrow"/>
+          </a:ln>
+        </p:spPr>
+        <p:style>
+          <a:lnRef idx="1">
+            <a:schemeClr val="accent1"/>
+          </a:lnRef>
+          <a:fillRef idx="0">
+            <a:schemeClr val="accent1"/>
+          </a:fillRef>
+          <a:effectRef idx="0">
+            <a:schemeClr val="accent1"/>
+          </a:effectRef>
+          <a:fontRef idx="minor">
+            <a:schemeClr val="tx1"/>
+          </a:fontRef>
+        </p:style>
+      </p:cxnSp>
+      <p:cxnSp>
+        <p:nvCxnSpPr>
+          <p:cNvPr id="100" name="Straight Arrow Connector 99">
+            <a:extLst>
+              <a:ext uri="{FF2B5EF4-FFF2-40B4-BE49-F238E27FC236}">
+                <a16:creationId xmlns:a16="http://schemas.microsoft.com/office/drawing/2014/main" id="{C73D4D5A-66CA-456D-9E15-0EB341187537}"/>
+              </a:ext>
+            </a:extLst>
+          </p:cNvPr>
+          <p:cNvCxnSpPr>
+            <a:cxnSpLocks/>
+            <a:stCxn id="77" idx="3"/>
+            <a:endCxn id="66" idx="1"/>
+          </p:cNvCxnSpPr>
+          <p:nvPr/>
+        </p:nvCxnSpPr>
+        <p:spPr>
+          <a:xfrm flipV="1">
+            <a:off x="7740500" y="5962178"/>
+            <a:ext cx="588630" cy="1"/>
+          </a:xfrm>
+          <a:prstGeom prst="straightConnector1">
+            <a:avLst/>
+          </a:prstGeom>
+          <a:ln w="12700">
+            <a:solidFill>
+              <a:srgbClr val="545B64"/>
+            </a:solidFill>
+            <a:headEnd type="none" w="med" len="sm"/>
+            <a:tailEnd type="arrow"/>
+          </a:ln>
+        </p:spPr>
+        <p:style>
+          <a:lnRef idx="1">
+            <a:schemeClr val="accent1"/>
+          </a:lnRef>
+          <a:fillRef idx="0">
+            <a:schemeClr val="accent1"/>
+          </a:fillRef>
+          <a:effectRef idx="0">
+            <a:schemeClr val="accent1"/>
+          </a:effectRef>
+          <a:fontRef idx="minor">
+            <a:schemeClr val="tx1"/>
+          </a:fontRef>
+        </p:style>
+      </p:cxnSp>
+      <p:cxnSp>
+        <p:nvCxnSpPr>
+          <p:cNvPr id="103" name="Straight Arrow Connector 102">
+            <a:extLst>
+              <a:ext uri="{FF2B5EF4-FFF2-40B4-BE49-F238E27FC236}">
+                <a16:creationId xmlns:a16="http://schemas.microsoft.com/office/drawing/2014/main" id="{1F0021F0-AF35-4DFA-8E2F-6F39FE84C16A}"/>
+              </a:ext>
+            </a:extLst>
+          </p:cNvPr>
+          <p:cNvCxnSpPr>
+            <a:cxnSpLocks/>
+            <a:stCxn id="66" idx="3"/>
+            <a:endCxn id="70" idx="1"/>
+          </p:cNvCxnSpPr>
+          <p:nvPr/>
+        </p:nvCxnSpPr>
+        <p:spPr>
+          <a:xfrm>
+            <a:off x="8768042" y="5962178"/>
+            <a:ext cx="734742" cy="0"/>
+          </a:xfrm>
+          <a:prstGeom prst="straightConnector1">
+            <a:avLst/>
+          </a:prstGeom>
+          <a:ln w="12700">
+            <a:solidFill>
+              <a:srgbClr val="545B64"/>
+            </a:solidFill>
+            <a:headEnd type="none" w="med" len="sm"/>
+            <a:tailEnd type="arrow"/>
+          </a:ln>
+        </p:spPr>
+        <p:style>
+          <a:lnRef idx="1">
+            <a:schemeClr val="accent1"/>
+          </a:lnRef>
+          <a:fillRef idx="0">
+            <a:schemeClr val="accent1"/>
+          </a:fillRef>
+          <a:effectRef idx="0">
+            <a:schemeClr val="accent1"/>
+          </a:effectRef>
+          <a:fontRef idx="minor">
+            <a:schemeClr val="tx1"/>
+          </a:fontRef>
+        </p:style>
+      </p:cxnSp>
+      <p:cxnSp>
+        <p:nvCxnSpPr>
+          <p:cNvPr id="113" name="Straight Arrow Connector 112">
+            <a:extLst>
+              <a:ext uri="{FF2B5EF4-FFF2-40B4-BE49-F238E27FC236}">
+                <a16:creationId xmlns:a16="http://schemas.microsoft.com/office/drawing/2014/main" id="{2BE7C225-8F52-4D1B-B5B5-5E7D92089CE9}"/>
+              </a:ext>
+            </a:extLst>
+          </p:cNvPr>
+          <p:cNvCxnSpPr>
+            <a:cxnSpLocks/>
+            <a:stCxn id="65" idx="2"/>
+            <a:endCxn id="27" idx="0"/>
+          </p:cNvCxnSpPr>
+          <p:nvPr/>
+        </p:nvCxnSpPr>
+        <p:spPr>
+          <a:xfrm flipH="1">
+            <a:off x="8548586" y="6438483"/>
+            <a:ext cx="1" cy="1113641"/>
+          </a:xfrm>
+          <a:prstGeom prst="straightConnector1">
+            <a:avLst/>
+          </a:prstGeom>
+          <a:ln w="12700">
+            <a:solidFill>
+              <a:srgbClr val="545B64"/>
+            </a:solidFill>
+            <a:headEnd type="arrow" w="med" len="sm"/>
+            <a:tailEnd type="none"/>
+          </a:ln>
+        </p:spPr>
+        <p:style>
+          <a:lnRef idx="1">
+            <a:schemeClr val="accent1"/>
+          </a:lnRef>
+          <a:fillRef idx="0">
+            <a:schemeClr val="accent1"/>
+          </a:fillRef>
+          <a:effectRef idx="0">
+            <a:schemeClr val="accent1"/>
+          </a:effectRef>
+          <a:fontRef idx="minor">
+            <a:schemeClr val="tx1"/>
+          </a:fontRef>
+        </p:style>
+      </p:cxnSp>
+      <p:sp>
+        <p:nvSpPr>
+          <p:cNvPr id="122" name="Rectangle 121">
+            <a:extLst>
+              <a:ext uri="{FF2B5EF4-FFF2-40B4-BE49-F238E27FC236}">
+                <a16:creationId xmlns:a16="http://schemas.microsoft.com/office/drawing/2014/main" id="{597E9277-E0C0-47C7-8D8C-B51D288530E8}"/>
+              </a:ext>
+            </a:extLst>
+          </p:cNvPr>
+          <p:cNvSpPr/>
+          <p:nvPr/>
+        </p:nvSpPr>
+        <p:spPr>
+          <a:xfrm>
+            <a:off x="1781904" y="7223464"/>
+            <a:ext cx="1765300" cy="1113066"/>
+          </a:xfrm>
+          <a:prstGeom prst="rect">
+            <a:avLst/>
+          </a:prstGeom>
+          <a:solidFill>
+            <a:srgbClr val="007CBC">
+              <a:alpha val="9804"/>
+            </a:srgbClr>
+          </a:solidFill>
+          <a:ln w="12700">
+            <a:noFill/>
+            <a:prstDash val="dash"/>
+          </a:ln>
+        </p:spPr>
+        <p:style>
+          <a:lnRef idx="2">
+            <a:schemeClr val="accent1">
+              <a:shade val="50000"/>
+            </a:schemeClr>
+          </a:lnRef>
+          <a:fillRef idx="1">
+            <a:schemeClr val="accent1"/>
+          </a:fillRef>
+          <a:effectRef idx="0">
+            <a:schemeClr val="accent1"/>
+          </a:effectRef>
+          <a:fontRef idx="minor">
+            <a:schemeClr val="lt1"/>
+          </a:fontRef>
+        </p:style>
+        <p:txBody>
+          <a:bodyPr lIns="502920"/>
+          <a:lstStyle/>
+          <a:p>
+            <a:pPr eaLnBrk="1" fontAlgn="auto" hangingPunct="1">
+              <a:spcBef>
+                <a:spcPts val="0"/>
+              </a:spcBef>
+              <a:spcAft>
+                <a:spcPts val="0"/>
+              </a:spcAft>
+              <a:defRPr/>
+            </a:pPr>
+            <a:r>
+              <a:rPr lang="en-US" sz="1200" dirty="0">
+                <a:solidFill>
+                  <a:srgbClr val="5B9CD5"/>
+                </a:solidFill>
+                <a:latin typeface="Arial" panose="020B0604020202020204" pitchFamily="34" charset="0"/>
+                <a:cs typeface="Arial" panose="020B0604020202020204" pitchFamily="34" charset="0"/>
+              </a:rPr>
+              <a:t>Private subnet</a:t>
+            </a:r>
+          </a:p>
+        </p:txBody>
+      </p:sp>
+      <p:pic>
+        <p:nvPicPr>
+          <p:cNvPr id="123" name="Graphic 122">
+            <a:extLst>
+              <a:ext uri="{FF2B5EF4-FFF2-40B4-BE49-F238E27FC236}">
+                <a16:creationId xmlns:a16="http://schemas.microsoft.com/office/drawing/2014/main" id="{A2C87A8D-3B84-444A-ABE9-3A74A448C2C3}"/>
+              </a:ext>
+            </a:extLst>
+          </p:cNvPr>
+          <p:cNvPicPr>
+            <a:picLocks noChangeAspect="1"/>
+          </p:cNvPicPr>
+          <p:nvPr/>
+        </p:nvPicPr>
+        <p:blipFill>
+          <a:blip r:embed="rId27">
+            <a:extLst>
+              <a:ext uri="{96DAC541-7B7A-43D3-8B79-37D633B846F1}">
+                <asvg:svgBlip xmlns:asvg="http://schemas.microsoft.com/office/drawing/2016/SVG/main" r:embed="rId28"/>
+              </a:ext>
+            </a:extLst>
+          </a:blip>
+          <a:stretch>
+            <a:fillRect/>
+          </a:stretch>
+        </p:blipFill>
+        <p:spPr>
+          <a:xfrm>
+            <a:off x="1786666" y="7225052"/>
+            <a:ext cx="329184" cy="329184"/>
+          </a:xfrm>
+          <a:prstGeom prst="rect">
+            <a:avLst/>
+          </a:prstGeom>
+        </p:spPr>
+      </p:pic>
+      <p:sp>
+        <p:nvSpPr>
+          <p:cNvPr id="124" name="TextBox 123">
+            <a:extLst>
+              <a:ext uri="{FF2B5EF4-FFF2-40B4-BE49-F238E27FC236}">
+                <a16:creationId xmlns:a16="http://schemas.microsoft.com/office/drawing/2014/main" id="{36A47E14-9B7E-44EA-92EF-354F61359C44}"/>
+              </a:ext>
+            </a:extLst>
+          </p:cNvPr>
+          <p:cNvSpPr txBox="1"/>
+          <p:nvPr/>
+        </p:nvSpPr>
+        <p:spPr>
+          <a:xfrm>
+            <a:off x="1986381" y="7966708"/>
+            <a:ext cx="1394846" cy="276999"/>
+          </a:xfrm>
+          <a:prstGeom prst="rect">
+            <a:avLst/>
+          </a:prstGeom>
+          <a:noFill/>
+        </p:spPr>
+        <p:txBody>
+          <a:bodyPr wrap="square" rtlCol="0">
+            <a:spAutoFit/>
+          </a:bodyPr>
+          <a:lstStyle/>
+          <a:p>
+            <a:pPr algn="ctr"/>
+            <a:r>
+              <a:rPr lang="en-US" sz="1200" dirty="0">
+                <a:solidFill>
+                  <a:srgbClr val="000000"/>
+                </a:solidFill>
+                <a:latin typeface="Arial" panose="020B0604020202020204" pitchFamily="34" charset="0"/>
+                <a:ea typeface="Amazon Ember" panose="020B0603020204020204" pitchFamily="34" charset="0"/>
+                <a:cs typeface="Arial" panose="020B0604020202020204" pitchFamily="34" charset="0"/>
+              </a:rPr>
+              <a:t>Amazon Redshift</a:t>
+            </a:r>
+            <a:endParaRPr lang="en-US" sz="1200" dirty="0">
+              <a:latin typeface="Arial" panose="020B0604020202020204" pitchFamily="34" charset="0"/>
+              <a:ea typeface="Amazon Ember" panose="020B0603020204020204" pitchFamily="34" charset="0"/>
+              <a:cs typeface="Arial" panose="020B0604020202020204" pitchFamily="34" charset="0"/>
+            </a:endParaRPr>
+          </a:p>
+        </p:txBody>
+      </p:sp>
+      <p:pic>
+        <p:nvPicPr>
+          <p:cNvPr id="125" name="Graphic 124">
+            <a:extLst>
+              <a:ext uri="{FF2B5EF4-FFF2-40B4-BE49-F238E27FC236}">
+                <a16:creationId xmlns:a16="http://schemas.microsoft.com/office/drawing/2014/main" id="{46425352-70D7-40FE-9F15-357F660C5FE9}"/>
+              </a:ext>
+            </a:extLst>
+          </p:cNvPr>
+          <p:cNvPicPr>
+            <a:picLocks noChangeAspect="1"/>
+          </p:cNvPicPr>
+          <p:nvPr/>
+        </p:nvPicPr>
+        <p:blipFill>
+          <a:blip r:embed="rId29">
+            <a:extLst>
+              <a:ext uri="{96DAC541-7B7A-43D3-8B79-37D633B846F1}">
+                <asvg:svgBlip xmlns:asvg="http://schemas.microsoft.com/office/drawing/2016/SVG/main" r:embed="rId30"/>
+              </a:ext>
+            </a:extLst>
+          </a:blip>
+          <a:stretch>
+            <a:fillRect/>
+          </a:stretch>
+        </p:blipFill>
+        <p:spPr>
+          <a:xfrm>
+            <a:off x="2442038" y="7550419"/>
+            <a:ext cx="442322" cy="442322"/>
+          </a:xfrm>
+          <a:prstGeom prst="rect">
+            <a:avLst/>
+          </a:prstGeom>
+        </p:spPr>
+      </p:pic>
+      <p:sp>
+        <p:nvSpPr>
+          <p:cNvPr id="128" name="TextBox 127">
+            <a:extLst>
+              <a:ext uri="{FF2B5EF4-FFF2-40B4-BE49-F238E27FC236}">
+                <a16:creationId xmlns:a16="http://schemas.microsoft.com/office/drawing/2014/main" id="{089B0723-8251-4D61-AA4F-13C4F84B5151}"/>
+              </a:ext>
+            </a:extLst>
+          </p:cNvPr>
+          <p:cNvSpPr txBox="1"/>
+          <p:nvPr/>
+        </p:nvSpPr>
+        <p:spPr>
+          <a:xfrm>
+            <a:off x="5935462" y="5953710"/>
+            <a:ext cx="1637828" cy="276999"/>
+          </a:xfrm>
+          <a:prstGeom prst="rect">
+            <a:avLst/>
+          </a:prstGeom>
+          <a:noFill/>
+        </p:spPr>
+        <p:txBody>
+          <a:bodyPr wrap="square" rtlCol="0">
+            <a:spAutoFit/>
+          </a:bodyPr>
+          <a:lstStyle/>
+          <a:p>
+            <a:pPr algn="ctr"/>
+            <a:r>
+              <a:rPr lang="en-US" sz="1200" dirty="0">
+                <a:latin typeface="Arial" panose="020B0604020202020204" pitchFamily="34" charset="0"/>
+                <a:ea typeface="Amazon Ember" panose="020B0603020204020204" pitchFamily="34" charset="0"/>
+                <a:cs typeface="Arial" panose="020B0604020202020204" pitchFamily="34" charset="0"/>
+              </a:rPr>
+              <a:t>Model training</a:t>
+            </a:r>
+          </a:p>
+        </p:txBody>
+      </p:sp>
+      <p:sp>
+        <p:nvSpPr>
+          <p:cNvPr id="129" name="TextBox 128">
+            <a:extLst>
+              <a:ext uri="{FF2B5EF4-FFF2-40B4-BE49-F238E27FC236}">
+                <a16:creationId xmlns:a16="http://schemas.microsoft.com/office/drawing/2014/main" id="{D1BA4A19-6F96-4E3A-8FDC-B629C7FEEF1C}"/>
+              </a:ext>
+            </a:extLst>
+          </p:cNvPr>
+          <p:cNvSpPr txBox="1"/>
+          <p:nvPr/>
+        </p:nvSpPr>
+        <p:spPr>
+          <a:xfrm>
+            <a:off x="6157507" y="3961093"/>
+            <a:ext cx="1406793" cy="276999"/>
+          </a:xfrm>
+          <a:prstGeom prst="rect">
+            <a:avLst/>
+          </a:prstGeom>
+          <a:noFill/>
+        </p:spPr>
+        <p:txBody>
+          <a:bodyPr wrap="square" rtlCol="0">
+            <a:spAutoFit/>
+          </a:bodyPr>
+          <a:lstStyle/>
+          <a:p>
+            <a:pPr algn="ctr"/>
+            <a:r>
+              <a:rPr lang="en-US" sz="1200" dirty="0">
+                <a:latin typeface="Arial" panose="020B0604020202020204" pitchFamily="34" charset="0"/>
+                <a:ea typeface="Amazon Ember" panose="020B0603020204020204" pitchFamily="34" charset="0"/>
+                <a:cs typeface="Arial" panose="020B0604020202020204" pitchFamily="34" charset="0"/>
+              </a:rPr>
+              <a:t>Batch processing</a:t>
+            </a:r>
+          </a:p>
+        </p:txBody>
+      </p:sp>
+    </p:spTree>
+    <p:extLst>
+      <p:ext uri="{BB962C8B-B14F-4D97-AF65-F5344CB8AC3E}">
+        <p14:creationId xmlns:p14="http://schemas.microsoft.com/office/powerpoint/2010/main" val="3882547013"/>
       </p:ext>
     </p:extLst>
   </p:cSld>
